--- a/1. Study Summary/Paper Review/[2nd_Paper Review] Introduction and Execution of Quantization based on PyTorch.pptx
+++ b/1. Study Summary/Paper Review/[2nd_Paper Review] Introduction and Execution of Quantization based on PyTorch.pptx
@@ -5,7 +5,7 @@
     <p:sldMasterId id="2147483648" r:id="rId1"/>
   </p:sldMasterIdLst>
   <p:notesMasterIdLst>
-    <p:notesMasterId r:id="rId22"/>
+    <p:notesMasterId r:id="rId21"/>
   </p:notesMasterIdLst>
   <p:sldIdLst>
     <p:sldId id="256" r:id="rId2"/>
@@ -18,16 +18,15 @@
     <p:sldId id="332" r:id="rId9"/>
     <p:sldId id="333" r:id="rId10"/>
     <p:sldId id="334" r:id="rId11"/>
-    <p:sldId id="335" r:id="rId12"/>
-    <p:sldId id="336" r:id="rId13"/>
-    <p:sldId id="328" r:id="rId14"/>
-    <p:sldId id="329" r:id="rId15"/>
-    <p:sldId id="325" r:id="rId16"/>
-    <p:sldId id="326" r:id="rId17"/>
-    <p:sldId id="327" r:id="rId18"/>
-    <p:sldId id="321" r:id="rId19"/>
-    <p:sldId id="284" r:id="rId20"/>
-    <p:sldId id="316" r:id="rId21"/>
+    <p:sldId id="329" r:id="rId12"/>
+    <p:sldId id="325" r:id="rId13"/>
+    <p:sldId id="335" r:id="rId14"/>
+    <p:sldId id="336" r:id="rId15"/>
+    <p:sldId id="326" r:id="rId16"/>
+    <p:sldId id="327" r:id="rId17"/>
+    <p:sldId id="321" r:id="rId18"/>
+    <p:sldId id="284" r:id="rId19"/>
+    <p:sldId id="316" r:id="rId20"/>
   </p:sldIdLst>
   <p:sldSz cx="12192000" cy="6858000"/>
   <p:notesSz cx="6858000" cy="9144000"/>
@@ -216,7 +215,7 @@
           <a:p>
             <a:fld id="{FB8C714C-B4A7-457B-92AA-320F1353C73F}" type="datetimeFigureOut">
               <a:rPr lang="ko-KR" altLang="en-US" smtClean="0"/>
-              <a:t>2022-07-15</a:t>
+              <a:t>2022-07-20</a:t>
             </a:fld>
             <a:endParaRPr lang="ko-KR" altLang="en-US"/>
           </a:p>
@@ -614,7 +613,195 @@
             <a:pPr marL="0" indent="0">
               <a:buNone/>
             </a:pPr>
+            <a:r>
+              <a:rPr lang="ko-KR" altLang="en-US" dirty="0"/>
+              <a:t>마지막으로 </a:t>
+            </a:r>
+            <a:r>
+              <a:rPr lang="ko-KR" altLang="en-US" dirty="0" err="1"/>
+              <a:t>기억할만한</a:t>
+            </a:r>
+            <a:r>
+              <a:rPr lang="ko-KR" altLang="en-US" dirty="0"/>
+              <a:t> 한 가지는</a:t>
+            </a:r>
+            <a:r>
+              <a:rPr lang="en-US" altLang="ko-KR" dirty="0"/>
+              <a:t>, Dequantization</a:t>
+            </a:r>
+            <a:r>
+              <a:rPr lang="ko-KR" altLang="en-US" dirty="0"/>
+              <a:t>입니다</a:t>
+            </a:r>
+            <a:r>
+              <a:rPr lang="en-US" altLang="ko-KR" dirty="0"/>
+              <a:t>.</a:t>
+            </a:r>
+          </a:p>
+          <a:p>
+            <a:pPr marL="0" indent="0">
+              <a:buNone/>
+            </a:pPr>
             <a:endParaRPr lang="en-US" altLang="ko-KR" dirty="0"/>
+          </a:p>
+          <a:p>
+            <a:pPr marL="0" indent="0">
+              <a:buNone/>
+            </a:pPr>
+            <a:r>
+              <a:rPr lang="en-US" altLang="ko-KR" dirty="0"/>
+              <a:t>Quantization</a:t>
+            </a:r>
+            <a:r>
+              <a:rPr lang="ko-KR" altLang="en-US" dirty="0"/>
+              <a:t>된</a:t>
+            </a:r>
+            <a:r>
+              <a:rPr lang="en-US" altLang="ko-KR" dirty="0"/>
+              <a:t>, </a:t>
+            </a:r>
+            <a:r>
+              <a:rPr lang="ko-KR" altLang="en-US" dirty="0"/>
+              <a:t>즉 </a:t>
+            </a:r>
+            <a:r>
+              <a:rPr lang="en-US" altLang="ko-KR" dirty="0"/>
+              <a:t>INT8</a:t>
+            </a:r>
+            <a:r>
+              <a:rPr lang="ko-KR" altLang="en-US" dirty="0"/>
+              <a:t>인 결과를 다시 </a:t>
+            </a:r>
+            <a:r>
+              <a:rPr lang="en-US" altLang="ko-KR" dirty="0"/>
+              <a:t>Float Point </a:t>
+            </a:r>
+            <a:r>
+              <a:rPr lang="ko-KR" altLang="en-US" dirty="0"/>
+              <a:t>로 바꾸는 과정입니다</a:t>
+            </a:r>
+            <a:r>
+              <a:rPr lang="en-US" altLang="ko-KR" dirty="0"/>
+              <a:t>.</a:t>
+            </a:r>
+          </a:p>
+          <a:p>
+            <a:pPr marL="0" indent="0">
+              <a:buNone/>
+            </a:pPr>
+            <a:endParaRPr lang="en-US" altLang="ko-KR" dirty="0"/>
+          </a:p>
+          <a:p>
+            <a:pPr marL="0" indent="0">
+              <a:buNone/>
+            </a:pPr>
+            <a:r>
+              <a:rPr lang="ko-KR" altLang="en-US" dirty="0"/>
+              <a:t>앞의 </a:t>
+            </a:r>
+            <a:r>
+              <a:rPr lang="en-US" altLang="ko-KR" dirty="0"/>
+              <a:t>Quantization</a:t>
+            </a:r>
+            <a:r>
+              <a:rPr lang="ko-KR" altLang="en-US" dirty="0"/>
+              <a:t>에서</a:t>
+            </a:r>
+            <a:r>
+              <a:rPr lang="en-US" altLang="ko-KR" dirty="0"/>
+              <a:t>, </a:t>
+            </a:r>
+            <a:r>
+              <a:rPr lang="ko-KR" altLang="en-US" dirty="0"/>
+              <a:t>애초에 </a:t>
+            </a:r>
+            <a:r>
+              <a:rPr lang="en-US" altLang="ko-KR" dirty="0"/>
+              <a:t>Float Type</a:t>
+            </a:r>
+            <a:r>
+              <a:rPr lang="ko-KR" altLang="en-US" dirty="0"/>
+              <a:t>을 </a:t>
+            </a:r>
+            <a:r>
+              <a:rPr lang="en-US" altLang="ko-KR" dirty="0"/>
+              <a:t>INT Type</a:t>
+            </a:r>
+            <a:r>
+              <a:rPr lang="ko-KR" altLang="en-US" dirty="0"/>
+              <a:t>으로 변환하면서 반올림을 적용하였기 때문에 이때 정보가 손실되게 됩니다</a:t>
+            </a:r>
+            <a:r>
+              <a:rPr lang="en-US" altLang="ko-KR" dirty="0"/>
+              <a:t>.</a:t>
+            </a:r>
+          </a:p>
+          <a:p>
+            <a:pPr marL="0" indent="0">
+              <a:buNone/>
+            </a:pPr>
+            <a:endParaRPr lang="en-US" altLang="ko-KR" dirty="0"/>
+          </a:p>
+          <a:p>
+            <a:pPr marL="0" indent="0">
+              <a:buNone/>
+            </a:pPr>
+            <a:r>
+              <a:rPr lang="ko-KR" altLang="en-US" dirty="0"/>
+              <a:t>근데 </a:t>
+            </a:r>
+            <a:r>
+              <a:rPr lang="en-US" altLang="ko-KR" dirty="0"/>
+              <a:t>Dequantization</a:t>
+            </a:r>
+            <a:r>
+              <a:rPr lang="ko-KR" altLang="en-US" dirty="0"/>
+              <a:t>을 한다고 해서 잃어버린 정보가 복구되는 것은 아니며</a:t>
+            </a:r>
+            <a:r>
+              <a:rPr lang="en-US" altLang="ko-KR" dirty="0"/>
+              <a:t>, Error</a:t>
+            </a:r>
+            <a:r>
+              <a:rPr lang="ko-KR" altLang="en-US" dirty="0"/>
+              <a:t>가 발생하는데 이 </a:t>
+            </a:r>
+            <a:r>
+              <a:rPr lang="en-US" altLang="ko-KR" dirty="0"/>
+              <a:t>Error</a:t>
+            </a:r>
+            <a:r>
+              <a:rPr lang="ko-KR" altLang="en-US" dirty="0"/>
+              <a:t>가 </a:t>
+            </a:r>
+            <a:r>
+              <a:rPr lang="en-US" altLang="ko-KR" dirty="0"/>
+              <a:t>Quantization Error</a:t>
+            </a:r>
+            <a:r>
+              <a:rPr lang="ko-KR" altLang="en-US" dirty="0"/>
+              <a:t>이며 이 </a:t>
+            </a:r>
+            <a:r>
+              <a:rPr lang="en-US" altLang="ko-KR" dirty="0"/>
+              <a:t>Error</a:t>
+            </a:r>
+            <a:r>
+              <a:rPr lang="ko-KR" altLang="en-US" dirty="0"/>
+              <a:t>를 줄이는 것이 좋은 </a:t>
+            </a:r>
+            <a:r>
+              <a:rPr lang="en-US" altLang="ko-KR" dirty="0"/>
+              <a:t>Quantization Algorithm</a:t>
+            </a:r>
+            <a:r>
+              <a:rPr lang="ko-KR" altLang="en-US" dirty="0"/>
+              <a:t>이라 합니다</a:t>
+            </a:r>
+            <a:r>
+              <a:rPr lang="en-US" altLang="ko-KR" dirty="0"/>
+              <a:t>.</a:t>
+            </a:r>
           </a:p>
         </p:txBody>
       </p:sp>
@@ -701,7 +888,733 @@
             <a:pPr marL="0" indent="0">
               <a:buNone/>
             </a:pPr>
+            <a:r>
+              <a:rPr lang="ko-KR" altLang="en-US" dirty="0"/>
+              <a:t>이러한 개념을 가지는 것이 </a:t>
+            </a:r>
+            <a:r>
+              <a:rPr lang="en-US" altLang="ko-KR" dirty="0"/>
+              <a:t>Quantization</a:t>
+            </a:r>
+            <a:r>
+              <a:rPr lang="ko-KR" altLang="en-US" dirty="0"/>
+              <a:t>인데</a:t>
+            </a:r>
+            <a:r>
+              <a:rPr lang="en-US" altLang="ko-KR" dirty="0"/>
+              <a:t>, </a:t>
+            </a:r>
+            <a:r>
+              <a:rPr lang="ko-KR" altLang="en-US" dirty="0"/>
+              <a:t>지금부터는 각각의 방식에 대해 알아보도록 하겠습니다</a:t>
+            </a:r>
+            <a:r>
+              <a:rPr lang="en-US" altLang="ko-KR" dirty="0"/>
+              <a:t>.</a:t>
+            </a:r>
+          </a:p>
+          <a:p>
+            <a:pPr marL="0" indent="0">
+              <a:buNone/>
+            </a:pPr>
             <a:endParaRPr lang="en-US" altLang="ko-KR" dirty="0"/>
+          </a:p>
+          <a:p>
+            <a:pPr marL="0" indent="0">
+              <a:buNone/>
+            </a:pPr>
+            <a:r>
+              <a:rPr lang="en-US" altLang="ko-KR" dirty="0"/>
+              <a:t>Static Quantization</a:t>
+            </a:r>
+            <a:r>
+              <a:rPr lang="ko-KR" altLang="en-US" dirty="0"/>
+              <a:t>과 </a:t>
+            </a:r>
+            <a:r>
+              <a:rPr lang="en-US" altLang="ko-KR" dirty="0"/>
+              <a:t>Dynamic Quantization</a:t>
+            </a:r>
+            <a:r>
+              <a:rPr lang="ko-KR" altLang="en-US" dirty="0"/>
+              <a:t>을 같이 비교 하면서 설명하자면</a:t>
+            </a:r>
+            <a:r>
+              <a:rPr lang="en-US" altLang="ko-KR" dirty="0"/>
+              <a:t>, </a:t>
+            </a:r>
+          </a:p>
+          <a:p>
+            <a:pPr marL="0" indent="0">
+              <a:buNone/>
+            </a:pPr>
+            <a:endParaRPr lang="en-US" altLang="ko-KR" dirty="0"/>
+          </a:p>
+          <a:p>
+            <a:pPr marL="0" marR="0" lvl="0" indent="0" algn="l" defTabSz="914400" rtl="0" eaLnBrk="1" fontAlgn="auto" latinLnBrk="1" hangingPunct="1">
+              <a:lnSpc>
+                <a:spcPct val="100000"/>
+              </a:lnSpc>
+              <a:spcBef>
+                <a:spcPts val="0"/>
+              </a:spcBef>
+              <a:spcAft>
+                <a:spcPts val="0"/>
+              </a:spcAft>
+              <a:buClrTx/>
+              <a:buSzTx/>
+              <a:buFontTx/>
+              <a:buNone/>
+              <a:tabLst/>
+              <a:defRPr/>
+            </a:pPr>
+            <a:r>
+              <a:rPr lang="en-US" altLang="ko-KR" dirty="0"/>
+              <a:t>Dynamic Quantization</a:t>
+            </a:r>
+            <a:r>
+              <a:rPr lang="ko-KR" altLang="en-US" dirty="0"/>
+              <a:t>은 가중치에 대해서만 양자화를 진행하지만</a:t>
+            </a:r>
+            <a:r>
+              <a:rPr lang="en-US" altLang="ko-KR" dirty="0"/>
+              <a:t>, Static Quantization</a:t>
+            </a:r>
+            <a:r>
+              <a:rPr lang="ko-KR" altLang="en-US" dirty="0"/>
+              <a:t>은 가중치와 </a:t>
+            </a:r>
+            <a:r>
+              <a:rPr lang="en-US" altLang="ko-KR" dirty="0"/>
+              <a:t>Activation</a:t>
+            </a:r>
+            <a:r>
+              <a:rPr lang="ko-KR" altLang="en-US" dirty="0"/>
+              <a:t>에 대해서도 양자화를 진행한다고 합니다</a:t>
+            </a:r>
+            <a:r>
+              <a:rPr lang="en-US" altLang="ko-KR" dirty="0"/>
+              <a:t>.</a:t>
+            </a:r>
+          </a:p>
+          <a:p>
+            <a:pPr marL="0" indent="0">
+              <a:buNone/>
+            </a:pPr>
+            <a:endParaRPr lang="en-US" altLang="ko-KR" dirty="0"/>
+          </a:p>
+          <a:p>
+            <a:pPr marL="0" marR="0" lvl="0" indent="0" algn="l" defTabSz="914400" rtl="0" eaLnBrk="1" fontAlgn="auto" latinLnBrk="1" hangingPunct="1">
+              <a:lnSpc>
+                <a:spcPct val="100000"/>
+              </a:lnSpc>
+              <a:spcBef>
+                <a:spcPts val="0"/>
+              </a:spcBef>
+              <a:spcAft>
+                <a:spcPts val="0"/>
+              </a:spcAft>
+              <a:buClrTx/>
+              <a:buSzTx/>
+              <a:buFontTx/>
+              <a:buNone/>
+              <a:tabLst/>
+              <a:defRPr/>
+            </a:pPr>
+            <a:r>
+              <a:rPr lang="ko-KR" altLang="en-US" dirty="0"/>
+              <a:t>특히</a:t>
+            </a:r>
+            <a:r>
+              <a:rPr lang="en-US" altLang="ko-KR" dirty="0"/>
+              <a:t>, Clipping Range</a:t>
+            </a:r>
+            <a:r>
+              <a:rPr lang="ko-KR" altLang="en-US" dirty="0"/>
+              <a:t>은</a:t>
+            </a:r>
+            <a:r>
+              <a:rPr lang="en-US" altLang="ko-KR" dirty="0"/>
+              <a:t>, </a:t>
+            </a:r>
+            <a:r>
+              <a:rPr lang="en-US" altLang="ko-KR" b="0" i="0" dirty="0" err="1">
+                <a:solidFill>
+                  <a:srgbClr val="212529"/>
+                </a:solidFill>
+                <a:effectLst/>
+                <a:latin typeface="NanumGothicCoding" panose="020D0009000000000000" pitchFamily="49" charset="-127"/>
+                <a:ea typeface="NanumGothicCoding" panose="020D0009000000000000" pitchFamily="49" charset="-127"/>
+              </a:rPr>
+              <a:t>lower_bound</a:t>
+            </a:r>
+            <a:r>
+              <a:rPr lang="ko-KR" altLang="en-US" b="0" i="0" dirty="0">
+                <a:solidFill>
+                  <a:srgbClr val="212529"/>
+                </a:solidFill>
+                <a:effectLst/>
+                <a:latin typeface="NanumGothicCoding" panose="020D0009000000000000" pitchFamily="49" charset="-127"/>
+                <a:ea typeface="NanumGothicCoding" panose="020D0009000000000000" pitchFamily="49" charset="-127"/>
+              </a:rPr>
+              <a:t>와 </a:t>
+            </a:r>
+            <a:r>
+              <a:rPr lang="en-US" altLang="ko-KR" b="0" i="0" dirty="0" err="1">
+                <a:solidFill>
+                  <a:srgbClr val="212529"/>
+                </a:solidFill>
+                <a:effectLst/>
+                <a:latin typeface="NanumGothicCoding" panose="020D0009000000000000" pitchFamily="49" charset="-127"/>
+                <a:ea typeface="NanumGothicCoding" panose="020D0009000000000000" pitchFamily="49" charset="-127"/>
+              </a:rPr>
+              <a:t>upper_bound</a:t>
+            </a:r>
+            <a:r>
+              <a:rPr lang="ko-KR" altLang="en-US" b="0" i="0" dirty="0">
+                <a:solidFill>
+                  <a:srgbClr val="212529"/>
+                </a:solidFill>
+                <a:effectLst/>
+                <a:latin typeface="NanumGothicCoding" panose="020D0009000000000000" pitchFamily="49" charset="-127"/>
+                <a:ea typeface="NanumGothicCoding" panose="020D0009000000000000" pitchFamily="49" charset="-127"/>
+              </a:rPr>
+              <a:t>를 이용하여 값을 특정 범위안의 값을 가지도록 하는 것인데</a:t>
+            </a:r>
+            <a:endParaRPr lang="en-US" altLang="ko-KR" b="0" i="0" dirty="0">
+              <a:solidFill>
+                <a:srgbClr val="212529"/>
+              </a:solidFill>
+              <a:effectLst/>
+              <a:latin typeface="NanumGothicCoding" panose="020D0009000000000000" pitchFamily="49" charset="-127"/>
+              <a:ea typeface="NanumGothicCoding" panose="020D0009000000000000" pitchFamily="49" charset="-127"/>
+            </a:endParaRPr>
+          </a:p>
+          <a:p>
+            <a:pPr marL="0" indent="0">
+              <a:buNone/>
+            </a:pPr>
+            <a:endParaRPr lang="en-US" altLang="ko-KR" dirty="0"/>
+          </a:p>
+          <a:p>
+            <a:pPr marL="0" indent="0">
+              <a:buNone/>
+            </a:pPr>
+            <a:r>
+              <a:rPr lang="en-US" altLang="ko-KR" dirty="0"/>
+              <a:t>Dynamic</a:t>
+            </a:r>
+            <a:r>
+              <a:rPr lang="ko-KR" altLang="en-US" dirty="0"/>
+              <a:t>에서는 </a:t>
+            </a:r>
+            <a:r>
+              <a:rPr lang="en-US" altLang="ko-KR" dirty="0"/>
+              <a:t>Clipping Range</a:t>
+            </a:r>
+            <a:r>
+              <a:rPr lang="ko-KR" altLang="en-US" dirty="0"/>
+              <a:t>를 고정하지 않고</a:t>
+            </a:r>
+            <a:r>
+              <a:rPr lang="en-US" altLang="ko-KR" dirty="0"/>
+              <a:t>, Static</a:t>
+            </a:r>
+            <a:r>
+              <a:rPr lang="ko-KR" altLang="en-US" dirty="0"/>
+              <a:t>에서는 </a:t>
+            </a:r>
+            <a:r>
+              <a:rPr lang="en-US" altLang="ko-KR" dirty="0"/>
+              <a:t>Clipping Range</a:t>
+            </a:r>
+            <a:r>
+              <a:rPr lang="ko-KR" altLang="en-US" dirty="0"/>
+              <a:t>를 고정하는 것이 가장 큰 특징입니다</a:t>
+            </a:r>
+            <a:r>
+              <a:rPr lang="en-US" altLang="ko-KR" dirty="0"/>
+              <a:t>.</a:t>
+            </a:r>
+          </a:p>
+          <a:p>
+            <a:pPr marL="0" indent="0">
+              <a:buNone/>
+            </a:pPr>
+            <a:endParaRPr lang="en-US" altLang="ko-KR" dirty="0"/>
+          </a:p>
+          <a:p>
+            <a:pPr marL="0" indent="0">
+              <a:buNone/>
+            </a:pPr>
+            <a:r>
+              <a:rPr lang="ko-KR" altLang="en-US" b="0" i="0" dirty="0">
+                <a:solidFill>
+                  <a:srgbClr val="212529"/>
+                </a:solidFill>
+                <a:effectLst/>
+                <a:latin typeface="NanumGothicCoding" panose="020D0009000000000000" pitchFamily="49" charset="-127"/>
+                <a:ea typeface="NanumGothicCoding" panose="020D0009000000000000" pitchFamily="49" charset="-127"/>
+              </a:rPr>
+              <a:t>즉</a:t>
+            </a:r>
+            <a:r>
+              <a:rPr lang="en-US" altLang="ko-KR" b="0" i="0" dirty="0">
+                <a:solidFill>
+                  <a:srgbClr val="212529"/>
+                </a:solidFill>
+                <a:effectLst/>
+                <a:latin typeface="NanumGothicCoding" panose="020D0009000000000000" pitchFamily="49" charset="-127"/>
+                <a:ea typeface="NanumGothicCoding" panose="020D0009000000000000" pitchFamily="49" charset="-127"/>
+              </a:rPr>
+              <a:t>, Static </a:t>
+            </a:r>
+            <a:r>
+              <a:rPr lang="en-US" altLang="ko-KR" b="0" i="0" dirty="0" err="1">
+                <a:solidFill>
+                  <a:srgbClr val="212529"/>
+                </a:solidFill>
+                <a:effectLst/>
+                <a:latin typeface="NanumGothicCoding" panose="020D0009000000000000" pitchFamily="49" charset="-127"/>
+                <a:ea typeface="NanumGothicCoding" panose="020D0009000000000000" pitchFamily="49" charset="-127"/>
+              </a:rPr>
+              <a:t>Quantizaiton</a:t>
+            </a:r>
+            <a:r>
+              <a:rPr lang="ko-KR" altLang="en-US" b="0" i="0" dirty="0">
+                <a:solidFill>
+                  <a:srgbClr val="212529"/>
+                </a:solidFill>
+                <a:effectLst/>
+                <a:latin typeface="NanumGothicCoding" panose="020D0009000000000000" pitchFamily="49" charset="-127"/>
+                <a:ea typeface="NanumGothicCoding" panose="020D0009000000000000" pitchFamily="49" charset="-127"/>
+              </a:rPr>
+              <a:t>은 미리 </a:t>
+            </a:r>
+            <a:r>
+              <a:rPr lang="en-US" altLang="ko-KR" b="0" i="0" dirty="0">
+                <a:solidFill>
+                  <a:srgbClr val="212529"/>
+                </a:solidFill>
+                <a:effectLst/>
+                <a:latin typeface="NanumGothicCoding" panose="020D0009000000000000" pitchFamily="49" charset="-127"/>
+                <a:ea typeface="NanumGothicCoding" panose="020D0009000000000000" pitchFamily="49" charset="-127"/>
+              </a:rPr>
+              <a:t>Clipping Range</a:t>
+            </a:r>
+            <a:r>
+              <a:rPr lang="ko-KR" altLang="en-US" b="0" i="0" dirty="0">
+                <a:solidFill>
+                  <a:srgbClr val="212529"/>
+                </a:solidFill>
+                <a:effectLst/>
+                <a:latin typeface="NanumGothicCoding" panose="020D0009000000000000" pitchFamily="49" charset="-127"/>
+                <a:ea typeface="NanumGothicCoding" panose="020D0009000000000000" pitchFamily="49" charset="-127"/>
+              </a:rPr>
+              <a:t>를 고정하기 위해 샘플 입력 데이터를 준비하여 </a:t>
+            </a:r>
+            <a:r>
+              <a:rPr lang="en-US" altLang="ko-KR" b="0" i="0" dirty="0">
+                <a:solidFill>
+                  <a:srgbClr val="212529"/>
+                </a:solidFill>
+                <a:effectLst/>
+                <a:latin typeface="NanumGothicCoding" panose="020D0009000000000000" pitchFamily="49" charset="-127"/>
+                <a:ea typeface="NanumGothicCoding" panose="020D0009000000000000" pitchFamily="49" charset="-127"/>
+              </a:rPr>
+              <a:t>Calibration</a:t>
+            </a:r>
+            <a:r>
+              <a:rPr lang="ko-KR" altLang="en-US" b="0" i="0" dirty="0">
+                <a:solidFill>
+                  <a:srgbClr val="212529"/>
+                </a:solidFill>
+                <a:effectLst/>
+                <a:latin typeface="NanumGothicCoding" panose="020D0009000000000000" pitchFamily="49" charset="-127"/>
+                <a:ea typeface="NanumGothicCoding" panose="020D0009000000000000" pitchFamily="49" charset="-127"/>
+              </a:rPr>
+              <a:t>하는 과정이 필요하며</a:t>
+            </a:r>
+            <a:r>
+              <a:rPr lang="en-US" altLang="ko-KR" b="0" i="0" dirty="0">
+                <a:solidFill>
+                  <a:srgbClr val="212529"/>
+                </a:solidFill>
+                <a:effectLst/>
+                <a:latin typeface="NanumGothicCoding" panose="020D0009000000000000" pitchFamily="49" charset="-127"/>
+                <a:ea typeface="NanumGothicCoding" panose="020D0009000000000000" pitchFamily="49" charset="-127"/>
+              </a:rPr>
+              <a:t>,</a:t>
+            </a:r>
+          </a:p>
+          <a:p>
+            <a:pPr marL="0" indent="0">
+              <a:buNone/>
+            </a:pPr>
+            <a:endParaRPr lang="en-US" altLang="ko-KR" b="0" i="0" dirty="0">
+              <a:solidFill>
+                <a:srgbClr val="212529"/>
+              </a:solidFill>
+              <a:effectLst/>
+              <a:latin typeface="NanumGothicCoding" panose="020D0009000000000000" pitchFamily="49" charset="-127"/>
+              <a:ea typeface="NanumGothicCoding" panose="020D0009000000000000" pitchFamily="49" charset="-127"/>
+            </a:endParaRPr>
+          </a:p>
+          <a:p>
+            <a:pPr marL="0" indent="0">
+              <a:buNone/>
+            </a:pPr>
+            <a:r>
+              <a:rPr lang="en-US" altLang="ko-KR" b="0" i="0" dirty="0">
+                <a:solidFill>
+                  <a:srgbClr val="212529"/>
+                </a:solidFill>
+                <a:effectLst/>
+                <a:latin typeface="NanumGothicCoding" panose="020D0009000000000000" pitchFamily="49" charset="-127"/>
+                <a:ea typeface="NanumGothicCoding" panose="020D0009000000000000" pitchFamily="49" charset="-127"/>
+              </a:rPr>
+              <a:t>Dynamic Quantization</a:t>
+            </a:r>
+            <a:r>
+              <a:rPr lang="ko-KR" altLang="en-US" b="0" i="0" dirty="0">
+                <a:solidFill>
+                  <a:srgbClr val="212529"/>
+                </a:solidFill>
+                <a:effectLst/>
+                <a:latin typeface="NanumGothicCoding" panose="020D0009000000000000" pitchFamily="49" charset="-127"/>
+                <a:ea typeface="NanumGothicCoding" panose="020D0009000000000000" pitchFamily="49" charset="-127"/>
+              </a:rPr>
+              <a:t>은 실시간으로 입력 값의 범위를 받아서 </a:t>
+            </a:r>
+            <a:r>
+              <a:rPr lang="en-US" altLang="ko-KR" b="0" i="0" dirty="0">
+                <a:solidFill>
+                  <a:srgbClr val="212529"/>
+                </a:solidFill>
+                <a:effectLst/>
+                <a:latin typeface="NanumGothicCoding" panose="020D0009000000000000" pitchFamily="49" charset="-127"/>
+                <a:ea typeface="NanumGothicCoding" panose="020D0009000000000000" pitchFamily="49" charset="-127"/>
+              </a:rPr>
+              <a:t>Clipping Range</a:t>
+            </a:r>
+            <a:r>
+              <a:rPr lang="ko-KR" altLang="en-US" b="0" i="0" dirty="0">
+                <a:solidFill>
+                  <a:srgbClr val="212529"/>
+                </a:solidFill>
+                <a:effectLst/>
+                <a:latin typeface="NanumGothicCoding" panose="020D0009000000000000" pitchFamily="49" charset="-127"/>
+                <a:ea typeface="NanumGothicCoding" panose="020D0009000000000000" pitchFamily="49" charset="-127"/>
+              </a:rPr>
+              <a:t>를 결정해야 하므로 추가적인 계산 비용이 들 수 밖에 없습니다</a:t>
+            </a:r>
+            <a:r>
+              <a:rPr lang="en-US" altLang="ko-KR" b="0" i="0" dirty="0">
+                <a:solidFill>
+                  <a:srgbClr val="212529"/>
+                </a:solidFill>
+                <a:effectLst/>
+                <a:latin typeface="NanumGothicCoding" panose="020D0009000000000000" pitchFamily="49" charset="-127"/>
+                <a:ea typeface="NanumGothicCoding" panose="020D0009000000000000" pitchFamily="49" charset="-127"/>
+              </a:rPr>
+              <a:t>.</a:t>
+            </a:r>
+          </a:p>
+          <a:p>
+            <a:pPr marL="0" indent="0">
+              <a:buNone/>
+            </a:pPr>
+            <a:endParaRPr lang="en-US" altLang="ko-KR" b="0" i="0" dirty="0">
+              <a:solidFill>
+                <a:srgbClr val="212529"/>
+              </a:solidFill>
+              <a:effectLst/>
+              <a:latin typeface="NanumGothicCoding" panose="020D0009000000000000" pitchFamily="49" charset="-127"/>
+              <a:ea typeface="NanumGothicCoding" panose="020D0009000000000000" pitchFamily="49" charset="-127"/>
+            </a:endParaRPr>
+          </a:p>
+          <a:p>
+            <a:pPr marL="0" indent="0">
+              <a:buNone/>
+            </a:pPr>
+            <a:r>
+              <a:rPr lang="ko-KR" altLang="en-US" b="0" i="0" dirty="0">
+                <a:solidFill>
+                  <a:srgbClr val="212529"/>
+                </a:solidFill>
+                <a:effectLst/>
+                <a:latin typeface="NanumGothicCoding" panose="020D0009000000000000" pitchFamily="49" charset="-127"/>
+                <a:ea typeface="NanumGothicCoding" panose="020D0009000000000000" pitchFamily="49" charset="-127"/>
+              </a:rPr>
+              <a:t>하지만</a:t>
+            </a:r>
+            <a:r>
+              <a:rPr lang="en-US" altLang="ko-KR" b="0" i="0" dirty="0">
+                <a:solidFill>
+                  <a:srgbClr val="212529"/>
+                </a:solidFill>
+                <a:effectLst/>
+                <a:latin typeface="NanumGothicCoding" panose="020D0009000000000000" pitchFamily="49" charset="-127"/>
+                <a:ea typeface="NanumGothicCoding" panose="020D0009000000000000" pitchFamily="49" charset="-127"/>
+              </a:rPr>
+              <a:t>, </a:t>
+            </a:r>
+            <a:r>
+              <a:rPr lang="ko-KR" altLang="en-US" b="0" i="0" dirty="0">
+                <a:solidFill>
+                  <a:srgbClr val="212529"/>
+                </a:solidFill>
+                <a:effectLst/>
+                <a:latin typeface="NanumGothicCoding" panose="020D0009000000000000" pitchFamily="49" charset="-127"/>
+                <a:ea typeface="NanumGothicCoding" panose="020D0009000000000000" pitchFamily="49" charset="-127"/>
+              </a:rPr>
+              <a:t>전체적인 성능은</a:t>
+            </a:r>
+            <a:r>
+              <a:rPr lang="en-US" altLang="ko-KR" b="0" i="0" dirty="0">
+                <a:solidFill>
+                  <a:srgbClr val="212529"/>
+                </a:solidFill>
+                <a:effectLst/>
+                <a:latin typeface="NanumGothicCoding" panose="020D0009000000000000" pitchFamily="49" charset="-127"/>
+                <a:ea typeface="NanumGothicCoding" panose="020D0009000000000000" pitchFamily="49" charset="-127"/>
+              </a:rPr>
+              <a:t>, </a:t>
+            </a:r>
+            <a:r>
+              <a:rPr lang="ko-KR" altLang="en-US" b="0" i="0" dirty="0">
+                <a:solidFill>
+                  <a:srgbClr val="212529"/>
+                </a:solidFill>
+                <a:effectLst/>
+                <a:latin typeface="NanumGothicCoding" panose="020D0009000000000000" pitchFamily="49" charset="-127"/>
+                <a:ea typeface="NanumGothicCoding" panose="020D0009000000000000" pitchFamily="49" charset="-127"/>
+              </a:rPr>
+              <a:t>동적으로 계산되어 양자화되는 </a:t>
+            </a:r>
+            <a:r>
+              <a:rPr lang="en-US" altLang="ko-KR" b="0" i="0" dirty="0">
+                <a:solidFill>
+                  <a:srgbClr val="212529"/>
+                </a:solidFill>
+                <a:effectLst/>
+                <a:latin typeface="NanumGothicCoding" panose="020D0009000000000000" pitchFamily="49" charset="-127"/>
+                <a:ea typeface="NanumGothicCoding" panose="020D0009000000000000" pitchFamily="49" charset="-127"/>
+              </a:rPr>
+              <a:t>Dynamic Quantization</a:t>
+            </a:r>
+            <a:r>
+              <a:rPr lang="ko-KR" altLang="en-US" b="0" i="0" dirty="0">
+                <a:solidFill>
+                  <a:srgbClr val="212529"/>
+                </a:solidFill>
+                <a:effectLst/>
+                <a:latin typeface="NanumGothicCoding" panose="020D0009000000000000" pitchFamily="49" charset="-127"/>
+                <a:ea typeface="NanumGothicCoding" panose="020D0009000000000000" pitchFamily="49" charset="-127"/>
+              </a:rPr>
+              <a:t>이 </a:t>
+            </a:r>
+            <a:r>
+              <a:rPr lang="en-US" altLang="ko-KR" b="0" i="0" dirty="0">
+                <a:solidFill>
+                  <a:srgbClr val="212529"/>
+                </a:solidFill>
+                <a:effectLst/>
+                <a:latin typeface="NanumGothicCoding" panose="020D0009000000000000" pitchFamily="49" charset="-127"/>
+                <a:ea typeface="NanumGothicCoding" panose="020D0009000000000000" pitchFamily="49" charset="-127"/>
+              </a:rPr>
+              <a:t>Static Quantization</a:t>
+            </a:r>
+            <a:r>
+              <a:rPr lang="ko-KR" altLang="en-US" b="0" i="0" dirty="0">
+                <a:solidFill>
+                  <a:srgbClr val="212529"/>
+                </a:solidFill>
+                <a:effectLst/>
+                <a:latin typeface="NanumGothicCoding" panose="020D0009000000000000" pitchFamily="49" charset="-127"/>
+                <a:ea typeface="NanumGothicCoding" panose="020D0009000000000000" pitchFamily="49" charset="-127"/>
+              </a:rPr>
+              <a:t>보다 정확하다는 특징이 있으며</a:t>
+            </a:r>
+            <a:r>
+              <a:rPr lang="en-US" altLang="ko-KR" b="0" i="0" dirty="0">
+                <a:solidFill>
+                  <a:srgbClr val="212529"/>
+                </a:solidFill>
+                <a:effectLst/>
+                <a:latin typeface="NanumGothicCoding" panose="020D0009000000000000" pitchFamily="49" charset="-127"/>
+                <a:ea typeface="NanumGothicCoding" panose="020D0009000000000000" pitchFamily="49" charset="-127"/>
+              </a:rPr>
+              <a:t>,</a:t>
+            </a:r>
+          </a:p>
+          <a:p>
+            <a:pPr marL="0" indent="0">
+              <a:buNone/>
+            </a:pPr>
+            <a:endParaRPr lang="en-US" altLang="ko-KR" b="0" i="0" dirty="0">
+              <a:solidFill>
+                <a:srgbClr val="212529"/>
+              </a:solidFill>
+              <a:effectLst/>
+              <a:latin typeface="NanumGothicCoding" panose="020D0009000000000000" pitchFamily="49" charset="-127"/>
+              <a:ea typeface="NanumGothicCoding" panose="020D0009000000000000" pitchFamily="49" charset="-127"/>
+            </a:endParaRPr>
+          </a:p>
+          <a:p>
+            <a:pPr marL="0" indent="0">
+              <a:buNone/>
+            </a:pPr>
+            <a:r>
+              <a:rPr lang="en-US" altLang="ko-KR" b="0" i="0" dirty="0">
+                <a:solidFill>
+                  <a:srgbClr val="212529"/>
+                </a:solidFill>
+                <a:effectLst/>
+                <a:latin typeface="NanumGothicCoding" panose="020D0009000000000000" pitchFamily="49" charset="-127"/>
+                <a:ea typeface="NanumGothicCoding" panose="020D0009000000000000" pitchFamily="49" charset="-127"/>
+              </a:rPr>
+              <a:t>Inference </a:t>
+            </a:r>
+            <a:r>
+              <a:rPr lang="ko-KR" altLang="en-US" b="0" i="0" dirty="0">
+                <a:solidFill>
+                  <a:srgbClr val="212529"/>
+                </a:solidFill>
+                <a:effectLst/>
+                <a:latin typeface="NanumGothicCoding" panose="020D0009000000000000" pitchFamily="49" charset="-127"/>
+                <a:ea typeface="NanumGothicCoding" panose="020D0009000000000000" pitchFamily="49" charset="-127"/>
+              </a:rPr>
+              <a:t>속도는 미리</a:t>
+            </a:r>
+            <a:r>
+              <a:rPr lang="en-US" altLang="ko-KR" b="0" i="0" dirty="0">
+                <a:solidFill>
+                  <a:srgbClr val="212529"/>
+                </a:solidFill>
+                <a:effectLst/>
+                <a:latin typeface="NanumGothicCoding" panose="020D0009000000000000" pitchFamily="49" charset="-127"/>
+                <a:ea typeface="NanumGothicCoding" panose="020D0009000000000000" pitchFamily="49" charset="-127"/>
+              </a:rPr>
+              <a:t> </a:t>
+            </a:r>
+            <a:r>
+              <a:rPr lang="ko-KR" altLang="en-US" b="0" i="0" dirty="0">
+                <a:solidFill>
+                  <a:srgbClr val="212529"/>
+                </a:solidFill>
+                <a:effectLst/>
+                <a:latin typeface="NanumGothicCoding" panose="020D0009000000000000" pitchFamily="49" charset="-127"/>
+                <a:ea typeface="NanumGothicCoding" panose="020D0009000000000000" pitchFamily="49" charset="-127"/>
+              </a:rPr>
+              <a:t>값을 정해준 </a:t>
+            </a:r>
+            <a:r>
+              <a:rPr lang="en-US" altLang="ko-KR" b="0" i="0" dirty="0">
+                <a:solidFill>
+                  <a:srgbClr val="212529"/>
+                </a:solidFill>
+                <a:effectLst/>
+                <a:latin typeface="NanumGothicCoding" panose="020D0009000000000000" pitchFamily="49" charset="-127"/>
+                <a:ea typeface="NanumGothicCoding" panose="020D0009000000000000" pitchFamily="49" charset="-127"/>
+              </a:rPr>
+              <a:t>Static Quantization</a:t>
+            </a:r>
+            <a:r>
+              <a:rPr lang="ko-KR" altLang="en-US" b="0" i="0" dirty="0">
+                <a:solidFill>
+                  <a:srgbClr val="212529"/>
+                </a:solidFill>
+                <a:effectLst/>
+                <a:latin typeface="NanumGothicCoding" panose="020D0009000000000000" pitchFamily="49" charset="-127"/>
+                <a:ea typeface="NanumGothicCoding" panose="020D0009000000000000" pitchFamily="49" charset="-127"/>
+              </a:rPr>
+              <a:t>이 </a:t>
+            </a:r>
+            <a:r>
+              <a:rPr lang="en-US" altLang="ko-KR" b="0" i="0" dirty="0">
+                <a:solidFill>
+                  <a:srgbClr val="212529"/>
+                </a:solidFill>
+                <a:effectLst/>
+                <a:latin typeface="NanumGothicCoding" panose="020D0009000000000000" pitchFamily="49" charset="-127"/>
+                <a:ea typeface="NanumGothicCoding" panose="020D0009000000000000" pitchFamily="49" charset="-127"/>
+              </a:rPr>
+              <a:t>Dynamic Quantization</a:t>
+            </a:r>
+            <a:r>
+              <a:rPr lang="ko-KR" altLang="en-US" b="0" i="0" dirty="0">
+                <a:solidFill>
+                  <a:srgbClr val="212529"/>
+                </a:solidFill>
+                <a:effectLst/>
+                <a:latin typeface="NanumGothicCoding" panose="020D0009000000000000" pitchFamily="49" charset="-127"/>
+                <a:ea typeface="NanumGothicCoding" panose="020D0009000000000000" pitchFamily="49" charset="-127"/>
+              </a:rPr>
+              <a:t>보다 빠르다는 특징이 있습니다</a:t>
+            </a:r>
+            <a:r>
+              <a:rPr lang="en-US" altLang="ko-KR" b="0" i="0" dirty="0">
+                <a:solidFill>
+                  <a:srgbClr val="212529"/>
+                </a:solidFill>
+                <a:effectLst/>
+                <a:latin typeface="NanumGothicCoding" panose="020D0009000000000000" pitchFamily="49" charset="-127"/>
+                <a:ea typeface="NanumGothicCoding" panose="020D0009000000000000" pitchFamily="49" charset="-127"/>
+              </a:rPr>
+              <a:t>.</a:t>
+            </a:r>
+          </a:p>
+          <a:p>
+            <a:pPr marL="0" indent="0">
+              <a:buNone/>
+            </a:pPr>
+            <a:endParaRPr lang="en-US" altLang="ko-KR" dirty="0"/>
+          </a:p>
+          <a:p>
+            <a:pPr marL="0" indent="0">
+              <a:buNone/>
+            </a:pPr>
+            <a:r>
+              <a:rPr lang="ko-KR" altLang="en-US" dirty="0"/>
+              <a:t>그리고</a:t>
+            </a:r>
+            <a:r>
+              <a:rPr lang="en-US" altLang="ko-KR" dirty="0"/>
+              <a:t>, </a:t>
+            </a:r>
+            <a:r>
+              <a:rPr lang="ko-KR" altLang="en-US" dirty="0"/>
+              <a:t>정확도 측면에서 또</a:t>
+            </a:r>
+            <a:r>
+              <a:rPr lang="en-US" altLang="ko-KR" dirty="0"/>
+              <a:t>, </a:t>
+            </a:r>
+            <a:r>
+              <a:rPr lang="ko-KR" altLang="en-US" dirty="0"/>
+              <a:t>속도 측면에서 모두 뛰어난 </a:t>
+            </a:r>
+            <a:r>
+              <a:rPr lang="en-US" altLang="ko-KR" dirty="0"/>
+              <a:t>method</a:t>
+            </a:r>
+            <a:r>
+              <a:rPr lang="ko-KR" altLang="en-US" dirty="0"/>
+              <a:t>가 </a:t>
+            </a:r>
+            <a:r>
+              <a:rPr lang="en-US" altLang="ko-KR" dirty="0"/>
+              <a:t>Quantization Aware Training</a:t>
+            </a:r>
+            <a:r>
+              <a:rPr lang="ko-KR" altLang="en-US" dirty="0"/>
+              <a:t>입니다</a:t>
+            </a:r>
+            <a:r>
+              <a:rPr lang="en-US" altLang="ko-KR" dirty="0"/>
+              <a:t>.</a:t>
+            </a:r>
           </a:p>
         </p:txBody>
       </p:sp>
@@ -731,7 +1644,7 @@
     </p:spTree>
     <p:extLst>
       <p:ext uri="{BB962C8B-B14F-4D97-AF65-F5344CB8AC3E}">
-        <p14:creationId xmlns:p14="http://schemas.microsoft.com/office/powerpoint/2010/main" val="13231583"/>
+        <p14:creationId xmlns:p14="http://schemas.microsoft.com/office/powerpoint/2010/main" val="1240853588"/>
       </p:ext>
     </p:extLst>
   </p:cSld>
@@ -788,7 +1701,767 @@
             <a:pPr marL="0" indent="0">
               <a:buNone/>
             </a:pPr>
+            <a:r>
+              <a:rPr lang="en-US" altLang="ko-KR" dirty="0"/>
+              <a:t>Quantization Aware Training</a:t>
+            </a:r>
+            <a:r>
+              <a:rPr lang="ko-KR" altLang="en-US" dirty="0"/>
+              <a:t>을 알아보기에 앞서</a:t>
+            </a:r>
+            <a:r>
+              <a:rPr lang="en-US" altLang="ko-KR" dirty="0"/>
+              <a:t>,</a:t>
+            </a:r>
+          </a:p>
+          <a:p>
+            <a:pPr marL="0" indent="0">
+              <a:buNone/>
+            </a:pPr>
             <a:endParaRPr lang="en-US" altLang="ko-KR" dirty="0"/>
+          </a:p>
+          <a:p>
+            <a:pPr marL="0" indent="0">
+              <a:buNone/>
+            </a:pPr>
+            <a:r>
+              <a:rPr lang="ko-KR" altLang="en-US" dirty="0"/>
+              <a:t>이미 설명한 </a:t>
+            </a:r>
+            <a:r>
+              <a:rPr lang="en-US" altLang="ko-KR" dirty="0"/>
+              <a:t>Static Quantization</a:t>
+            </a:r>
+            <a:r>
+              <a:rPr lang="ko-KR" altLang="en-US" dirty="0"/>
+              <a:t>은</a:t>
+            </a:r>
+            <a:r>
+              <a:rPr lang="en-US" altLang="ko-KR" dirty="0"/>
+              <a:t> </a:t>
+            </a:r>
+            <a:r>
+              <a:rPr lang="ko-KR" altLang="en-US" dirty="0"/>
+              <a:t>다른 말로</a:t>
+            </a:r>
+            <a:r>
+              <a:rPr lang="en-US" altLang="ko-KR" dirty="0"/>
+              <a:t>, Post Training Quantization</a:t>
+            </a:r>
+            <a:r>
+              <a:rPr lang="ko-KR" altLang="en-US" dirty="0"/>
+              <a:t>인데</a:t>
+            </a:r>
+            <a:r>
+              <a:rPr lang="en-US" altLang="ko-KR" dirty="0"/>
+              <a:t>, </a:t>
+            </a:r>
+          </a:p>
+          <a:p>
+            <a:pPr marL="0" indent="0">
+              <a:buNone/>
+            </a:pPr>
+            <a:endParaRPr lang="en-US" altLang="ko-KR" dirty="0"/>
+          </a:p>
+          <a:p>
+            <a:pPr marL="0" indent="0">
+              <a:buNone/>
+            </a:pPr>
+            <a:r>
+              <a:rPr lang="ko-KR" altLang="en-US" dirty="0"/>
+              <a:t>이와 비교하여 차이점이 무엇이고 각각의 장단점이 </a:t>
+            </a:r>
+            <a:r>
+              <a:rPr lang="ko-KR" altLang="en-US" dirty="0" err="1"/>
+              <a:t>어떤지</a:t>
+            </a:r>
+            <a:r>
+              <a:rPr lang="ko-KR" altLang="en-US" dirty="0"/>
+              <a:t> 살펴보며 </a:t>
+            </a:r>
+            <a:r>
+              <a:rPr lang="en-US" altLang="ko-KR" dirty="0"/>
+              <a:t>Quantization Aware Training</a:t>
+            </a:r>
+            <a:r>
+              <a:rPr lang="ko-KR" altLang="en-US" dirty="0"/>
+              <a:t>에 대해 말하도록 하겠습니다</a:t>
+            </a:r>
+            <a:r>
+              <a:rPr lang="en-US" altLang="ko-KR" dirty="0"/>
+              <a:t>.</a:t>
+            </a:r>
+            <a:r>
+              <a:rPr lang="ko-KR" altLang="en-US" dirty="0"/>
+              <a:t> </a:t>
+            </a:r>
+            <a:endParaRPr lang="en-US" altLang="ko-KR" dirty="0"/>
+          </a:p>
+          <a:p>
+            <a:pPr marL="0" indent="0">
+              <a:buNone/>
+            </a:pPr>
+            <a:endParaRPr lang="en-US" altLang="ko-KR" dirty="0"/>
+          </a:p>
+          <a:p>
+            <a:pPr marL="0" indent="0">
+              <a:buNone/>
+            </a:pPr>
+            <a:r>
+              <a:rPr lang="en-US" altLang="ko-KR" dirty="0"/>
+              <a:t>PTQ</a:t>
+            </a:r>
+            <a:r>
+              <a:rPr lang="ko-KR" altLang="en-US" dirty="0"/>
+              <a:t>는 이름 그대로</a:t>
+            </a:r>
+            <a:r>
+              <a:rPr lang="en-US" altLang="ko-KR" dirty="0"/>
+              <a:t>, </a:t>
+            </a:r>
+            <a:r>
+              <a:rPr lang="ko-KR" altLang="en-US" dirty="0"/>
+              <a:t>먼저 학습을 마친 모델이 가지고 있는 가중치 및 관련 파라미터에 대해 정수화를 진행하는 방식이며</a:t>
+            </a:r>
+            <a:r>
+              <a:rPr lang="en-US" altLang="ko-KR" dirty="0"/>
+              <a:t>,</a:t>
+            </a:r>
+          </a:p>
+          <a:p>
+            <a:pPr marL="0" indent="0">
+              <a:buNone/>
+            </a:pPr>
+            <a:endParaRPr lang="en-US" altLang="ko-KR" dirty="0"/>
+          </a:p>
+          <a:p>
+            <a:pPr marL="0" indent="0">
+              <a:buNone/>
+            </a:pPr>
+            <a:r>
+              <a:rPr lang="en-US" altLang="ko-KR" dirty="0"/>
+              <a:t>QAT</a:t>
+            </a:r>
+            <a:r>
+              <a:rPr lang="ko-KR" altLang="en-US" dirty="0"/>
+              <a:t>는 </a:t>
+            </a:r>
+            <a:r>
+              <a:rPr lang="ko-KR" altLang="en-US" b="0" i="0" dirty="0">
+                <a:solidFill>
+                  <a:srgbClr val="212529"/>
+                </a:solidFill>
+                <a:effectLst/>
+                <a:latin typeface="NanumGothicCoding" panose="020D0009000000000000" pitchFamily="49" charset="-127"/>
+                <a:ea typeface="NanumGothicCoding" panose="020D0009000000000000" pitchFamily="49" charset="-127"/>
+              </a:rPr>
+              <a:t>학습이 진행되는 동안</a:t>
+            </a:r>
+            <a:r>
+              <a:rPr lang="en-US" altLang="ko-KR" b="0" i="0" dirty="0">
+                <a:solidFill>
+                  <a:srgbClr val="212529"/>
+                </a:solidFill>
+                <a:effectLst/>
+                <a:latin typeface="NanumGothicCoding" panose="020D0009000000000000" pitchFamily="49" charset="-127"/>
+                <a:ea typeface="NanumGothicCoding" panose="020D0009000000000000" pitchFamily="49" charset="-127"/>
+              </a:rPr>
+              <a:t>, </a:t>
+            </a:r>
+            <a:r>
+              <a:rPr lang="ko-KR" altLang="en-US" b="0" i="0" dirty="0">
+                <a:solidFill>
+                  <a:srgbClr val="212529"/>
+                </a:solidFill>
+                <a:effectLst/>
+                <a:latin typeface="NanumGothicCoding" panose="020D0009000000000000" pitchFamily="49" charset="-127"/>
+                <a:ea typeface="NanumGothicCoding" panose="020D0009000000000000" pitchFamily="49" charset="-127"/>
+              </a:rPr>
+              <a:t>즉 정수 모델로 변환하는 동안 </a:t>
+            </a:r>
+            <a:r>
+              <a:rPr lang="en-US" altLang="ko-KR" b="0" i="0" dirty="0">
+                <a:solidFill>
+                  <a:srgbClr val="212529"/>
+                </a:solidFill>
+                <a:effectLst/>
+                <a:latin typeface="NanumGothicCoding" panose="020D0009000000000000" pitchFamily="49" charset="-127"/>
+                <a:ea typeface="NanumGothicCoding" panose="020D0009000000000000" pitchFamily="49" charset="-127"/>
+              </a:rPr>
+              <a:t>quantized</a:t>
+            </a:r>
+            <a:r>
+              <a:rPr lang="ko-KR" altLang="en-US" b="0" i="0" dirty="0">
+                <a:solidFill>
+                  <a:srgbClr val="212529"/>
+                </a:solidFill>
+                <a:effectLst/>
+                <a:latin typeface="NanumGothicCoding" panose="020D0009000000000000" pitchFamily="49" charset="-127"/>
+                <a:ea typeface="NanumGothicCoding" panose="020D0009000000000000" pitchFamily="49" charset="-127"/>
+              </a:rPr>
+              <a:t>가 발생하는 위치에 </a:t>
+            </a:r>
+            <a:r>
+              <a:rPr lang="en-US" altLang="ko-KR" b="0" i="0" dirty="0">
+                <a:solidFill>
+                  <a:srgbClr val="212529"/>
+                </a:solidFill>
+                <a:effectLst/>
+                <a:latin typeface="NanumGothicCoding" panose="020D0009000000000000" pitchFamily="49" charset="-127"/>
+                <a:ea typeface="NanumGothicCoding" panose="020D0009000000000000" pitchFamily="49" charset="-127"/>
+              </a:rPr>
+              <a:t>quantization </a:t>
+            </a:r>
+            <a:r>
+              <a:rPr lang="ko-KR" altLang="en-US" b="0" i="0" dirty="0">
+                <a:solidFill>
+                  <a:srgbClr val="212529"/>
+                </a:solidFill>
+                <a:effectLst/>
+                <a:latin typeface="NanumGothicCoding" panose="020D0009000000000000" pitchFamily="49" charset="-127"/>
+                <a:ea typeface="NanumGothicCoding" panose="020D0009000000000000" pitchFamily="49" charset="-127"/>
+              </a:rPr>
+              <a:t>및 </a:t>
+            </a:r>
+            <a:r>
+              <a:rPr lang="en-US" altLang="ko-KR" b="0" i="0" dirty="0">
+                <a:solidFill>
+                  <a:srgbClr val="212529"/>
+                </a:solidFill>
+                <a:effectLst/>
+                <a:latin typeface="NanumGothicCoding" panose="020D0009000000000000" pitchFamily="49" charset="-127"/>
+                <a:ea typeface="NanumGothicCoding" panose="020D0009000000000000" pitchFamily="49" charset="-127"/>
+              </a:rPr>
+              <a:t>dequantization </a:t>
+            </a:r>
+            <a:r>
+              <a:rPr lang="ko-KR" altLang="en-US" b="0" i="0" dirty="0">
+                <a:solidFill>
+                  <a:srgbClr val="212529"/>
+                </a:solidFill>
+                <a:effectLst/>
+                <a:latin typeface="NanumGothicCoding" panose="020D0009000000000000" pitchFamily="49" charset="-127"/>
+                <a:ea typeface="NanumGothicCoding" panose="020D0009000000000000" pitchFamily="49" charset="-127"/>
+              </a:rPr>
+              <a:t>모듈로 구성되는 </a:t>
+            </a:r>
+            <a:endParaRPr lang="en-US" altLang="ko-KR" b="0" i="0" dirty="0">
+              <a:solidFill>
+                <a:srgbClr val="212529"/>
+              </a:solidFill>
+              <a:effectLst/>
+              <a:latin typeface="NanumGothicCoding" panose="020D0009000000000000" pitchFamily="49" charset="-127"/>
+              <a:ea typeface="NanumGothicCoding" panose="020D0009000000000000" pitchFamily="49" charset="-127"/>
+            </a:endParaRPr>
+          </a:p>
+          <a:p>
+            <a:pPr marL="0" indent="0">
+              <a:buNone/>
+            </a:pPr>
+            <a:endParaRPr lang="en-US" altLang="ko-KR" b="0" i="0" dirty="0">
+              <a:solidFill>
+                <a:srgbClr val="212529"/>
+              </a:solidFill>
+              <a:effectLst/>
+              <a:latin typeface="NanumGothicCoding" panose="020D0009000000000000" pitchFamily="49" charset="-127"/>
+              <a:ea typeface="NanumGothicCoding" panose="020D0009000000000000" pitchFamily="49" charset="-127"/>
+            </a:endParaRPr>
+          </a:p>
+          <a:p>
+            <a:pPr marL="0" indent="0">
+              <a:buNone/>
+            </a:pPr>
+            <a:r>
+              <a:rPr lang="en-US" altLang="ko-KR" b="0" i="0" dirty="0">
+                <a:solidFill>
+                  <a:srgbClr val="212529"/>
+                </a:solidFill>
+                <a:effectLst/>
+                <a:latin typeface="NanumGothicCoding" panose="020D0009000000000000" pitchFamily="49" charset="-127"/>
+                <a:ea typeface="NanumGothicCoding" panose="020D0009000000000000" pitchFamily="49" charset="-127"/>
+              </a:rPr>
+              <a:t>fake quantization module</a:t>
+            </a:r>
+            <a:r>
+              <a:rPr lang="ko-KR" altLang="en-US" b="0" i="0" dirty="0">
+                <a:solidFill>
+                  <a:srgbClr val="212529"/>
+                </a:solidFill>
+                <a:effectLst/>
+                <a:latin typeface="NanumGothicCoding" panose="020D0009000000000000" pitchFamily="49" charset="-127"/>
+                <a:ea typeface="NanumGothicCoding" panose="020D0009000000000000" pitchFamily="49" charset="-127"/>
+              </a:rPr>
+              <a:t>을 배치하여 </a:t>
+            </a:r>
+            <a:r>
+              <a:rPr lang="en-US" altLang="ko-KR" b="0" i="0" dirty="0">
+                <a:solidFill>
+                  <a:srgbClr val="212529"/>
+                </a:solidFill>
+                <a:effectLst/>
+                <a:latin typeface="NanumGothicCoding" panose="020D0009000000000000" pitchFamily="49" charset="-127"/>
+                <a:ea typeface="NanumGothicCoding" panose="020D0009000000000000" pitchFamily="49" charset="-127"/>
+              </a:rPr>
+              <a:t>integer quantization</a:t>
+            </a:r>
+            <a:r>
+              <a:rPr lang="ko-KR" altLang="en-US" b="0" i="0" dirty="0">
+                <a:solidFill>
+                  <a:srgbClr val="212529"/>
+                </a:solidFill>
+                <a:effectLst/>
+                <a:latin typeface="NanumGothicCoding" panose="020D0009000000000000" pitchFamily="49" charset="-127"/>
+                <a:ea typeface="NanumGothicCoding" panose="020D0009000000000000" pitchFamily="49" charset="-127"/>
+              </a:rPr>
+              <a:t>에 의해 가져오는 반올림의 효과를 </a:t>
+            </a:r>
+            <a:r>
+              <a:rPr lang="ko-KR" altLang="en-US" b="0" i="0" dirty="0" err="1">
+                <a:solidFill>
+                  <a:srgbClr val="212529"/>
+                </a:solidFill>
+                <a:effectLst/>
+                <a:latin typeface="NanumGothicCoding" panose="020D0009000000000000" pitchFamily="49" charset="-127"/>
+                <a:ea typeface="NanumGothicCoding" panose="020D0009000000000000" pitchFamily="49" charset="-127"/>
+              </a:rPr>
+              <a:t>시뮬레이션하며</a:t>
+            </a:r>
+            <a:r>
+              <a:rPr lang="ko-KR" altLang="en-US" b="0" i="0" dirty="0">
+                <a:solidFill>
+                  <a:srgbClr val="212529"/>
+                </a:solidFill>
+                <a:effectLst/>
+                <a:latin typeface="NanumGothicCoding" panose="020D0009000000000000" pitchFamily="49" charset="-127"/>
+                <a:ea typeface="NanumGothicCoding" panose="020D0009000000000000" pitchFamily="49" charset="-127"/>
+              </a:rPr>
+              <a:t> 이 정보를 바탕으로 양자화를 진행하는 방식입니다</a:t>
+            </a:r>
+            <a:r>
+              <a:rPr lang="en-US" altLang="ko-KR" b="0" i="0" dirty="0">
+                <a:solidFill>
+                  <a:srgbClr val="212529"/>
+                </a:solidFill>
+                <a:effectLst/>
+                <a:latin typeface="NanumGothicCoding" panose="020D0009000000000000" pitchFamily="49" charset="-127"/>
+                <a:ea typeface="NanumGothicCoding" panose="020D0009000000000000" pitchFamily="49" charset="-127"/>
+              </a:rPr>
+              <a:t>.</a:t>
+            </a:r>
+            <a:endParaRPr lang="en-US" altLang="ko-KR" dirty="0"/>
+          </a:p>
+          <a:p>
+            <a:pPr marL="0" indent="0">
+              <a:buNone/>
+            </a:pPr>
+            <a:endParaRPr lang="en-US" altLang="ko-KR" dirty="0"/>
+          </a:p>
+          <a:p>
+            <a:pPr marL="0" indent="0">
+              <a:buNone/>
+            </a:pPr>
+            <a:r>
+              <a:rPr lang="ko-KR" altLang="en-US" dirty="0"/>
+              <a:t>아무래도 </a:t>
+            </a:r>
+            <a:r>
+              <a:rPr lang="en-US" altLang="ko-KR" dirty="0"/>
+              <a:t>QAT</a:t>
+            </a:r>
+            <a:r>
+              <a:rPr lang="ko-KR" altLang="en-US" dirty="0"/>
+              <a:t>의 가장 큰 장점은 가장 성능이 좋다는 것이며</a:t>
+            </a:r>
+            <a:r>
+              <a:rPr lang="en-US" altLang="ko-KR" dirty="0"/>
+              <a:t>,</a:t>
+            </a:r>
+          </a:p>
+          <a:p>
+            <a:pPr marL="0" indent="0">
+              <a:buNone/>
+            </a:pPr>
+            <a:endParaRPr lang="en-US" altLang="ko-KR" dirty="0"/>
+          </a:p>
+          <a:p>
+            <a:pPr marL="0" indent="0">
+              <a:buNone/>
+            </a:pPr>
+            <a:r>
+              <a:rPr lang="en-US" altLang="ko-KR" dirty="0"/>
+              <a:t>PTQ</a:t>
+            </a:r>
+            <a:r>
+              <a:rPr lang="ko-KR" altLang="en-US" dirty="0"/>
+              <a:t>의 경우에는 </a:t>
+            </a:r>
+            <a:r>
+              <a:rPr lang="en-US" altLang="ko-KR" dirty="0"/>
+              <a:t>Size</a:t>
+            </a:r>
+            <a:r>
+              <a:rPr lang="ko-KR" altLang="en-US" dirty="0"/>
+              <a:t>가 작은 </a:t>
+            </a:r>
+            <a:r>
+              <a:rPr lang="en-US" altLang="ko-KR" dirty="0"/>
+              <a:t>Network</a:t>
+            </a:r>
+            <a:r>
+              <a:rPr lang="ko-KR" altLang="en-US" dirty="0"/>
+              <a:t>인 </a:t>
+            </a:r>
+            <a:r>
+              <a:rPr lang="en-US" altLang="ko-KR" dirty="0"/>
+              <a:t>Mobile Net</a:t>
+            </a:r>
+            <a:r>
+              <a:rPr lang="ko-KR" altLang="en-US" dirty="0"/>
+              <a:t>등에서 성능 저하가 많이 일어난다는 문제가 있습니다</a:t>
+            </a:r>
+            <a:r>
+              <a:rPr lang="en-US" altLang="ko-KR" dirty="0"/>
+              <a:t>.</a:t>
+            </a:r>
+          </a:p>
+          <a:p>
+            <a:pPr marL="0" indent="0">
+              <a:buNone/>
+            </a:pPr>
+            <a:endParaRPr lang="en-US" altLang="ko-KR" dirty="0"/>
+          </a:p>
+          <a:p>
+            <a:pPr marL="0" marR="0" lvl="0" indent="0" algn="l" defTabSz="914400" rtl="0" eaLnBrk="1" fontAlgn="auto" latinLnBrk="1" hangingPunct="1">
+              <a:lnSpc>
+                <a:spcPct val="100000"/>
+              </a:lnSpc>
+              <a:spcBef>
+                <a:spcPts val="0"/>
+              </a:spcBef>
+              <a:spcAft>
+                <a:spcPts val="0"/>
+              </a:spcAft>
+              <a:buClrTx/>
+              <a:buSzTx/>
+              <a:buFontTx/>
+              <a:buNone/>
+              <a:tabLst/>
+              <a:defRPr/>
+            </a:pPr>
+            <a:r>
+              <a:rPr lang="ko-KR" altLang="en-US" dirty="0"/>
+              <a:t>그 이유가</a:t>
+            </a:r>
+            <a:r>
+              <a:rPr lang="en-US" altLang="ko-KR" dirty="0"/>
+              <a:t>, </a:t>
+            </a:r>
+            <a:r>
+              <a:rPr lang="ko-KR" altLang="en-US" b="1" i="0" dirty="0">
+                <a:solidFill>
+                  <a:srgbClr val="212529"/>
+                </a:solidFill>
+                <a:effectLst/>
+                <a:latin typeface="NanumGothicCoding" panose="020D0009000000000000" pitchFamily="49" charset="-127"/>
+                <a:ea typeface="NanumGothicCoding" panose="020D0009000000000000" pitchFamily="49" charset="-127"/>
+              </a:rPr>
+              <a:t>소형 모델에서는 </a:t>
+            </a:r>
+            <a:r>
+              <a:rPr lang="en-US" altLang="ko-KR" b="1" i="0" dirty="0">
+                <a:solidFill>
+                  <a:srgbClr val="212529"/>
+                </a:solidFill>
+                <a:effectLst/>
+                <a:latin typeface="NanumGothicCoding" panose="020D0009000000000000" pitchFamily="49" charset="-127"/>
+                <a:ea typeface="NanumGothicCoding" panose="020D0009000000000000" pitchFamily="49" charset="-127"/>
+              </a:rPr>
+              <a:t>weight </a:t>
+            </a:r>
+            <a:r>
+              <a:rPr lang="ko-KR" altLang="en-US" b="1" i="0" dirty="0">
+                <a:solidFill>
+                  <a:srgbClr val="212529"/>
+                </a:solidFill>
+                <a:effectLst/>
+                <a:latin typeface="NanumGothicCoding" panose="020D0009000000000000" pitchFamily="49" charset="-127"/>
+                <a:ea typeface="NanumGothicCoding" panose="020D0009000000000000" pitchFamily="49" charset="-127"/>
+              </a:rPr>
+              <a:t>및 </a:t>
+            </a:r>
+            <a:r>
+              <a:rPr lang="en-US" altLang="ko-KR" b="1" i="0" dirty="0">
+                <a:solidFill>
+                  <a:srgbClr val="212529"/>
+                </a:solidFill>
+                <a:effectLst/>
+                <a:latin typeface="NanumGothicCoding" panose="020D0009000000000000" pitchFamily="49" charset="-127"/>
+                <a:ea typeface="NanumGothicCoding" panose="020D0009000000000000" pitchFamily="49" charset="-127"/>
+              </a:rPr>
+              <a:t>layer</a:t>
+            </a:r>
+            <a:r>
+              <a:rPr lang="ko-KR" altLang="en-US" b="1" i="0" dirty="0">
+                <a:solidFill>
+                  <a:srgbClr val="212529"/>
+                </a:solidFill>
+                <a:effectLst/>
+                <a:latin typeface="NanumGothicCoding" panose="020D0009000000000000" pitchFamily="49" charset="-127"/>
+                <a:ea typeface="NanumGothicCoding" panose="020D0009000000000000" pitchFamily="49" charset="-127"/>
+              </a:rPr>
+              <a:t>의 </a:t>
+            </a:r>
+            <a:r>
+              <a:rPr lang="ko-KR" altLang="en-US" b="1" i="0" dirty="0" err="1">
+                <a:solidFill>
+                  <a:srgbClr val="212529"/>
+                </a:solidFill>
+                <a:effectLst/>
+                <a:latin typeface="NanumGothicCoding" panose="020D0009000000000000" pitchFamily="49" charset="-127"/>
+                <a:ea typeface="NanumGothicCoding" panose="020D0009000000000000" pitchFamily="49" charset="-127"/>
+              </a:rPr>
+              <a:t>갯수가</a:t>
+            </a:r>
+            <a:r>
+              <a:rPr lang="ko-KR" altLang="en-US" b="1" i="0" dirty="0">
+                <a:solidFill>
+                  <a:srgbClr val="212529"/>
+                </a:solidFill>
+                <a:effectLst/>
+                <a:latin typeface="NanumGothicCoding" panose="020D0009000000000000" pitchFamily="49" charset="-127"/>
+                <a:ea typeface="NanumGothicCoding" panose="020D0009000000000000" pitchFamily="49" charset="-127"/>
+              </a:rPr>
+              <a:t> 작으므로 </a:t>
+            </a:r>
+            <a:r>
+              <a:rPr lang="en-US" altLang="ko-KR" b="1" i="0" dirty="0">
+                <a:solidFill>
+                  <a:srgbClr val="212529"/>
+                </a:solidFill>
+                <a:effectLst/>
+                <a:latin typeface="NanumGothicCoding" panose="020D0009000000000000" pitchFamily="49" charset="-127"/>
+                <a:ea typeface="NanumGothicCoding" panose="020D0009000000000000" pitchFamily="49" charset="-127"/>
+              </a:rPr>
+              <a:t>weight</a:t>
+            </a:r>
+            <a:r>
+              <a:rPr lang="ko-KR" altLang="en-US" b="1" i="0" dirty="0">
+                <a:solidFill>
+                  <a:srgbClr val="212529"/>
+                </a:solidFill>
+                <a:effectLst/>
+                <a:latin typeface="NanumGothicCoding" panose="020D0009000000000000" pitchFamily="49" charset="-127"/>
+                <a:ea typeface="NanumGothicCoding" panose="020D0009000000000000" pitchFamily="49" charset="-127"/>
+              </a:rPr>
+              <a:t>가 가지는 정보의 양이 상대적으로 작다</a:t>
+            </a:r>
+            <a:r>
+              <a:rPr lang="ko-KR" altLang="en-US" b="0" i="0" dirty="0">
+                <a:solidFill>
+                  <a:srgbClr val="212529"/>
+                </a:solidFill>
+                <a:effectLst/>
+                <a:latin typeface="NanumGothicCoding" panose="020D0009000000000000" pitchFamily="49" charset="-127"/>
+                <a:ea typeface="NanumGothicCoding" panose="020D0009000000000000" pitchFamily="49" charset="-127"/>
+              </a:rPr>
+              <a:t>는 것에 원인이 있습니다</a:t>
+            </a:r>
+            <a:r>
+              <a:rPr lang="en-US" altLang="ko-KR" b="0" i="0" dirty="0">
+                <a:solidFill>
+                  <a:srgbClr val="212529"/>
+                </a:solidFill>
+                <a:effectLst/>
+                <a:latin typeface="NanumGothicCoding" panose="020D0009000000000000" pitchFamily="49" charset="-127"/>
+                <a:ea typeface="NanumGothicCoding" panose="020D0009000000000000" pitchFamily="49" charset="-127"/>
+              </a:rPr>
+              <a:t>.</a:t>
+            </a:r>
+          </a:p>
+          <a:p>
+            <a:pPr marL="0" marR="0" lvl="0" indent="0" algn="l" defTabSz="914400" rtl="0" eaLnBrk="1" fontAlgn="auto" latinLnBrk="1" hangingPunct="1">
+              <a:lnSpc>
+                <a:spcPct val="100000"/>
+              </a:lnSpc>
+              <a:spcBef>
+                <a:spcPts val="0"/>
+              </a:spcBef>
+              <a:spcAft>
+                <a:spcPts val="0"/>
+              </a:spcAft>
+              <a:buClrTx/>
+              <a:buSzTx/>
+              <a:buFontTx/>
+              <a:buNone/>
+              <a:tabLst/>
+              <a:defRPr/>
+            </a:pPr>
+            <a:endParaRPr lang="en-US" altLang="ko-KR" b="0" i="0" dirty="0">
+              <a:solidFill>
+                <a:srgbClr val="212529"/>
+              </a:solidFill>
+              <a:effectLst/>
+              <a:latin typeface="NanumGothicCoding" panose="020D0009000000000000" pitchFamily="49" charset="-127"/>
+              <a:ea typeface="NanumGothicCoding" panose="020D0009000000000000" pitchFamily="49" charset="-127"/>
+            </a:endParaRPr>
+          </a:p>
+          <a:p>
+            <a:pPr marL="0" marR="0" lvl="0" indent="0" algn="l" defTabSz="914400" rtl="0" eaLnBrk="1" fontAlgn="auto" latinLnBrk="1" hangingPunct="1">
+              <a:lnSpc>
+                <a:spcPct val="100000"/>
+              </a:lnSpc>
+              <a:spcBef>
+                <a:spcPts val="0"/>
+              </a:spcBef>
+              <a:spcAft>
+                <a:spcPts val="0"/>
+              </a:spcAft>
+              <a:buClrTx/>
+              <a:buSzTx/>
+              <a:buFontTx/>
+              <a:buNone/>
+              <a:tabLst/>
+              <a:defRPr/>
+            </a:pPr>
+            <a:r>
+              <a:rPr lang="ko-KR" altLang="en-US" b="0" i="0" dirty="0">
+                <a:solidFill>
+                  <a:srgbClr val="212529"/>
+                </a:solidFill>
+                <a:effectLst/>
+                <a:latin typeface="NanumGothicCoding" panose="020D0009000000000000" pitchFamily="49" charset="-127"/>
+                <a:ea typeface="NanumGothicCoding" panose="020D0009000000000000" pitchFamily="49" charset="-127"/>
+              </a:rPr>
+              <a:t>따라서 소형 모델의 경우 여러가지 에러 및 </a:t>
+            </a:r>
+            <a:r>
+              <a:rPr lang="en-US" altLang="ko-KR" b="0" i="0" dirty="0">
+                <a:solidFill>
+                  <a:srgbClr val="212529"/>
+                </a:solidFill>
+                <a:effectLst/>
+                <a:latin typeface="NanumGothicCoding" panose="020D0009000000000000" pitchFamily="49" charset="-127"/>
+                <a:ea typeface="NanumGothicCoding" panose="020D0009000000000000" pitchFamily="49" charset="-127"/>
+              </a:rPr>
+              <a:t>outlier</a:t>
+            </a:r>
+            <a:r>
+              <a:rPr lang="ko-KR" altLang="en-US" b="0" i="0" dirty="0">
+                <a:solidFill>
+                  <a:srgbClr val="212529"/>
+                </a:solidFill>
+                <a:effectLst/>
+                <a:latin typeface="NanumGothicCoding" panose="020D0009000000000000" pitchFamily="49" charset="-127"/>
+                <a:ea typeface="NanumGothicCoding" panose="020D0009000000000000" pitchFamily="49" charset="-127"/>
+              </a:rPr>
+              <a:t>의 상황에 민감해 지는데</a:t>
+            </a:r>
+            <a:r>
+              <a:rPr lang="en-US" altLang="ko-KR" b="0" i="0" dirty="0">
+                <a:solidFill>
+                  <a:srgbClr val="212529"/>
+                </a:solidFill>
+                <a:effectLst/>
+                <a:latin typeface="NanumGothicCoding" panose="020D0009000000000000" pitchFamily="49" charset="-127"/>
+                <a:ea typeface="NanumGothicCoding" panose="020D0009000000000000" pitchFamily="49" charset="-127"/>
+              </a:rPr>
+              <a:t>, </a:t>
+            </a:r>
+            <a:r>
+              <a:rPr lang="en-US" altLang="ko-KR" b="1" i="0" dirty="0">
+                <a:solidFill>
+                  <a:srgbClr val="212529"/>
+                </a:solidFill>
+                <a:effectLst/>
+                <a:latin typeface="NanumGothicCoding" panose="020D0009000000000000" pitchFamily="49" charset="-127"/>
+                <a:ea typeface="NanumGothicCoding" panose="020D0009000000000000" pitchFamily="49" charset="-127"/>
+              </a:rPr>
+              <a:t>Quantization</a:t>
+            </a:r>
+            <a:r>
+              <a:rPr lang="ko-KR" altLang="en-US" b="1" i="0" dirty="0">
+                <a:solidFill>
+                  <a:srgbClr val="212529"/>
+                </a:solidFill>
+                <a:effectLst/>
+                <a:latin typeface="NanumGothicCoding" panose="020D0009000000000000" pitchFamily="49" charset="-127"/>
+                <a:ea typeface="NanumGothicCoding" panose="020D0009000000000000" pitchFamily="49" charset="-127"/>
+              </a:rPr>
+              <a:t>으로 인하여 학습을 통해 얻은 실제 </a:t>
+            </a:r>
+            <a:r>
+              <a:rPr lang="en-US" altLang="ko-KR" b="1" i="0" dirty="0">
+                <a:solidFill>
+                  <a:srgbClr val="212529"/>
+                </a:solidFill>
+                <a:effectLst/>
+                <a:latin typeface="NanumGothicCoding" panose="020D0009000000000000" pitchFamily="49" charset="-127"/>
+                <a:ea typeface="NanumGothicCoding" panose="020D0009000000000000" pitchFamily="49" charset="-127"/>
+              </a:rPr>
+              <a:t>weight</a:t>
+            </a:r>
+            <a:r>
+              <a:rPr lang="ko-KR" altLang="en-US" b="1" i="0" dirty="0">
+                <a:solidFill>
+                  <a:srgbClr val="212529"/>
+                </a:solidFill>
+                <a:effectLst/>
+                <a:latin typeface="NanumGothicCoding" panose="020D0009000000000000" pitchFamily="49" charset="-127"/>
+                <a:ea typeface="NanumGothicCoding" panose="020D0009000000000000" pitchFamily="49" charset="-127"/>
+              </a:rPr>
+              <a:t>와 달라지는 경우 그 영향이 더욱 커져서</a:t>
+            </a:r>
+            <a:r>
+              <a:rPr lang="ko-KR" altLang="en-US" b="0" i="0" dirty="0">
+                <a:solidFill>
+                  <a:srgbClr val="212529"/>
+                </a:solidFill>
+                <a:effectLst/>
+                <a:latin typeface="NanumGothicCoding" panose="020D0009000000000000" pitchFamily="49" charset="-127"/>
+                <a:ea typeface="NanumGothicCoding" panose="020D0009000000000000" pitchFamily="49" charset="-127"/>
+              </a:rPr>
+              <a:t> </a:t>
+            </a:r>
+            <a:r>
+              <a:rPr lang="en-US" altLang="ko-KR" b="0" i="0" dirty="0">
+                <a:solidFill>
+                  <a:srgbClr val="212529"/>
+                </a:solidFill>
+                <a:effectLst/>
+                <a:latin typeface="NanumGothicCoding" panose="020D0009000000000000" pitchFamily="49" charset="-127"/>
+                <a:ea typeface="NanumGothicCoding" panose="020D0009000000000000" pitchFamily="49" charset="-127"/>
+              </a:rPr>
+              <a:t>PTQ</a:t>
+            </a:r>
+            <a:r>
+              <a:rPr lang="ko-KR" altLang="en-US" b="0" i="0" dirty="0">
+                <a:solidFill>
+                  <a:srgbClr val="212529"/>
+                </a:solidFill>
+                <a:effectLst/>
+                <a:latin typeface="NanumGothicCoding" panose="020D0009000000000000" pitchFamily="49" charset="-127"/>
+                <a:ea typeface="NanumGothicCoding" panose="020D0009000000000000" pitchFamily="49" charset="-127"/>
+              </a:rPr>
+              <a:t>에 의한 성능 감소가 더 크게 발생할 수 있습니다</a:t>
+            </a:r>
+            <a:r>
+              <a:rPr lang="en-US" altLang="ko-KR" b="0" i="0" dirty="0">
+                <a:solidFill>
+                  <a:srgbClr val="212529"/>
+                </a:solidFill>
+                <a:effectLst/>
+                <a:latin typeface="NanumGothicCoding" panose="020D0009000000000000" pitchFamily="49" charset="-127"/>
+                <a:ea typeface="NanumGothicCoding" panose="020D0009000000000000" pitchFamily="49" charset="-127"/>
+              </a:rPr>
+              <a:t>.</a:t>
+            </a:r>
+            <a:endParaRPr lang="ko-KR" altLang="en-US" dirty="0"/>
+          </a:p>
+          <a:p>
+            <a:pPr marL="0" indent="0">
+              <a:buNone/>
+            </a:pPr>
+            <a:endParaRPr lang="ko-KR" altLang="en-US" dirty="0"/>
           </a:p>
         </p:txBody>
       </p:sp>
@@ -818,7 +2491,7 @@
     </p:spTree>
     <p:extLst>
       <p:ext uri="{BB962C8B-B14F-4D97-AF65-F5344CB8AC3E}">
-        <p14:creationId xmlns:p14="http://schemas.microsoft.com/office/powerpoint/2010/main" val="2269822995"/>
+        <p14:creationId xmlns:p14="http://schemas.microsoft.com/office/powerpoint/2010/main" val="2359806756"/>
       </p:ext>
     </p:extLst>
   </p:cSld>
@@ -872,29 +2545,212 @@
           <a:bodyPr/>
           <a:lstStyle/>
           <a:p>
-            <a:pPr marL="0" marR="0" lvl="0" indent="0" algn="l" defTabSz="914400" rtl="0" eaLnBrk="1" fontAlgn="auto" latinLnBrk="1" hangingPunct="1">
-              <a:lnSpc>
-                <a:spcPct val="100000"/>
-              </a:lnSpc>
-              <a:spcBef>
-                <a:spcPts val="0"/>
-              </a:spcBef>
-              <a:spcAft>
-                <a:spcPts val="0"/>
-              </a:spcAft>
-              <a:buClrTx/>
-              <a:buSzTx/>
-              <a:buFontTx/>
+            <a:pPr marL="0" indent="0">
               <a:buNone/>
-              <a:tabLst/>
-              <a:defRPr/>
             </a:pPr>
-            <a:endParaRPr lang="en-US" altLang="ko-KR" sz="1200" kern="100" dirty="0">
+            <a:r>
+              <a:rPr lang="ko-KR" altLang="en-US" dirty="0"/>
+              <a:t>앞 내용을 시각적으로 표현하면 다음과 같습니다</a:t>
+            </a:r>
+            <a:r>
+              <a:rPr lang="en-US" altLang="ko-KR" dirty="0"/>
+              <a:t>.</a:t>
+            </a:r>
+          </a:p>
+          <a:p>
+            <a:pPr marL="0" indent="0">
+              <a:buNone/>
+            </a:pPr>
+            <a:endParaRPr lang="en-US" altLang="ko-KR" dirty="0"/>
+          </a:p>
+          <a:p>
+            <a:pPr marL="0" indent="0">
+              <a:buNone/>
+            </a:pPr>
+            <a:r>
+              <a:rPr lang="en-US" altLang="ko-KR" dirty="0"/>
+              <a:t>QAT</a:t>
+            </a:r>
+            <a:r>
+              <a:rPr lang="ko-KR" altLang="en-US" dirty="0"/>
+              <a:t>에서는 </a:t>
+            </a:r>
+            <a:r>
+              <a:rPr lang="en-US" altLang="ko-KR" dirty="0"/>
+              <a:t>Quantize</a:t>
+            </a:r>
+            <a:r>
+              <a:rPr lang="ko-KR" altLang="en-US" dirty="0"/>
+              <a:t>가 발생하는 부분</a:t>
+            </a:r>
+            <a:r>
+              <a:rPr lang="en-US" altLang="ko-KR" dirty="0"/>
+              <a:t>, </a:t>
+            </a:r>
+            <a:r>
+              <a:rPr lang="ko-KR" altLang="en-US" dirty="0"/>
+              <a:t>즉</a:t>
+            </a:r>
+            <a:r>
+              <a:rPr lang="en-US" altLang="ko-KR" dirty="0"/>
+              <a:t>, Conv-</a:t>
+            </a:r>
+            <a:r>
+              <a:rPr lang="en-US" altLang="ko-KR" dirty="0" err="1"/>
+              <a:t>ReLu</a:t>
+            </a:r>
+            <a:r>
+              <a:rPr lang="en-US" altLang="ko-KR" dirty="0"/>
+              <a:t> </a:t>
+            </a:r>
+            <a:r>
+              <a:rPr lang="ko-KR" altLang="en-US" dirty="0"/>
+              <a:t>혹은 </a:t>
+            </a:r>
+            <a:r>
+              <a:rPr lang="en-US" altLang="ko-KR" dirty="0"/>
+              <a:t>Conv-Batch Normalize-</a:t>
+            </a:r>
+            <a:r>
+              <a:rPr lang="en-US" altLang="ko-KR" dirty="0" err="1"/>
+              <a:t>Relu</a:t>
+            </a:r>
+            <a:r>
+              <a:rPr lang="en-US" altLang="ko-KR" dirty="0"/>
+              <a:t> </a:t>
+            </a:r>
+            <a:r>
+              <a:rPr lang="ko-KR" altLang="en-US" dirty="0"/>
+              <a:t>부분의 앞 뒤에 </a:t>
+            </a:r>
+            <a:r>
+              <a:rPr lang="en-US" altLang="ko-KR" b="0" i="0" dirty="0">
+                <a:solidFill>
+                  <a:srgbClr val="212529"/>
+                </a:solidFill>
+                <a:effectLst/>
+                <a:latin typeface="NanumGothicCoding" panose="020D0009000000000000" pitchFamily="49" charset="-127"/>
+                <a:ea typeface="NanumGothicCoding" panose="020D0009000000000000" pitchFamily="49" charset="-127"/>
+              </a:rPr>
+              <a:t>quantization </a:t>
+            </a:r>
+            <a:r>
+              <a:rPr lang="ko-KR" altLang="en-US" b="0" i="0" dirty="0">
+                <a:solidFill>
+                  <a:srgbClr val="212529"/>
+                </a:solidFill>
+                <a:effectLst/>
+                <a:latin typeface="NanumGothicCoding" panose="020D0009000000000000" pitchFamily="49" charset="-127"/>
+                <a:ea typeface="NanumGothicCoding" panose="020D0009000000000000" pitchFamily="49" charset="-127"/>
+              </a:rPr>
+              <a:t>및 </a:t>
+            </a:r>
+            <a:r>
+              <a:rPr lang="en-US" altLang="ko-KR" b="0" i="0" dirty="0">
+                <a:solidFill>
+                  <a:srgbClr val="212529"/>
+                </a:solidFill>
+                <a:effectLst/>
+                <a:latin typeface="NanumGothicCoding" panose="020D0009000000000000" pitchFamily="49" charset="-127"/>
+                <a:ea typeface="NanumGothicCoding" panose="020D0009000000000000" pitchFamily="49" charset="-127"/>
+              </a:rPr>
+              <a:t>dequantization </a:t>
+            </a:r>
+            <a:r>
+              <a:rPr lang="ko-KR" altLang="en-US" b="0" i="0" dirty="0">
+                <a:solidFill>
+                  <a:srgbClr val="212529"/>
+                </a:solidFill>
+                <a:effectLst/>
+                <a:latin typeface="NanumGothicCoding" panose="020D0009000000000000" pitchFamily="49" charset="-127"/>
+                <a:ea typeface="NanumGothicCoding" panose="020D0009000000000000" pitchFamily="49" charset="-127"/>
+              </a:rPr>
+              <a:t>모듈로 구성되는 </a:t>
+            </a:r>
+            <a:r>
+              <a:rPr lang="en-US" altLang="ko-KR" b="0" i="0" dirty="0">
+                <a:solidFill>
+                  <a:srgbClr val="212529"/>
+                </a:solidFill>
+                <a:effectLst/>
+                <a:latin typeface="NanumGothicCoding" panose="020D0009000000000000" pitchFamily="49" charset="-127"/>
+                <a:ea typeface="NanumGothicCoding" panose="020D0009000000000000" pitchFamily="49" charset="-127"/>
+              </a:rPr>
+              <a:t>fake node</a:t>
+            </a:r>
+            <a:r>
+              <a:rPr lang="ko-KR" altLang="en-US" b="0" i="0" dirty="0">
+                <a:solidFill>
+                  <a:srgbClr val="212529"/>
+                </a:solidFill>
+                <a:effectLst/>
+                <a:latin typeface="NanumGothicCoding" panose="020D0009000000000000" pitchFamily="49" charset="-127"/>
+                <a:ea typeface="NanumGothicCoding" panose="020D0009000000000000" pitchFamily="49" charset="-127"/>
+              </a:rPr>
+              <a:t>를 추가하고</a:t>
+            </a:r>
+            <a:r>
+              <a:rPr lang="en-US" altLang="ko-KR" b="0" i="0" dirty="0">
+                <a:solidFill>
+                  <a:srgbClr val="212529"/>
+                </a:solidFill>
+                <a:effectLst/>
+                <a:latin typeface="NanumGothicCoding" panose="020D0009000000000000" pitchFamily="49" charset="-127"/>
+                <a:ea typeface="NanumGothicCoding" panose="020D0009000000000000" pitchFamily="49" charset="-127"/>
+              </a:rPr>
+              <a:t>,</a:t>
+            </a:r>
+          </a:p>
+          <a:p>
+            <a:pPr marL="0" indent="0">
+              <a:buNone/>
+            </a:pPr>
+            <a:endParaRPr lang="en-US" altLang="ko-KR" b="0" i="0" dirty="0">
+              <a:solidFill>
+                <a:srgbClr val="212529"/>
+              </a:solidFill>
               <a:effectLst/>
-              <a:latin typeface="맑은 고딕" panose="020B0503020000020004" pitchFamily="50" charset="-127"/>
-              <a:ea typeface="맑은 고딕" panose="020B0503020000020004" pitchFamily="50" charset="-127"/>
-              <a:cs typeface="Times New Roman" panose="02020603050405020304" pitchFamily="18" charset="0"/>
+              <a:latin typeface="NanumGothicCoding" panose="020D0009000000000000" pitchFamily="49" charset="-127"/>
+              <a:ea typeface="NanumGothicCoding" panose="020D0009000000000000" pitchFamily="49" charset="-127"/>
             </a:endParaRPr>
+          </a:p>
+          <a:p>
+            <a:pPr marL="0" indent="0">
+              <a:buNone/>
+            </a:pPr>
+            <a:r>
+              <a:rPr lang="en-US" altLang="ko-KR" sz="1800" dirty="0">
+                <a:effectLst/>
+                <a:latin typeface="맑은 고딕" panose="020B0503020000020004" pitchFamily="50" charset="-127"/>
+                <a:cs typeface="Times New Roman" panose="02020603050405020304" pitchFamily="18" charset="0"/>
+              </a:rPr>
+              <a:t>Quantize</a:t>
+            </a:r>
+            <a:r>
+              <a:rPr lang="ko-KR" altLang="ko-KR" sz="1800" dirty="0">
+                <a:effectLst/>
+                <a:ea typeface="맑은 고딕" panose="020B0503020000020004" pitchFamily="50" charset="-127"/>
+                <a:cs typeface="Times New Roman" panose="02020603050405020304" pitchFamily="18" charset="0"/>
+              </a:rPr>
+              <a:t>되었을 시 어떻게 수행이 될지 시뮬레이션을 </a:t>
+            </a:r>
+            <a:r>
+              <a:rPr lang="ko-KR" altLang="en-US" sz="1800" dirty="0">
+                <a:effectLst/>
+                <a:ea typeface="맑은 고딕" panose="020B0503020000020004" pitchFamily="50" charset="-127"/>
+                <a:cs typeface="Times New Roman" panose="02020603050405020304" pitchFamily="18" charset="0"/>
+              </a:rPr>
+              <a:t>돌려보며 최적화를 진행하게 됩니다</a:t>
+            </a:r>
+            <a:r>
+              <a:rPr lang="en-US" altLang="ko-KR" sz="1800" dirty="0">
+                <a:effectLst/>
+                <a:ea typeface="맑은 고딕" panose="020B0503020000020004" pitchFamily="50" charset="-127"/>
+                <a:cs typeface="Times New Roman" panose="02020603050405020304" pitchFamily="18" charset="0"/>
+              </a:rPr>
+              <a:t>.</a:t>
+            </a:r>
+            <a:endParaRPr lang="ko-KR" altLang="en-US" dirty="0"/>
           </a:p>
         </p:txBody>
       </p:sp>
@@ -924,7 +2780,7 @@
     </p:spTree>
     <p:extLst>
       <p:ext uri="{BB962C8B-B14F-4D97-AF65-F5344CB8AC3E}">
-        <p14:creationId xmlns:p14="http://schemas.microsoft.com/office/powerpoint/2010/main" val="2569095261"/>
+        <p14:creationId xmlns:p14="http://schemas.microsoft.com/office/powerpoint/2010/main" val="2886315144"/>
       </p:ext>
     </p:extLst>
   </p:cSld>
@@ -981,7 +2837,124 @@
             <a:pPr marL="0" indent="0">
               <a:buNone/>
             </a:pPr>
+            <a:r>
+              <a:rPr lang="ko-KR" altLang="en-US" dirty="0"/>
+              <a:t>그래서 양자화를 할 수 있는 </a:t>
+            </a:r>
+            <a:r>
+              <a:rPr lang="en-US" altLang="ko-KR" dirty="0"/>
+              <a:t>3</a:t>
+            </a:r>
+            <a:r>
+              <a:rPr lang="ko-KR" altLang="en-US" dirty="0"/>
+              <a:t>가지 방법을 </a:t>
+            </a:r>
+            <a:r>
+              <a:rPr lang="en-US" altLang="ko-KR" dirty="0"/>
+              <a:t>Diagram</a:t>
+            </a:r>
+            <a:r>
+              <a:rPr lang="ko-KR" altLang="en-US" dirty="0"/>
+              <a:t>으로 나타내는 이와 같습니다</a:t>
+            </a:r>
+            <a:r>
+              <a:rPr lang="en-US" altLang="ko-KR" dirty="0"/>
+              <a:t>.</a:t>
+            </a:r>
+          </a:p>
+          <a:p>
+            <a:pPr marL="0" indent="0">
+              <a:buNone/>
+            </a:pPr>
             <a:endParaRPr lang="en-US" altLang="ko-KR" dirty="0"/>
+          </a:p>
+          <a:p>
+            <a:pPr marL="0" indent="0">
+              <a:buNone/>
+            </a:pPr>
+            <a:r>
+              <a:rPr lang="en-US" altLang="ko-KR" dirty="0"/>
+              <a:t>Dynamic Quantization</a:t>
+            </a:r>
+            <a:r>
+              <a:rPr lang="ko-KR" altLang="en-US" dirty="0"/>
+              <a:t>은 가중치에 대해서만 양자화가 된 것을</a:t>
+            </a:r>
+            <a:r>
+              <a:rPr lang="en-US" altLang="ko-KR" dirty="0"/>
+              <a:t>,</a:t>
+            </a:r>
+          </a:p>
+          <a:p>
+            <a:pPr marL="0" indent="0">
+              <a:buNone/>
+            </a:pPr>
+            <a:endParaRPr lang="en-US" altLang="ko-KR" dirty="0"/>
+          </a:p>
+          <a:p>
+            <a:pPr marL="0" indent="0">
+              <a:buNone/>
+            </a:pPr>
+            <a:r>
+              <a:rPr lang="en-US" altLang="ko-KR" dirty="0"/>
+              <a:t>Static Quantization</a:t>
+            </a:r>
+            <a:r>
+              <a:rPr lang="ko-KR" altLang="en-US" dirty="0"/>
+              <a:t>은 가중치와 </a:t>
+            </a:r>
+            <a:r>
+              <a:rPr lang="en-US" altLang="ko-KR" dirty="0"/>
+              <a:t>Activation</a:t>
+            </a:r>
+            <a:r>
+              <a:rPr lang="ko-KR" altLang="en-US" dirty="0"/>
+              <a:t>에 대해 모두 양자화를 시키고 있는 것을</a:t>
+            </a:r>
+            <a:r>
+              <a:rPr lang="en-US" altLang="ko-KR" dirty="0"/>
+              <a:t>,</a:t>
+            </a:r>
+          </a:p>
+          <a:p>
+            <a:pPr marL="0" indent="0">
+              <a:buNone/>
+            </a:pPr>
+            <a:endParaRPr lang="en-US" altLang="ko-KR" dirty="0"/>
+          </a:p>
+          <a:p>
+            <a:pPr marL="0" indent="0">
+              <a:buNone/>
+            </a:pPr>
+            <a:r>
+              <a:rPr lang="en-US" altLang="ko-KR" dirty="0"/>
+              <a:t>Quantization Aware Training</a:t>
+            </a:r>
+            <a:r>
+              <a:rPr lang="ko-KR" altLang="en-US" dirty="0"/>
+              <a:t>에서는 </a:t>
+            </a:r>
+            <a:r>
+              <a:rPr lang="en-US" altLang="ko-KR" dirty="0"/>
+              <a:t>Fake Quantization Node</a:t>
+            </a:r>
+            <a:r>
+              <a:rPr lang="ko-KR" altLang="en-US" dirty="0"/>
+              <a:t>를 </a:t>
+            </a:r>
+            <a:r>
+              <a:rPr lang="en-US" altLang="ko-KR" dirty="0"/>
+              <a:t>Quantize </a:t>
+            </a:r>
+            <a:r>
+              <a:rPr lang="ko-KR" altLang="en-US" dirty="0"/>
+              <a:t>앞 뒤에 추가하여 양자화를 진행하고 있는 것을 확인할 수 있습니다</a:t>
+            </a:r>
+            <a:r>
+              <a:rPr lang="en-US" altLang="ko-KR" dirty="0"/>
+              <a:t>.</a:t>
+            </a:r>
+            <a:endParaRPr lang="ko-KR" altLang="en-US" dirty="0"/>
           </a:p>
         </p:txBody>
       </p:sp>
@@ -1011,7 +2984,7 @@
     </p:spTree>
     <p:extLst>
       <p:ext uri="{BB962C8B-B14F-4D97-AF65-F5344CB8AC3E}">
-        <p14:creationId xmlns:p14="http://schemas.microsoft.com/office/powerpoint/2010/main" val="1240853588"/>
+        <p14:creationId xmlns:p14="http://schemas.microsoft.com/office/powerpoint/2010/main" val="2422917318"/>
       </p:ext>
     </p:extLst>
   </p:cSld>
@@ -1065,9 +3038,718 @@
           <a:bodyPr/>
           <a:lstStyle/>
           <a:p>
-            <a:pPr marL="0" indent="0">
-              <a:buNone/>
+            <a:pPr algn="just" latinLnBrk="1">
+              <a:lnSpc>
+                <a:spcPct val="107000"/>
+              </a:lnSpc>
+              <a:spcAft>
+                <a:spcPts val="800"/>
+              </a:spcAft>
             </a:pPr>
+            <a:r>
+              <a:rPr lang="en-US" altLang="ko-KR" sz="1800" b="0" kern="100" dirty="0">
+                <a:effectLst/>
+                <a:latin typeface="맑은 고딕" panose="020B0503020000020004" pitchFamily="50" charset="-127"/>
+                <a:ea typeface="맑은 고딕" panose="020B0503020000020004" pitchFamily="50" charset="-127"/>
+                <a:cs typeface="Times New Roman" panose="02020603050405020304" pitchFamily="18" charset="0"/>
+              </a:rPr>
+              <a:t>Quantization</a:t>
+            </a:r>
+            <a:r>
+              <a:rPr lang="ko-KR" altLang="en-US" sz="1800" b="0" kern="100" dirty="0">
+                <a:effectLst/>
+                <a:latin typeface="맑은 고딕" panose="020B0503020000020004" pitchFamily="50" charset="-127"/>
+                <a:ea typeface="맑은 고딕" panose="020B0503020000020004" pitchFamily="50" charset="-127"/>
+                <a:cs typeface="Times New Roman" panose="02020603050405020304" pitchFamily="18" charset="0"/>
+              </a:rPr>
+              <a:t>에 대한 전반적인 개념은 이제 마쳤고</a:t>
+            </a:r>
+            <a:r>
+              <a:rPr lang="en-US" altLang="ko-KR" sz="1800" b="0" kern="100" dirty="0">
+                <a:effectLst/>
+                <a:latin typeface="맑은 고딕" panose="020B0503020000020004" pitchFamily="50" charset="-127"/>
+                <a:ea typeface="맑은 고딕" panose="020B0503020000020004" pitchFamily="50" charset="-127"/>
+                <a:cs typeface="Times New Roman" panose="02020603050405020304" pitchFamily="18" charset="0"/>
+              </a:rPr>
+              <a:t>, </a:t>
+            </a:r>
+            <a:r>
+              <a:rPr lang="ko-KR" altLang="en-US" sz="1800" b="0" kern="100" dirty="0">
+                <a:effectLst/>
+                <a:latin typeface="맑은 고딕" panose="020B0503020000020004" pitchFamily="50" charset="-127"/>
+                <a:ea typeface="맑은 고딕" panose="020B0503020000020004" pitchFamily="50" charset="-127"/>
+                <a:cs typeface="Times New Roman" panose="02020603050405020304" pitchFamily="18" charset="0"/>
+              </a:rPr>
+              <a:t>그렇다면 </a:t>
+            </a:r>
+            <a:r>
+              <a:rPr lang="en-US" altLang="ko-KR" sz="1800" b="0" kern="100" dirty="0">
+                <a:effectLst/>
+                <a:latin typeface="맑은 고딕" panose="020B0503020000020004" pitchFamily="50" charset="-127"/>
+                <a:ea typeface="맑은 고딕" panose="020B0503020000020004" pitchFamily="50" charset="-127"/>
+                <a:cs typeface="Times New Roman" panose="02020603050405020304" pitchFamily="18" charset="0"/>
+              </a:rPr>
+              <a:t>Quantization</a:t>
+            </a:r>
+            <a:r>
+              <a:rPr lang="ko-KR" altLang="en-US" sz="1800" b="0" kern="100" dirty="0">
+                <a:effectLst/>
+                <a:latin typeface="맑은 고딕" panose="020B0503020000020004" pitchFamily="50" charset="-127"/>
+                <a:ea typeface="맑은 고딕" panose="020B0503020000020004" pitchFamily="50" charset="-127"/>
+                <a:cs typeface="Times New Roman" panose="02020603050405020304" pitchFamily="18" charset="0"/>
+              </a:rPr>
+              <a:t>이 실제로 </a:t>
+            </a:r>
+            <a:r>
+              <a:rPr lang="en-US" altLang="ko-KR" sz="1800" b="0" kern="100" dirty="0">
+                <a:effectLst/>
+                <a:latin typeface="맑은 고딕" panose="020B0503020000020004" pitchFamily="50" charset="-127"/>
+                <a:ea typeface="맑은 고딕" panose="020B0503020000020004" pitchFamily="50" charset="-127"/>
+                <a:cs typeface="Times New Roman" panose="02020603050405020304" pitchFamily="18" charset="0"/>
+              </a:rPr>
+              <a:t>Deep Learning</a:t>
+            </a:r>
+            <a:r>
+              <a:rPr lang="ko-KR" altLang="en-US" sz="1800" b="0" kern="100" dirty="0">
+                <a:effectLst/>
+                <a:latin typeface="맑은 고딕" panose="020B0503020000020004" pitchFamily="50" charset="-127"/>
+                <a:ea typeface="맑은 고딕" panose="020B0503020000020004" pitchFamily="50" charset="-127"/>
+                <a:cs typeface="Times New Roman" panose="02020603050405020304" pitchFamily="18" charset="0"/>
+              </a:rPr>
+              <a:t>에서 어떤 효과와 성능을 보였는지 간단히 사례를 기반으로 </a:t>
+            </a:r>
+            <a:r>
+              <a:rPr lang="ko-KR" altLang="en-US" sz="1800" b="0" kern="100" dirty="0" err="1">
+                <a:effectLst/>
+                <a:latin typeface="맑은 고딕" panose="020B0503020000020004" pitchFamily="50" charset="-127"/>
+                <a:ea typeface="맑은 고딕" panose="020B0503020000020004" pitchFamily="50" charset="-127"/>
+                <a:cs typeface="Times New Roman" panose="02020603050405020304" pitchFamily="18" charset="0"/>
+              </a:rPr>
+              <a:t>설명드리겠습니다</a:t>
+            </a:r>
+            <a:r>
+              <a:rPr lang="en-US" altLang="ko-KR" sz="1800" b="0" kern="100" dirty="0">
+                <a:effectLst/>
+                <a:latin typeface="맑은 고딕" panose="020B0503020000020004" pitchFamily="50" charset="-127"/>
+                <a:ea typeface="맑은 고딕" panose="020B0503020000020004" pitchFamily="50" charset="-127"/>
+                <a:cs typeface="Times New Roman" panose="02020603050405020304" pitchFamily="18" charset="0"/>
+              </a:rPr>
+              <a:t>.</a:t>
+            </a:r>
+          </a:p>
+          <a:p>
+            <a:pPr algn="just" latinLnBrk="1">
+              <a:lnSpc>
+                <a:spcPct val="107000"/>
+              </a:lnSpc>
+              <a:spcAft>
+                <a:spcPts val="800"/>
+              </a:spcAft>
+            </a:pPr>
+            <a:endParaRPr lang="en-US" altLang="ko-KR" sz="1800" b="0" kern="100" dirty="0">
+              <a:effectLst/>
+              <a:latin typeface="맑은 고딕" panose="020B0503020000020004" pitchFamily="50" charset="-127"/>
+              <a:ea typeface="맑은 고딕" panose="020B0503020000020004" pitchFamily="50" charset="-127"/>
+              <a:cs typeface="Times New Roman" panose="02020603050405020304" pitchFamily="18" charset="0"/>
+            </a:endParaRPr>
+          </a:p>
+          <a:p>
+            <a:pPr algn="just" latinLnBrk="1">
+              <a:lnSpc>
+                <a:spcPct val="107000"/>
+              </a:lnSpc>
+              <a:spcAft>
+                <a:spcPts val="800"/>
+              </a:spcAft>
+            </a:pPr>
+            <a:r>
+              <a:rPr lang="ko-KR" altLang="en-US" sz="1800" b="0" kern="100" dirty="0">
+                <a:effectLst/>
+                <a:latin typeface="맑은 고딕" panose="020B0503020000020004" pitchFamily="50" charset="-127"/>
+                <a:ea typeface="맑은 고딕" panose="020B0503020000020004" pitchFamily="50" charset="-127"/>
+                <a:cs typeface="Times New Roman" panose="02020603050405020304" pitchFamily="18" charset="0"/>
+              </a:rPr>
+              <a:t>이 그래프는 </a:t>
+            </a:r>
+            <a:r>
+              <a:rPr lang="en-US" altLang="ko-KR" sz="1800" b="0" kern="100" dirty="0">
+                <a:effectLst/>
+                <a:latin typeface="맑은 고딕" panose="020B0503020000020004" pitchFamily="50" charset="-127"/>
+                <a:ea typeface="맑은 고딕" panose="020B0503020000020004" pitchFamily="50" charset="-127"/>
+                <a:cs typeface="Times New Roman" panose="02020603050405020304" pitchFamily="18" charset="0"/>
+              </a:rPr>
+              <a:t>‘Learned Step Size Quantization’</a:t>
+            </a:r>
+            <a:r>
+              <a:rPr lang="ko-KR" altLang="en-US" sz="1800" b="0" kern="100" dirty="0">
+                <a:effectLst/>
+                <a:latin typeface="맑은 고딕" panose="020B0503020000020004" pitchFamily="50" charset="-127"/>
+                <a:ea typeface="맑은 고딕" panose="020B0503020000020004" pitchFamily="50" charset="-127"/>
+                <a:cs typeface="Times New Roman" panose="02020603050405020304" pitchFamily="18" charset="0"/>
+              </a:rPr>
+              <a:t>에서 가져온 것인데</a:t>
+            </a:r>
+            <a:r>
+              <a:rPr lang="en-US" altLang="ko-KR" sz="1800" b="0" kern="100" dirty="0">
+                <a:effectLst/>
+                <a:latin typeface="맑은 고딕" panose="020B0503020000020004" pitchFamily="50" charset="-127"/>
+                <a:ea typeface="맑은 고딕" panose="020B0503020000020004" pitchFamily="50" charset="-127"/>
+                <a:cs typeface="Times New Roman" panose="02020603050405020304" pitchFamily="18" charset="0"/>
+              </a:rPr>
+              <a:t>,</a:t>
+            </a:r>
+          </a:p>
+          <a:p>
+            <a:pPr algn="just" latinLnBrk="1">
+              <a:lnSpc>
+                <a:spcPct val="107000"/>
+              </a:lnSpc>
+              <a:spcAft>
+                <a:spcPts val="800"/>
+              </a:spcAft>
+            </a:pPr>
+            <a:endParaRPr lang="en-US" altLang="ko-KR" sz="1800" b="0" kern="100" dirty="0">
+              <a:effectLst/>
+              <a:latin typeface="맑은 고딕" panose="020B0503020000020004" pitchFamily="50" charset="-127"/>
+              <a:ea typeface="맑은 고딕" panose="020B0503020000020004" pitchFamily="50" charset="-127"/>
+              <a:cs typeface="Times New Roman" panose="02020603050405020304" pitchFamily="18" charset="0"/>
+            </a:endParaRPr>
+          </a:p>
+          <a:p>
+            <a:pPr algn="just" latinLnBrk="1">
+              <a:lnSpc>
+                <a:spcPct val="107000"/>
+              </a:lnSpc>
+              <a:spcAft>
+                <a:spcPts val="800"/>
+              </a:spcAft>
+            </a:pPr>
+            <a:r>
+              <a:rPr lang="ko-KR" altLang="en-US" sz="1800" b="0" kern="100" dirty="0">
+                <a:effectLst/>
+                <a:latin typeface="맑은 고딕" panose="020B0503020000020004" pitchFamily="50" charset="-127"/>
+                <a:ea typeface="맑은 고딕" panose="020B0503020000020004" pitchFamily="50" charset="-127"/>
+                <a:cs typeface="Times New Roman" panose="02020603050405020304" pitchFamily="18" charset="0"/>
+              </a:rPr>
+              <a:t>여기서 </a:t>
+            </a:r>
+            <a:r>
+              <a:rPr lang="en-US" altLang="ko-KR" sz="1800" b="0" kern="100" dirty="0">
+                <a:effectLst/>
+                <a:latin typeface="맑은 고딕" panose="020B0503020000020004" pitchFamily="50" charset="-127"/>
+                <a:ea typeface="맑은 고딕" panose="020B0503020000020004" pitchFamily="50" charset="-127"/>
+                <a:cs typeface="Times New Roman" panose="02020603050405020304" pitchFamily="18" charset="0"/>
+              </a:rPr>
+              <a:t>Precision</a:t>
+            </a:r>
+            <a:r>
+              <a:rPr lang="ko-KR" altLang="en-US" sz="1800" b="0" kern="100" dirty="0">
+                <a:effectLst/>
+                <a:latin typeface="맑은 고딕" panose="020B0503020000020004" pitchFamily="50" charset="-127"/>
+                <a:ea typeface="맑은 고딕" panose="020B0503020000020004" pitchFamily="50" charset="-127"/>
+                <a:cs typeface="Times New Roman" panose="02020603050405020304" pitchFamily="18" charset="0"/>
+              </a:rPr>
+              <a:t>은 </a:t>
+            </a:r>
+            <a:r>
+              <a:rPr lang="en-US" altLang="ko-KR" sz="1800" kern="100" dirty="0">
+                <a:effectLst/>
+                <a:latin typeface="맑은 고딕" panose="020B0503020000020004" pitchFamily="50" charset="-127"/>
+                <a:ea typeface="맑은 고딕" panose="020B0503020000020004" pitchFamily="50" charset="-127"/>
+                <a:cs typeface="Times New Roman" panose="02020603050405020304" pitchFamily="18" charset="0"/>
+              </a:rPr>
+              <a:t>Quantization</a:t>
+            </a:r>
+            <a:r>
+              <a:rPr lang="ko-KR" altLang="ko-KR" sz="1800" kern="100" dirty="0">
+                <a:effectLst/>
+                <a:latin typeface="맑은 고딕" panose="020B0503020000020004" pitchFamily="50" charset="-127"/>
+                <a:ea typeface="맑은 고딕" panose="020B0503020000020004" pitchFamily="50" charset="-127"/>
+                <a:cs typeface="Times New Roman" panose="02020603050405020304" pitchFamily="18" charset="0"/>
+              </a:rPr>
+              <a:t>할 때 사용한 </a:t>
+            </a:r>
+            <a:r>
+              <a:rPr lang="en-US" altLang="ko-KR" sz="1800" kern="100" dirty="0">
+                <a:effectLst/>
+                <a:latin typeface="맑은 고딕" panose="020B0503020000020004" pitchFamily="50" charset="-127"/>
+                <a:ea typeface="맑은 고딕" panose="020B0503020000020004" pitchFamily="50" charset="-127"/>
+                <a:cs typeface="Times New Roman" panose="02020603050405020304" pitchFamily="18" charset="0"/>
+              </a:rPr>
+              <a:t>Bit</a:t>
+            </a:r>
+            <a:r>
+              <a:rPr lang="ko-KR" altLang="en-US" sz="1800" kern="100" dirty="0">
+                <a:effectLst/>
+                <a:latin typeface="맑은 고딕" panose="020B0503020000020004" pitchFamily="50" charset="-127"/>
+                <a:ea typeface="맑은 고딕" panose="020B0503020000020004" pitchFamily="50" charset="-127"/>
+                <a:cs typeface="Times New Roman" panose="02020603050405020304" pitchFamily="18" charset="0"/>
+              </a:rPr>
+              <a:t>의 수를 말합니다</a:t>
+            </a:r>
+            <a:r>
+              <a:rPr lang="en-US" altLang="ko-KR" sz="1800" kern="100" dirty="0">
+                <a:effectLst/>
+                <a:latin typeface="맑은 고딕" panose="020B0503020000020004" pitchFamily="50" charset="-127"/>
+                <a:ea typeface="맑은 고딕" panose="020B0503020000020004" pitchFamily="50" charset="-127"/>
+                <a:cs typeface="Times New Roman" panose="02020603050405020304" pitchFamily="18" charset="0"/>
+              </a:rPr>
+              <a:t>.</a:t>
+            </a:r>
+          </a:p>
+          <a:p>
+            <a:pPr algn="just" latinLnBrk="1">
+              <a:lnSpc>
+                <a:spcPct val="107000"/>
+              </a:lnSpc>
+              <a:spcAft>
+                <a:spcPts val="800"/>
+              </a:spcAft>
+            </a:pPr>
+            <a:endParaRPr lang="en-US" altLang="ko-KR" sz="1800" kern="100" dirty="0">
+              <a:effectLst/>
+              <a:latin typeface="맑은 고딕" panose="020B0503020000020004" pitchFamily="50" charset="-127"/>
+              <a:ea typeface="맑은 고딕" panose="020B0503020000020004" pitchFamily="50" charset="-127"/>
+              <a:cs typeface="Times New Roman" panose="02020603050405020304" pitchFamily="18" charset="0"/>
+            </a:endParaRPr>
+          </a:p>
+          <a:p>
+            <a:pPr algn="just" latinLnBrk="1">
+              <a:lnSpc>
+                <a:spcPct val="107000"/>
+              </a:lnSpc>
+              <a:spcAft>
+                <a:spcPts val="800"/>
+              </a:spcAft>
+            </a:pPr>
+            <a:r>
+              <a:rPr lang="ko-KR" altLang="en-US" sz="1800" kern="100" dirty="0">
+                <a:effectLst/>
+                <a:latin typeface="맑은 고딕" panose="020B0503020000020004" pitchFamily="50" charset="-127"/>
+                <a:ea typeface="맑은 고딕" panose="020B0503020000020004" pitchFamily="50" charset="-127"/>
+                <a:cs typeface="Times New Roman" panose="02020603050405020304" pitchFamily="18" charset="0"/>
+              </a:rPr>
+              <a:t>즉</a:t>
+            </a:r>
+            <a:r>
+              <a:rPr lang="en-US" altLang="ko-KR" sz="1800" kern="100" dirty="0">
+                <a:effectLst/>
+                <a:latin typeface="맑은 고딕" panose="020B0503020000020004" pitchFamily="50" charset="-127"/>
+                <a:ea typeface="맑은 고딕" panose="020B0503020000020004" pitchFamily="50" charset="-127"/>
+                <a:cs typeface="Times New Roman" panose="02020603050405020304" pitchFamily="18" charset="0"/>
+              </a:rPr>
+              <a:t>, </a:t>
+            </a:r>
+            <a:r>
+              <a:rPr lang="ko-KR" altLang="en-US" sz="1800" kern="100" dirty="0">
+                <a:effectLst/>
+                <a:latin typeface="맑은 고딕" panose="020B0503020000020004" pitchFamily="50" charset="-127"/>
+                <a:ea typeface="맑은 고딕" panose="020B0503020000020004" pitchFamily="50" charset="-127"/>
+                <a:cs typeface="Times New Roman" panose="02020603050405020304" pitchFamily="18" charset="0"/>
+              </a:rPr>
+              <a:t>보통 </a:t>
+            </a:r>
+            <a:r>
+              <a:rPr lang="en-US" altLang="ko-KR" sz="1800" kern="100" dirty="0">
+                <a:effectLst/>
+                <a:latin typeface="맑은 고딕" panose="020B0503020000020004" pitchFamily="50" charset="-127"/>
+                <a:ea typeface="맑은 고딕" panose="020B0503020000020004" pitchFamily="50" charset="-127"/>
+                <a:cs typeface="Times New Roman" panose="02020603050405020304" pitchFamily="18" charset="0"/>
+              </a:rPr>
+              <a:t>8Bit</a:t>
+            </a:r>
+            <a:r>
+              <a:rPr lang="ko-KR" altLang="en-US" sz="1800" kern="100" dirty="0">
+                <a:effectLst/>
+                <a:latin typeface="맑은 고딕" panose="020B0503020000020004" pitchFamily="50" charset="-127"/>
+                <a:ea typeface="맑은 고딕" panose="020B0503020000020004" pitchFamily="50" charset="-127"/>
+                <a:cs typeface="Times New Roman" panose="02020603050405020304" pitchFamily="18" charset="0"/>
+              </a:rPr>
+              <a:t>의 </a:t>
+            </a:r>
+            <a:r>
+              <a:rPr lang="en-US" altLang="ko-KR" sz="1800" kern="100" dirty="0">
+                <a:effectLst/>
+                <a:latin typeface="맑은 고딕" panose="020B0503020000020004" pitchFamily="50" charset="-127"/>
+                <a:ea typeface="맑은 고딕" panose="020B0503020000020004" pitchFamily="50" charset="-127"/>
+                <a:cs typeface="Times New Roman" panose="02020603050405020304" pitchFamily="18" charset="0"/>
+              </a:rPr>
+              <a:t>Int</a:t>
+            </a:r>
+            <a:r>
+              <a:rPr lang="ko-KR" altLang="en-US" sz="1800" kern="100" dirty="0">
+                <a:effectLst/>
+                <a:latin typeface="맑은 고딕" panose="020B0503020000020004" pitchFamily="50" charset="-127"/>
+                <a:ea typeface="맑은 고딕" panose="020B0503020000020004" pitchFamily="50" charset="-127"/>
+                <a:cs typeface="Times New Roman" panose="02020603050405020304" pitchFamily="18" charset="0"/>
+              </a:rPr>
+              <a:t>로 </a:t>
+            </a:r>
+            <a:r>
+              <a:rPr lang="en-US" altLang="ko-KR" sz="1800" kern="100" dirty="0">
+                <a:effectLst/>
+                <a:latin typeface="맑은 고딕" panose="020B0503020000020004" pitchFamily="50" charset="-127"/>
+                <a:ea typeface="맑은 고딕" panose="020B0503020000020004" pitchFamily="50" charset="-127"/>
+                <a:cs typeface="Times New Roman" panose="02020603050405020304" pitchFamily="18" charset="0"/>
+              </a:rPr>
+              <a:t>Quantization</a:t>
+            </a:r>
+            <a:r>
+              <a:rPr lang="ko-KR" altLang="en-US" sz="1800" kern="100" dirty="0">
+                <a:effectLst/>
+                <a:latin typeface="맑은 고딕" panose="020B0503020000020004" pitchFamily="50" charset="-127"/>
+                <a:ea typeface="맑은 고딕" panose="020B0503020000020004" pitchFamily="50" charset="-127"/>
+                <a:cs typeface="Times New Roman" panose="02020603050405020304" pitchFamily="18" charset="0"/>
+              </a:rPr>
+              <a:t>을 진행한다 했는데</a:t>
+            </a:r>
+            <a:r>
+              <a:rPr lang="en-US" altLang="ko-KR" sz="1800" kern="100" dirty="0">
+                <a:effectLst/>
+                <a:latin typeface="맑은 고딕" panose="020B0503020000020004" pitchFamily="50" charset="-127"/>
+                <a:ea typeface="맑은 고딕" panose="020B0503020000020004" pitchFamily="50" charset="-127"/>
+                <a:cs typeface="Times New Roman" panose="02020603050405020304" pitchFamily="18" charset="0"/>
+              </a:rPr>
+              <a:t>, </a:t>
+            </a:r>
+            <a:r>
+              <a:rPr lang="ko-KR" altLang="en-US" sz="1800" kern="100" dirty="0">
+                <a:effectLst/>
+                <a:latin typeface="맑은 고딕" panose="020B0503020000020004" pitchFamily="50" charset="-127"/>
+                <a:ea typeface="맑은 고딕" panose="020B0503020000020004" pitchFamily="50" charset="-127"/>
+                <a:cs typeface="Times New Roman" panose="02020603050405020304" pitchFamily="18" charset="0"/>
+              </a:rPr>
+              <a:t>여기서는 그 비트 마저도 쪼개면서 성능을 하나하나 비교해본 것인데</a:t>
+            </a:r>
+            <a:r>
+              <a:rPr lang="en-US" altLang="ko-KR" sz="1800" kern="100" dirty="0">
+                <a:effectLst/>
+                <a:latin typeface="맑은 고딕" panose="020B0503020000020004" pitchFamily="50" charset="-127"/>
+                <a:ea typeface="맑은 고딕" panose="020B0503020000020004" pitchFamily="50" charset="-127"/>
+                <a:cs typeface="Times New Roman" panose="02020603050405020304" pitchFamily="18" charset="0"/>
+              </a:rPr>
+              <a:t>,</a:t>
+            </a:r>
+          </a:p>
+          <a:p>
+            <a:pPr algn="just" latinLnBrk="1">
+              <a:lnSpc>
+                <a:spcPct val="107000"/>
+              </a:lnSpc>
+              <a:spcAft>
+                <a:spcPts val="800"/>
+              </a:spcAft>
+            </a:pPr>
+            <a:endParaRPr lang="en-US" altLang="ko-KR" sz="1800" kern="100" dirty="0">
+              <a:effectLst/>
+              <a:latin typeface="맑은 고딕" panose="020B0503020000020004" pitchFamily="50" charset="-127"/>
+              <a:ea typeface="맑은 고딕" panose="020B0503020000020004" pitchFamily="50" charset="-127"/>
+              <a:cs typeface="Times New Roman" panose="02020603050405020304" pitchFamily="18" charset="0"/>
+            </a:endParaRPr>
+          </a:p>
+          <a:p>
+            <a:pPr algn="just" latinLnBrk="1">
+              <a:lnSpc>
+                <a:spcPct val="107000"/>
+              </a:lnSpc>
+              <a:spcAft>
+                <a:spcPts val="800"/>
+              </a:spcAft>
+            </a:pPr>
+            <a:r>
+              <a:rPr lang="ko-KR" altLang="en-US" sz="1800" kern="100" dirty="0">
+                <a:effectLst/>
+                <a:latin typeface="맑은 고딕" panose="020B0503020000020004" pitchFamily="50" charset="-127"/>
+                <a:ea typeface="맑은 고딕" panose="020B0503020000020004" pitchFamily="50" charset="-127"/>
+                <a:cs typeface="Times New Roman" panose="02020603050405020304" pitchFamily="18" charset="0"/>
+              </a:rPr>
+              <a:t>가운데 빨간 부분을 잘 보면</a:t>
+            </a:r>
+            <a:r>
+              <a:rPr lang="en-US" altLang="ko-KR" sz="1800" kern="100" dirty="0">
+                <a:effectLst/>
+                <a:latin typeface="맑은 고딕" panose="020B0503020000020004" pitchFamily="50" charset="-127"/>
+                <a:ea typeface="맑은 고딕" panose="020B0503020000020004" pitchFamily="50" charset="-127"/>
+                <a:cs typeface="Times New Roman" panose="02020603050405020304" pitchFamily="18" charset="0"/>
+              </a:rPr>
+              <a:t>,</a:t>
+            </a:r>
+          </a:p>
+          <a:p>
+            <a:pPr algn="just" latinLnBrk="1">
+              <a:lnSpc>
+                <a:spcPct val="107000"/>
+              </a:lnSpc>
+              <a:spcAft>
+                <a:spcPts val="800"/>
+              </a:spcAft>
+            </a:pPr>
+            <a:endParaRPr lang="ko-KR" altLang="ko-KR" sz="1800" kern="100" dirty="0">
+              <a:effectLst/>
+              <a:latin typeface="맑은 고딕" panose="020B0503020000020004" pitchFamily="50" charset="-127"/>
+              <a:ea typeface="맑은 고딕" panose="020B0503020000020004" pitchFamily="50" charset="-127"/>
+              <a:cs typeface="Times New Roman" panose="02020603050405020304" pitchFamily="18" charset="0"/>
+            </a:endParaRPr>
+          </a:p>
+          <a:p>
+            <a:pPr algn="just" latinLnBrk="1">
+              <a:lnSpc>
+                <a:spcPct val="107000"/>
+              </a:lnSpc>
+              <a:spcAft>
+                <a:spcPts val="800"/>
+              </a:spcAft>
+            </a:pPr>
+            <a:r>
+              <a:rPr lang="en-US" altLang="ko-KR" sz="1800" kern="100" dirty="0">
+                <a:effectLst/>
+                <a:latin typeface="맑은 고딕" panose="020B0503020000020004" pitchFamily="50" charset="-127"/>
+                <a:ea typeface="맑은 고딕" panose="020B0503020000020004" pitchFamily="50" charset="-127"/>
+                <a:cs typeface="Times New Roman" panose="02020603050405020304" pitchFamily="18" charset="0"/>
+              </a:rPr>
+              <a:t>ResNet-34</a:t>
+            </a:r>
+            <a:r>
+              <a:rPr lang="ko-KR" altLang="ko-KR" sz="1800" kern="100" dirty="0">
+                <a:effectLst/>
+                <a:latin typeface="맑은 고딕" panose="020B0503020000020004" pitchFamily="50" charset="-127"/>
+                <a:ea typeface="맑은 고딕" panose="020B0503020000020004" pitchFamily="50" charset="-127"/>
+                <a:cs typeface="Times New Roman" panose="02020603050405020304" pitchFamily="18" charset="0"/>
+              </a:rPr>
+              <a:t>를</a:t>
+            </a:r>
+            <a:r>
+              <a:rPr lang="en-US" altLang="ko-KR" sz="1800" kern="100" dirty="0">
+                <a:effectLst/>
+                <a:latin typeface="맑은 고딕" panose="020B0503020000020004" pitchFamily="50" charset="-127"/>
+                <a:ea typeface="맑은 고딕" panose="020B0503020000020004" pitchFamily="50" charset="-127"/>
+                <a:cs typeface="Times New Roman" panose="02020603050405020304" pitchFamily="18" charset="0"/>
+              </a:rPr>
+              <a:t> 2 bit</a:t>
+            </a:r>
+            <a:r>
+              <a:rPr lang="ko-KR" altLang="ko-KR" sz="1800" kern="100" dirty="0">
+                <a:effectLst/>
+                <a:latin typeface="맑은 고딕" panose="020B0503020000020004" pitchFamily="50" charset="-127"/>
+                <a:ea typeface="맑은 고딕" panose="020B0503020000020004" pitchFamily="50" charset="-127"/>
+                <a:cs typeface="Times New Roman" panose="02020603050405020304" pitchFamily="18" charset="0"/>
+              </a:rPr>
+              <a:t>로 표현하였을 때의</a:t>
+            </a:r>
+            <a:r>
+              <a:rPr lang="en-US" altLang="ko-KR" sz="1800" kern="100" dirty="0">
+                <a:effectLst/>
+                <a:latin typeface="맑은 고딕" panose="020B0503020000020004" pitchFamily="50" charset="-127"/>
+                <a:ea typeface="맑은 고딕" panose="020B0503020000020004" pitchFamily="50" charset="-127"/>
+                <a:cs typeface="Times New Roman" panose="02020603050405020304" pitchFamily="18" charset="0"/>
+              </a:rPr>
+              <a:t> Top-1 Accuracy</a:t>
+            </a:r>
+            <a:r>
+              <a:rPr lang="ko-KR" altLang="ko-KR" sz="1800" kern="100" dirty="0">
+                <a:effectLst/>
+                <a:latin typeface="맑은 고딕" panose="020B0503020000020004" pitchFamily="50" charset="-127"/>
+                <a:ea typeface="맑은 고딕" panose="020B0503020000020004" pitchFamily="50" charset="-127"/>
+                <a:cs typeface="Times New Roman" panose="02020603050405020304" pitchFamily="18" charset="0"/>
+              </a:rPr>
+              <a:t>가</a:t>
+            </a:r>
+            <a:r>
+              <a:rPr lang="en-US" altLang="ko-KR" sz="1800" kern="100" dirty="0">
+                <a:effectLst/>
+                <a:latin typeface="맑은 고딕" panose="020B0503020000020004" pitchFamily="50" charset="-127"/>
+                <a:ea typeface="맑은 고딕" panose="020B0503020000020004" pitchFamily="50" charset="-127"/>
+                <a:cs typeface="Times New Roman" panose="02020603050405020304" pitchFamily="18" charset="0"/>
+              </a:rPr>
+              <a:t> ResNet-18</a:t>
+            </a:r>
+            <a:r>
+              <a:rPr lang="ko-KR" altLang="ko-KR" sz="1800" kern="100" dirty="0">
+                <a:effectLst/>
+                <a:latin typeface="맑은 고딕" panose="020B0503020000020004" pitchFamily="50" charset="-127"/>
+                <a:ea typeface="맑은 고딕" panose="020B0503020000020004" pitchFamily="50" charset="-127"/>
+                <a:cs typeface="Times New Roman" panose="02020603050405020304" pitchFamily="18" charset="0"/>
+              </a:rPr>
+              <a:t>을</a:t>
+            </a:r>
+            <a:r>
+              <a:rPr lang="en-US" altLang="ko-KR" sz="1800" kern="100" dirty="0">
+                <a:effectLst/>
+                <a:latin typeface="맑은 고딕" panose="020B0503020000020004" pitchFamily="50" charset="-127"/>
+                <a:ea typeface="맑은 고딕" panose="020B0503020000020004" pitchFamily="50" charset="-127"/>
+                <a:cs typeface="Times New Roman" panose="02020603050405020304" pitchFamily="18" charset="0"/>
+              </a:rPr>
+              <a:t> 4-bit</a:t>
+            </a:r>
+            <a:r>
+              <a:rPr lang="ko-KR" altLang="ko-KR" sz="1800" kern="100" dirty="0">
+                <a:effectLst/>
+                <a:latin typeface="맑은 고딕" panose="020B0503020000020004" pitchFamily="50" charset="-127"/>
+                <a:ea typeface="맑은 고딕" panose="020B0503020000020004" pitchFamily="50" charset="-127"/>
+                <a:cs typeface="Times New Roman" panose="02020603050405020304" pitchFamily="18" charset="0"/>
+              </a:rPr>
+              <a:t>로 표현하였을 때 보다 성능이 더 좋</a:t>
+            </a:r>
+            <a:r>
+              <a:rPr lang="ko-KR" altLang="en-US" sz="1800" kern="100" dirty="0">
+                <a:effectLst/>
+                <a:latin typeface="맑은 고딕" panose="020B0503020000020004" pitchFamily="50" charset="-127"/>
+                <a:ea typeface="맑은 고딕" panose="020B0503020000020004" pitchFamily="50" charset="-127"/>
+                <a:cs typeface="Times New Roman" panose="02020603050405020304" pitchFamily="18" charset="0"/>
+              </a:rPr>
+              <a:t>다는 것을 볼 수 있습니다</a:t>
+            </a:r>
+            <a:r>
+              <a:rPr lang="en-US" altLang="ko-KR" sz="1800" kern="100" dirty="0">
+                <a:effectLst/>
+                <a:latin typeface="맑은 고딕" panose="020B0503020000020004" pitchFamily="50" charset="-127"/>
+                <a:ea typeface="맑은 고딕" panose="020B0503020000020004" pitchFamily="50" charset="-127"/>
+                <a:cs typeface="Times New Roman" panose="02020603050405020304" pitchFamily="18" charset="0"/>
+              </a:rPr>
+              <a:t>.</a:t>
+            </a:r>
+          </a:p>
+          <a:p>
+            <a:pPr algn="just" latinLnBrk="1">
+              <a:lnSpc>
+                <a:spcPct val="107000"/>
+              </a:lnSpc>
+              <a:spcAft>
+                <a:spcPts val="800"/>
+              </a:spcAft>
+            </a:pPr>
+            <a:endParaRPr lang="ko-KR" altLang="ko-KR" sz="1800" kern="100" dirty="0">
+              <a:effectLst/>
+              <a:latin typeface="맑은 고딕" panose="020B0503020000020004" pitchFamily="50" charset="-127"/>
+              <a:ea typeface="맑은 고딕" panose="020B0503020000020004" pitchFamily="50" charset="-127"/>
+              <a:cs typeface="Times New Roman" panose="02020603050405020304" pitchFamily="18" charset="0"/>
+            </a:endParaRPr>
+          </a:p>
+          <a:p>
+            <a:pPr algn="just" latinLnBrk="1">
+              <a:lnSpc>
+                <a:spcPct val="107000"/>
+              </a:lnSpc>
+              <a:spcAft>
+                <a:spcPts val="800"/>
+              </a:spcAft>
+            </a:pPr>
+            <a:r>
+              <a:rPr lang="ko-KR" altLang="ko-KR" sz="1800" kern="100" dirty="0">
+                <a:effectLst/>
+                <a:latin typeface="맑은 고딕" panose="020B0503020000020004" pitchFamily="50" charset="-127"/>
+                <a:ea typeface="맑은 고딕" panose="020B0503020000020004" pitchFamily="50" charset="-127"/>
+                <a:cs typeface="Times New Roman" panose="02020603050405020304" pitchFamily="18" charset="0"/>
+              </a:rPr>
+              <a:t>이 때 모델 사이즈는 오히려</a:t>
+            </a:r>
+            <a:r>
+              <a:rPr lang="en-US" altLang="ko-KR" sz="1800" kern="100" dirty="0">
+                <a:effectLst/>
+                <a:latin typeface="맑은 고딕" panose="020B0503020000020004" pitchFamily="50" charset="-127"/>
+                <a:ea typeface="맑은 고딕" panose="020B0503020000020004" pitchFamily="50" charset="-127"/>
+                <a:cs typeface="Times New Roman" panose="02020603050405020304" pitchFamily="18" charset="0"/>
+              </a:rPr>
+              <a:t> ResNet-34</a:t>
+            </a:r>
+            <a:r>
+              <a:rPr lang="ko-KR" altLang="ko-KR" sz="1800" kern="100" dirty="0">
+                <a:effectLst/>
+                <a:latin typeface="맑은 고딕" panose="020B0503020000020004" pitchFamily="50" charset="-127"/>
+                <a:ea typeface="맑은 고딕" panose="020B0503020000020004" pitchFamily="50" charset="-127"/>
+                <a:cs typeface="Times New Roman" panose="02020603050405020304" pitchFamily="18" charset="0"/>
+              </a:rPr>
+              <a:t>가 조금 더 가벼운 것도 확인가</a:t>
+            </a:r>
+            <a:r>
+              <a:rPr lang="ko-KR" altLang="en-US" sz="1800" kern="100" dirty="0">
+                <a:effectLst/>
+                <a:latin typeface="맑은 고딕" panose="020B0503020000020004" pitchFamily="50" charset="-127"/>
+                <a:ea typeface="맑은 고딕" panose="020B0503020000020004" pitchFamily="50" charset="-127"/>
+                <a:cs typeface="Times New Roman" panose="02020603050405020304" pitchFamily="18" charset="0"/>
+              </a:rPr>
+              <a:t>능한 것으로 보아</a:t>
+            </a:r>
+            <a:r>
+              <a:rPr lang="en-US" altLang="ko-KR" sz="1800" kern="100" dirty="0">
+                <a:effectLst/>
+                <a:latin typeface="맑은 고딕" panose="020B0503020000020004" pitchFamily="50" charset="-127"/>
+                <a:ea typeface="맑은 고딕" panose="020B0503020000020004" pitchFamily="50" charset="-127"/>
+                <a:cs typeface="Times New Roman" panose="02020603050405020304" pitchFamily="18" charset="0"/>
+              </a:rPr>
+              <a:t>,</a:t>
+            </a:r>
+          </a:p>
+          <a:p>
+            <a:pPr algn="just" latinLnBrk="1">
+              <a:lnSpc>
+                <a:spcPct val="107000"/>
+              </a:lnSpc>
+              <a:spcAft>
+                <a:spcPts val="800"/>
+              </a:spcAft>
+            </a:pPr>
+            <a:endParaRPr lang="ko-KR" altLang="ko-KR" sz="1800" kern="100" dirty="0">
+              <a:effectLst/>
+              <a:latin typeface="맑은 고딕" panose="020B0503020000020004" pitchFamily="50" charset="-127"/>
+              <a:ea typeface="맑은 고딕" panose="020B0503020000020004" pitchFamily="50" charset="-127"/>
+              <a:cs typeface="Times New Roman" panose="02020603050405020304" pitchFamily="18" charset="0"/>
+            </a:endParaRPr>
+          </a:p>
+          <a:p>
+            <a:pPr algn="just" latinLnBrk="1">
+              <a:lnSpc>
+                <a:spcPct val="107000"/>
+              </a:lnSpc>
+              <a:spcAft>
+                <a:spcPts val="800"/>
+              </a:spcAft>
+            </a:pPr>
+            <a:r>
+              <a:rPr lang="ko-KR" altLang="ko-KR" sz="1800" kern="100" dirty="0">
+                <a:effectLst/>
+                <a:latin typeface="맑은 고딕" panose="020B0503020000020004" pitchFamily="50" charset="-127"/>
+                <a:ea typeface="맑은 고딕" panose="020B0503020000020004" pitchFamily="50" charset="-127"/>
+                <a:cs typeface="Times New Roman" panose="02020603050405020304" pitchFamily="18" charset="0"/>
+              </a:rPr>
+              <a:t>이를 통해서</a:t>
+            </a:r>
+            <a:r>
+              <a:rPr lang="en-US" altLang="ko-KR" sz="1800" kern="100" dirty="0">
+                <a:effectLst/>
+                <a:latin typeface="맑은 고딕" panose="020B0503020000020004" pitchFamily="50" charset="-127"/>
+                <a:ea typeface="맑은 고딕" panose="020B0503020000020004" pitchFamily="50" charset="-127"/>
+                <a:cs typeface="Times New Roman" panose="02020603050405020304" pitchFamily="18" charset="0"/>
+              </a:rPr>
+              <a:t>, </a:t>
+            </a:r>
+            <a:r>
+              <a:rPr lang="ko-KR" altLang="ko-KR" sz="1800" b="1" kern="100" dirty="0">
+                <a:effectLst/>
+                <a:latin typeface="맑은 고딕" panose="020B0503020000020004" pitchFamily="50" charset="-127"/>
+                <a:ea typeface="맑은 고딕" panose="020B0503020000020004" pitchFamily="50" charset="-127"/>
+                <a:cs typeface="Times New Roman" panose="02020603050405020304" pitchFamily="18" charset="0"/>
+              </a:rPr>
+              <a:t>양자화의 </a:t>
+            </a:r>
+            <a:r>
+              <a:rPr lang="ko-KR" altLang="en-US" sz="1800" b="1" kern="100" dirty="0">
+                <a:effectLst/>
+                <a:latin typeface="맑은 고딕" panose="020B0503020000020004" pitchFamily="50" charset="-127"/>
+                <a:ea typeface="맑은 고딕" panose="020B0503020000020004" pitchFamily="50" charset="-127"/>
+                <a:cs typeface="Times New Roman" panose="02020603050405020304" pitchFamily="18" charset="0"/>
+              </a:rPr>
+              <a:t>필요성과 연구 성과를 살펴볼 수 있습니다</a:t>
+            </a:r>
+            <a:r>
+              <a:rPr lang="en-US" altLang="ko-KR" sz="1800" b="1" kern="100" dirty="0">
+                <a:effectLst/>
+                <a:latin typeface="맑은 고딕" panose="020B0503020000020004" pitchFamily="50" charset="-127"/>
+                <a:ea typeface="맑은 고딕" panose="020B0503020000020004" pitchFamily="50" charset="-127"/>
+                <a:cs typeface="Times New Roman" panose="02020603050405020304" pitchFamily="18" charset="0"/>
+              </a:rPr>
+              <a:t>.</a:t>
+            </a:r>
             <a:endParaRPr lang="ko-KR" altLang="en-US" dirty="0"/>
           </a:p>
         </p:txBody>
@@ -1098,7 +3780,7 @@
     </p:spTree>
     <p:extLst>
       <p:ext uri="{BB962C8B-B14F-4D97-AF65-F5344CB8AC3E}">
-        <p14:creationId xmlns:p14="http://schemas.microsoft.com/office/powerpoint/2010/main" val="2359806756"/>
+        <p14:creationId xmlns:p14="http://schemas.microsoft.com/office/powerpoint/2010/main" val="521720716"/>
       </p:ext>
     </p:extLst>
   </p:cSld>
@@ -1152,719 +3834,89 @@
           <a:bodyPr/>
           <a:lstStyle/>
           <a:p>
-            <a:pPr algn="just" latinLnBrk="1">
-              <a:lnSpc>
-                <a:spcPct val="107000"/>
-              </a:lnSpc>
-              <a:spcAft>
-                <a:spcPts val="800"/>
-              </a:spcAft>
+            <a:pPr marL="0" indent="0">
+              <a:buNone/>
             </a:pPr>
             <a:r>
-              <a:rPr lang="en-US" altLang="ko-KR" sz="1800" b="0" kern="100" dirty="0">
-                <a:effectLst/>
-                <a:latin typeface="맑은 고딕" panose="020B0503020000020004" pitchFamily="50" charset="-127"/>
-                <a:ea typeface="맑은 고딕" panose="020B0503020000020004" pitchFamily="50" charset="-127"/>
-                <a:cs typeface="Times New Roman" panose="02020603050405020304" pitchFamily="18" charset="0"/>
-              </a:rPr>
+              <a:rPr lang="ko-KR" altLang="en-US" dirty="0"/>
+              <a:t>마지막으로</a:t>
+            </a:r>
+            <a:r>
+              <a:rPr lang="en-US" altLang="ko-KR" dirty="0"/>
+              <a:t>, </a:t>
+            </a:r>
+            <a:r>
+              <a:rPr lang="ko-KR" altLang="en-US" dirty="0"/>
+              <a:t>만약 </a:t>
+            </a:r>
+            <a:r>
+              <a:rPr lang="en-US" altLang="ko-KR" dirty="0"/>
               <a:t>Quantization</a:t>
             </a:r>
             <a:r>
-              <a:rPr lang="ko-KR" altLang="en-US" sz="1800" b="0" kern="100" dirty="0">
-                <a:effectLst/>
-                <a:latin typeface="맑은 고딕" panose="020B0503020000020004" pitchFamily="50" charset="-127"/>
-                <a:ea typeface="맑은 고딕" panose="020B0503020000020004" pitchFamily="50" charset="-127"/>
-                <a:cs typeface="Times New Roman" panose="02020603050405020304" pitchFamily="18" charset="0"/>
-              </a:rPr>
-              <a:t>에 대한 전반적인 개념은 이제 마쳤고</a:t>
-            </a:r>
-            <a:r>
-              <a:rPr lang="en-US" altLang="ko-KR" sz="1800" b="0" kern="100" dirty="0">
-                <a:effectLst/>
-                <a:latin typeface="맑은 고딕" panose="020B0503020000020004" pitchFamily="50" charset="-127"/>
-                <a:ea typeface="맑은 고딕" panose="020B0503020000020004" pitchFamily="50" charset="-127"/>
-                <a:cs typeface="Times New Roman" panose="02020603050405020304" pitchFamily="18" charset="0"/>
-              </a:rPr>
+              <a:rPr lang="ko-KR" altLang="en-US" dirty="0"/>
+              <a:t>을 추후에 진행할 생각이라면</a:t>
+            </a:r>
+            <a:r>
+              <a:rPr lang="en-US" altLang="ko-KR" dirty="0"/>
               <a:t>, </a:t>
             </a:r>
             <a:r>
-              <a:rPr lang="ko-KR" altLang="en-US" sz="1800" b="0" kern="100" dirty="0">
-                <a:effectLst/>
-                <a:latin typeface="맑은 고딕" panose="020B0503020000020004" pitchFamily="50" charset="-127"/>
-                <a:ea typeface="맑은 고딕" panose="020B0503020000020004" pitchFamily="50" charset="-127"/>
-                <a:cs typeface="Times New Roman" panose="02020603050405020304" pitchFamily="18" charset="0"/>
-              </a:rPr>
-              <a:t>그렇다면 </a:t>
-            </a:r>
-            <a:r>
-              <a:rPr lang="en-US" altLang="ko-KR" sz="1800" b="0" kern="100" dirty="0">
-                <a:effectLst/>
-                <a:latin typeface="맑은 고딕" panose="020B0503020000020004" pitchFamily="50" charset="-127"/>
-                <a:ea typeface="맑은 고딕" panose="020B0503020000020004" pitchFamily="50" charset="-127"/>
-                <a:cs typeface="Times New Roman" panose="02020603050405020304" pitchFamily="18" charset="0"/>
-              </a:rPr>
-              <a:t>Quantization</a:t>
-            </a:r>
-            <a:r>
-              <a:rPr lang="ko-KR" altLang="en-US" sz="1800" b="0" kern="100" dirty="0">
-                <a:effectLst/>
-                <a:latin typeface="맑은 고딕" panose="020B0503020000020004" pitchFamily="50" charset="-127"/>
-                <a:ea typeface="맑은 고딕" panose="020B0503020000020004" pitchFamily="50" charset="-127"/>
-                <a:cs typeface="Times New Roman" panose="02020603050405020304" pitchFamily="18" charset="0"/>
-              </a:rPr>
-              <a:t>이 실제로 </a:t>
-            </a:r>
-            <a:r>
-              <a:rPr lang="en-US" altLang="ko-KR" sz="1800" b="0" kern="100" dirty="0">
-                <a:effectLst/>
-                <a:latin typeface="맑은 고딕" panose="020B0503020000020004" pitchFamily="50" charset="-127"/>
-                <a:ea typeface="맑은 고딕" panose="020B0503020000020004" pitchFamily="50" charset="-127"/>
-                <a:cs typeface="Times New Roman" panose="02020603050405020304" pitchFamily="18" charset="0"/>
-              </a:rPr>
-              <a:t>Deep Learning</a:t>
-            </a:r>
-            <a:r>
-              <a:rPr lang="ko-KR" altLang="en-US" sz="1800" b="0" kern="100" dirty="0">
-                <a:effectLst/>
-                <a:latin typeface="맑은 고딕" panose="020B0503020000020004" pitchFamily="50" charset="-127"/>
-                <a:ea typeface="맑은 고딕" panose="020B0503020000020004" pitchFamily="50" charset="-127"/>
-                <a:cs typeface="Times New Roman" panose="02020603050405020304" pitchFamily="18" charset="0"/>
-              </a:rPr>
-              <a:t>에서 어떤 효과와 성능을 보였는지 간단히 사례를 기반으로 </a:t>
-            </a:r>
-            <a:r>
-              <a:rPr lang="ko-KR" altLang="en-US" sz="1800" b="0" kern="100" dirty="0" err="1">
-                <a:effectLst/>
-                <a:latin typeface="맑은 고딕" panose="020B0503020000020004" pitchFamily="50" charset="-127"/>
-                <a:ea typeface="맑은 고딕" panose="020B0503020000020004" pitchFamily="50" charset="-127"/>
-                <a:cs typeface="Times New Roman" panose="02020603050405020304" pitchFamily="18" charset="0"/>
-              </a:rPr>
-              <a:t>설명드리겠습니다</a:t>
-            </a:r>
-            <a:r>
-              <a:rPr lang="en-US" altLang="ko-KR" sz="1800" b="0" kern="100" dirty="0">
-                <a:effectLst/>
-                <a:latin typeface="맑은 고딕" panose="020B0503020000020004" pitchFamily="50" charset="-127"/>
-                <a:ea typeface="맑은 고딕" panose="020B0503020000020004" pitchFamily="50" charset="-127"/>
-                <a:cs typeface="Times New Roman" panose="02020603050405020304" pitchFamily="18" charset="0"/>
-              </a:rPr>
+              <a:rPr lang="ko-KR" altLang="en-US" dirty="0"/>
+              <a:t>기억할 만한 사항으로</a:t>
+            </a:r>
+            <a:r>
+              <a:rPr lang="en-US" altLang="ko-KR" dirty="0"/>
+              <a:t>, Quantization</a:t>
+            </a:r>
+            <a:r>
+              <a:rPr lang="ko-KR" altLang="en-US" dirty="0"/>
+              <a:t>은 </a:t>
+            </a:r>
+            <a:r>
+              <a:rPr lang="en-US" altLang="ko-KR" dirty="0" err="1"/>
+              <a:t>PyTorch</a:t>
+            </a:r>
+            <a:r>
+              <a:rPr lang="en-US" altLang="ko-KR" dirty="0"/>
+              <a:t> 1.3 </a:t>
+            </a:r>
+            <a:r>
+              <a:rPr lang="ko-KR" altLang="en-US" dirty="0" err="1"/>
+              <a:t>부터만</a:t>
+            </a:r>
+            <a:r>
+              <a:rPr lang="ko-KR" altLang="en-US" dirty="0"/>
+              <a:t> 해당 기능을 지원한다는 점을</a:t>
+            </a:r>
+            <a:r>
+              <a:rPr lang="en-US" altLang="ko-KR" dirty="0"/>
+              <a:t> </a:t>
+            </a:r>
+            <a:r>
+              <a:rPr lang="ko-KR" altLang="en-US" dirty="0"/>
+              <a:t>말씀드리며</a:t>
+            </a:r>
+            <a:endParaRPr lang="en-US" altLang="ko-KR" dirty="0"/>
+          </a:p>
+          <a:p>
+            <a:pPr marL="0" indent="0">
+              <a:buNone/>
+            </a:pPr>
+            <a:endParaRPr lang="en-US" altLang="ko-KR" dirty="0"/>
+          </a:p>
+          <a:p>
+            <a:pPr marL="0" indent="0">
+              <a:buNone/>
+            </a:pPr>
+            <a:r>
+              <a:rPr lang="ko-KR" altLang="en-US" dirty="0"/>
+              <a:t>이번 스터디를 마무리하도록 하겠습니다</a:t>
+            </a:r>
+            <a:r>
+              <a:rPr lang="en-US" altLang="ko-KR" dirty="0"/>
               <a:t>.</a:t>
             </a:r>
-          </a:p>
-          <a:p>
-            <a:pPr algn="just" latinLnBrk="1">
-              <a:lnSpc>
-                <a:spcPct val="107000"/>
-              </a:lnSpc>
-              <a:spcAft>
-                <a:spcPts val="800"/>
-              </a:spcAft>
-            </a:pPr>
-            <a:endParaRPr lang="en-US" altLang="ko-KR" sz="1800" b="0" kern="100" dirty="0">
-              <a:effectLst/>
-              <a:latin typeface="맑은 고딕" panose="020B0503020000020004" pitchFamily="50" charset="-127"/>
-              <a:ea typeface="맑은 고딕" panose="020B0503020000020004" pitchFamily="50" charset="-127"/>
-              <a:cs typeface="Times New Roman" panose="02020603050405020304" pitchFamily="18" charset="0"/>
-            </a:endParaRPr>
-          </a:p>
-          <a:p>
-            <a:pPr algn="just" latinLnBrk="1">
-              <a:lnSpc>
-                <a:spcPct val="107000"/>
-              </a:lnSpc>
-              <a:spcAft>
-                <a:spcPts val="800"/>
-              </a:spcAft>
-            </a:pPr>
-            <a:r>
-              <a:rPr lang="ko-KR" altLang="en-US" sz="1800" b="0" kern="100" dirty="0">
-                <a:effectLst/>
-                <a:latin typeface="맑은 고딕" panose="020B0503020000020004" pitchFamily="50" charset="-127"/>
-                <a:ea typeface="맑은 고딕" panose="020B0503020000020004" pitchFamily="50" charset="-127"/>
-                <a:cs typeface="Times New Roman" panose="02020603050405020304" pitchFamily="18" charset="0"/>
-              </a:rPr>
-              <a:t>이 그래프는 </a:t>
-            </a:r>
-            <a:r>
-              <a:rPr lang="en-US" altLang="ko-KR" sz="1800" b="0" kern="100" dirty="0">
-                <a:effectLst/>
-                <a:latin typeface="맑은 고딕" panose="020B0503020000020004" pitchFamily="50" charset="-127"/>
-                <a:ea typeface="맑은 고딕" panose="020B0503020000020004" pitchFamily="50" charset="-127"/>
-                <a:cs typeface="Times New Roman" panose="02020603050405020304" pitchFamily="18" charset="0"/>
-              </a:rPr>
-              <a:t>‘Learned Step Size Quantization’</a:t>
-            </a:r>
-            <a:r>
-              <a:rPr lang="ko-KR" altLang="en-US" sz="1800" b="0" kern="100" dirty="0">
-                <a:effectLst/>
-                <a:latin typeface="맑은 고딕" panose="020B0503020000020004" pitchFamily="50" charset="-127"/>
-                <a:ea typeface="맑은 고딕" panose="020B0503020000020004" pitchFamily="50" charset="-127"/>
-                <a:cs typeface="Times New Roman" panose="02020603050405020304" pitchFamily="18" charset="0"/>
-              </a:rPr>
-              <a:t>에서 가져온 것인데</a:t>
-            </a:r>
-            <a:r>
-              <a:rPr lang="en-US" altLang="ko-KR" sz="1800" b="0" kern="100" dirty="0">
-                <a:effectLst/>
-                <a:latin typeface="맑은 고딕" panose="020B0503020000020004" pitchFamily="50" charset="-127"/>
-                <a:ea typeface="맑은 고딕" panose="020B0503020000020004" pitchFamily="50" charset="-127"/>
-                <a:cs typeface="Times New Roman" panose="02020603050405020304" pitchFamily="18" charset="0"/>
-              </a:rPr>
-              <a:t>,</a:t>
-            </a:r>
-          </a:p>
-          <a:p>
-            <a:pPr algn="just" latinLnBrk="1">
-              <a:lnSpc>
-                <a:spcPct val="107000"/>
-              </a:lnSpc>
-              <a:spcAft>
-                <a:spcPts val="800"/>
-              </a:spcAft>
-            </a:pPr>
-            <a:endParaRPr lang="en-US" altLang="ko-KR" sz="1800" b="0" kern="100" dirty="0">
-              <a:effectLst/>
-              <a:latin typeface="맑은 고딕" panose="020B0503020000020004" pitchFamily="50" charset="-127"/>
-              <a:ea typeface="맑은 고딕" panose="020B0503020000020004" pitchFamily="50" charset="-127"/>
-              <a:cs typeface="Times New Roman" panose="02020603050405020304" pitchFamily="18" charset="0"/>
-            </a:endParaRPr>
-          </a:p>
-          <a:p>
-            <a:pPr algn="just" latinLnBrk="1">
-              <a:lnSpc>
-                <a:spcPct val="107000"/>
-              </a:lnSpc>
-              <a:spcAft>
-                <a:spcPts val="800"/>
-              </a:spcAft>
-            </a:pPr>
-            <a:r>
-              <a:rPr lang="ko-KR" altLang="en-US" sz="1800" b="0" kern="100" dirty="0">
-                <a:effectLst/>
-                <a:latin typeface="맑은 고딕" panose="020B0503020000020004" pitchFamily="50" charset="-127"/>
-                <a:ea typeface="맑은 고딕" panose="020B0503020000020004" pitchFamily="50" charset="-127"/>
-                <a:cs typeface="Times New Roman" panose="02020603050405020304" pitchFamily="18" charset="0"/>
-              </a:rPr>
-              <a:t>여기서 </a:t>
-            </a:r>
-            <a:r>
-              <a:rPr lang="en-US" altLang="ko-KR" sz="1800" b="0" kern="100" dirty="0">
-                <a:effectLst/>
-                <a:latin typeface="맑은 고딕" panose="020B0503020000020004" pitchFamily="50" charset="-127"/>
-                <a:ea typeface="맑은 고딕" panose="020B0503020000020004" pitchFamily="50" charset="-127"/>
-                <a:cs typeface="Times New Roman" panose="02020603050405020304" pitchFamily="18" charset="0"/>
-              </a:rPr>
-              <a:t>Precision</a:t>
-            </a:r>
-            <a:r>
-              <a:rPr lang="ko-KR" altLang="en-US" sz="1800" b="0" kern="100" dirty="0">
-                <a:effectLst/>
-                <a:latin typeface="맑은 고딕" panose="020B0503020000020004" pitchFamily="50" charset="-127"/>
-                <a:ea typeface="맑은 고딕" panose="020B0503020000020004" pitchFamily="50" charset="-127"/>
-                <a:cs typeface="Times New Roman" panose="02020603050405020304" pitchFamily="18" charset="0"/>
-              </a:rPr>
-              <a:t>은 </a:t>
-            </a:r>
-            <a:r>
-              <a:rPr lang="en-US" altLang="ko-KR" sz="1800" kern="100" dirty="0">
-                <a:effectLst/>
-                <a:latin typeface="맑은 고딕" panose="020B0503020000020004" pitchFamily="50" charset="-127"/>
-                <a:ea typeface="맑은 고딕" panose="020B0503020000020004" pitchFamily="50" charset="-127"/>
-                <a:cs typeface="Times New Roman" panose="02020603050405020304" pitchFamily="18" charset="0"/>
-              </a:rPr>
-              <a:t>Quantization</a:t>
-            </a:r>
-            <a:r>
-              <a:rPr lang="ko-KR" altLang="ko-KR" sz="1800" kern="100" dirty="0">
-                <a:effectLst/>
-                <a:latin typeface="맑은 고딕" panose="020B0503020000020004" pitchFamily="50" charset="-127"/>
-                <a:ea typeface="맑은 고딕" panose="020B0503020000020004" pitchFamily="50" charset="-127"/>
-                <a:cs typeface="Times New Roman" panose="02020603050405020304" pitchFamily="18" charset="0"/>
-              </a:rPr>
-              <a:t>할 때 사용한 </a:t>
-            </a:r>
-            <a:r>
-              <a:rPr lang="en-US" altLang="ko-KR" sz="1800" kern="100" dirty="0">
-                <a:effectLst/>
-                <a:latin typeface="맑은 고딕" panose="020B0503020000020004" pitchFamily="50" charset="-127"/>
-                <a:ea typeface="맑은 고딕" panose="020B0503020000020004" pitchFamily="50" charset="-127"/>
-                <a:cs typeface="Times New Roman" panose="02020603050405020304" pitchFamily="18" charset="0"/>
-              </a:rPr>
-              <a:t>Bit</a:t>
-            </a:r>
-            <a:r>
-              <a:rPr lang="ko-KR" altLang="en-US" sz="1800" kern="100" dirty="0">
-                <a:effectLst/>
-                <a:latin typeface="맑은 고딕" panose="020B0503020000020004" pitchFamily="50" charset="-127"/>
-                <a:ea typeface="맑은 고딕" panose="020B0503020000020004" pitchFamily="50" charset="-127"/>
-                <a:cs typeface="Times New Roman" panose="02020603050405020304" pitchFamily="18" charset="0"/>
-              </a:rPr>
-              <a:t>의 수를 말합니다</a:t>
-            </a:r>
-            <a:r>
-              <a:rPr lang="en-US" altLang="ko-KR" sz="1800" kern="100" dirty="0">
-                <a:effectLst/>
-                <a:latin typeface="맑은 고딕" panose="020B0503020000020004" pitchFamily="50" charset="-127"/>
-                <a:ea typeface="맑은 고딕" panose="020B0503020000020004" pitchFamily="50" charset="-127"/>
-                <a:cs typeface="Times New Roman" panose="02020603050405020304" pitchFamily="18" charset="0"/>
-              </a:rPr>
-              <a:t>.</a:t>
-            </a:r>
-          </a:p>
-          <a:p>
-            <a:pPr algn="just" latinLnBrk="1">
-              <a:lnSpc>
-                <a:spcPct val="107000"/>
-              </a:lnSpc>
-              <a:spcAft>
-                <a:spcPts val="800"/>
-              </a:spcAft>
-            </a:pPr>
-            <a:endParaRPr lang="en-US" altLang="ko-KR" sz="1800" kern="100" dirty="0">
-              <a:effectLst/>
-              <a:latin typeface="맑은 고딕" panose="020B0503020000020004" pitchFamily="50" charset="-127"/>
-              <a:ea typeface="맑은 고딕" panose="020B0503020000020004" pitchFamily="50" charset="-127"/>
-              <a:cs typeface="Times New Roman" panose="02020603050405020304" pitchFamily="18" charset="0"/>
-            </a:endParaRPr>
-          </a:p>
-          <a:p>
-            <a:pPr algn="just" latinLnBrk="1">
-              <a:lnSpc>
-                <a:spcPct val="107000"/>
-              </a:lnSpc>
-              <a:spcAft>
-                <a:spcPts val="800"/>
-              </a:spcAft>
-            </a:pPr>
-            <a:r>
-              <a:rPr lang="ko-KR" altLang="en-US" sz="1800" kern="100" dirty="0">
-                <a:effectLst/>
-                <a:latin typeface="맑은 고딕" panose="020B0503020000020004" pitchFamily="50" charset="-127"/>
-                <a:ea typeface="맑은 고딕" panose="020B0503020000020004" pitchFamily="50" charset="-127"/>
-                <a:cs typeface="Times New Roman" panose="02020603050405020304" pitchFamily="18" charset="0"/>
-              </a:rPr>
-              <a:t>즉</a:t>
-            </a:r>
-            <a:r>
-              <a:rPr lang="en-US" altLang="ko-KR" sz="1800" kern="100" dirty="0">
-                <a:effectLst/>
-                <a:latin typeface="맑은 고딕" panose="020B0503020000020004" pitchFamily="50" charset="-127"/>
-                <a:ea typeface="맑은 고딕" panose="020B0503020000020004" pitchFamily="50" charset="-127"/>
-                <a:cs typeface="Times New Roman" panose="02020603050405020304" pitchFamily="18" charset="0"/>
-              </a:rPr>
-              <a:t>, </a:t>
-            </a:r>
-            <a:r>
-              <a:rPr lang="ko-KR" altLang="en-US" sz="1800" kern="100" dirty="0">
-                <a:effectLst/>
-                <a:latin typeface="맑은 고딕" panose="020B0503020000020004" pitchFamily="50" charset="-127"/>
-                <a:ea typeface="맑은 고딕" panose="020B0503020000020004" pitchFamily="50" charset="-127"/>
-                <a:cs typeface="Times New Roman" panose="02020603050405020304" pitchFamily="18" charset="0"/>
-              </a:rPr>
-              <a:t>보통 </a:t>
-            </a:r>
-            <a:r>
-              <a:rPr lang="en-US" altLang="ko-KR" sz="1800" kern="100" dirty="0">
-                <a:effectLst/>
-                <a:latin typeface="맑은 고딕" panose="020B0503020000020004" pitchFamily="50" charset="-127"/>
-                <a:ea typeface="맑은 고딕" panose="020B0503020000020004" pitchFamily="50" charset="-127"/>
-                <a:cs typeface="Times New Roman" panose="02020603050405020304" pitchFamily="18" charset="0"/>
-              </a:rPr>
-              <a:t>8Bit</a:t>
-            </a:r>
-            <a:r>
-              <a:rPr lang="ko-KR" altLang="en-US" sz="1800" kern="100" dirty="0">
-                <a:effectLst/>
-                <a:latin typeface="맑은 고딕" panose="020B0503020000020004" pitchFamily="50" charset="-127"/>
-                <a:ea typeface="맑은 고딕" panose="020B0503020000020004" pitchFamily="50" charset="-127"/>
-                <a:cs typeface="Times New Roman" panose="02020603050405020304" pitchFamily="18" charset="0"/>
-              </a:rPr>
-              <a:t>의 </a:t>
-            </a:r>
-            <a:r>
-              <a:rPr lang="en-US" altLang="ko-KR" sz="1800" kern="100" dirty="0">
-                <a:effectLst/>
-                <a:latin typeface="맑은 고딕" panose="020B0503020000020004" pitchFamily="50" charset="-127"/>
-                <a:ea typeface="맑은 고딕" panose="020B0503020000020004" pitchFamily="50" charset="-127"/>
-                <a:cs typeface="Times New Roman" panose="02020603050405020304" pitchFamily="18" charset="0"/>
-              </a:rPr>
-              <a:t>Int</a:t>
-            </a:r>
-            <a:r>
-              <a:rPr lang="ko-KR" altLang="en-US" sz="1800" kern="100" dirty="0">
-                <a:effectLst/>
-                <a:latin typeface="맑은 고딕" panose="020B0503020000020004" pitchFamily="50" charset="-127"/>
-                <a:ea typeface="맑은 고딕" panose="020B0503020000020004" pitchFamily="50" charset="-127"/>
-                <a:cs typeface="Times New Roman" panose="02020603050405020304" pitchFamily="18" charset="0"/>
-              </a:rPr>
-              <a:t>로 </a:t>
-            </a:r>
-            <a:r>
-              <a:rPr lang="en-US" altLang="ko-KR" sz="1800" kern="100" dirty="0">
-                <a:effectLst/>
-                <a:latin typeface="맑은 고딕" panose="020B0503020000020004" pitchFamily="50" charset="-127"/>
-                <a:ea typeface="맑은 고딕" panose="020B0503020000020004" pitchFamily="50" charset="-127"/>
-                <a:cs typeface="Times New Roman" panose="02020603050405020304" pitchFamily="18" charset="0"/>
-              </a:rPr>
-              <a:t>Quantization</a:t>
-            </a:r>
-            <a:r>
-              <a:rPr lang="ko-KR" altLang="en-US" sz="1800" kern="100" dirty="0">
-                <a:effectLst/>
-                <a:latin typeface="맑은 고딕" panose="020B0503020000020004" pitchFamily="50" charset="-127"/>
-                <a:ea typeface="맑은 고딕" panose="020B0503020000020004" pitchFamily="50" charset="-127"/>
-                <a:cs typeface="Times New Roman" panose="02020603050405020304" pitchFamily="18" charset="0"/>
-              </a:rPr>
-              <a:t>을 진행한다 했는데</a:t>
-            </a:r>
-            <a:r>
-              <a:rPr lang="en-US" altLang="ko-KR" sz="1800" kern="100" dirty="0">
-                <a:effectLst/>
-                <a:latin typeface="맑은 고딕" panose="020B0503020000020004" pitchFamily="50" charset="-127"/>
-                <a:ea typeface="맑은 고딕" panose="020B0503020000020004" pitchFamily="50" charset="-127"/>
-                <a:cs typeface="Times New Roman" panose="02020603050405020304" pitchFamily="18" charset="0"/>
-              </a:rPr>
-              <a:t>, </a:t>
-            </a:r>
-            <a:r>
-              <a:rPr lang="ko-KR" altLang="en-US" sz="1800" kern="100" dirty="0">
-                <a:effectLst/>
-                <a:latin typeface="맑은 고딕" panose="020B0503020000020004" pitchFamily="50" charset="-127"/>
-                <a:ea typeface="맑은 고딕" panose="020B0503020000020004" pitchFamily="50" charset="-127"/>
-                <a:cs typeface="Times New Roman" panose="02020603050405020304" pitchFamily="18" charset="0"/>
-              </a:rPr>
-              <a:t>여기서는 그 비트 마저도 쪼개면서 성능을 하나하나 비교해본 것인데</a:t>
-            </a:r>
-            <a:r>
-              <a:rPr lang="en-US" altLang="ko-KR" sz="1800" kern="100" dirty="0">
-                <a:effectLst/>
-                <a:latin typeface="맑은 고딕" panose="020B0503020000020004" pitchFamily="50" charset="-127"/>
-                <a:ea typeface="맑은 고딕" panose="020B0503020000020004" pitchFamily="50" charset="-127"/>
-                <a:cs typeface="Times New Roman" panose="02020603050405020304" pitchFamily="18" charset="0"/>
-              </a:rPr>
-              <a:t>,</a:t>
-            </a:r>
-          </a:p>
-          <a:p>
-            <a:pPr algn="just" latinLnBrk="1">
-              <a:lnSpc>
-                <a:spcPct val="107000"/>
-              </a:lnSpc>
-              <a:spcAft>
-                <a:spcPts val="800"/>
-              </a:spcAft>
-            </a:pPr>
-            <a:endParaRPr lang="en-US" altLang="ko-KR" sz="1800" kern="100" dirty="0">
-              <a:effectLst/>
-              <a:latin typeface="맑은 고딕" panose="020B0503020000020004" pitchFamily="50" charset="-127"/>
-              <a:ea typeface="맑은 고딕" panose="020B0503020000020004" pitchFamily="50" charset="-127"/>
-              <a:cs typeface="Times New Roman" panose="02020603050405020304" pitchFamily="18" charset="0"/>
-            </a:endParaRPr>
-          </a:p>
-          <a:p>
-            <a:pPr algn="just" latinLnBrk="1">
-              <a:lnSpc>
-                <a:spcPct val="107000"/>
-              </a:lnSpc>
-              <a:spcAft>
-                <a:spcPts val="800"/>
-              </a:spcAft>
-            </a:pPr>
-            <a:r>
-              <a:rPr lang="ko-KR" altLang="en-US" sz="1800" kern="100" dirty="0">
-                <a:effectLst/>
-                <a:latin typeface="맑은 고딕" panose="020B0503020000020004" pitchFamily="50" charset="-127"/>
-                <a:ea typeface="맑은 고딕" panose="020B0503020000020004" pitchFamily="50" charset="-127"/>
-                <a:cs typeface="Times New Roman" panose="02020603050405020304" pitchFamily="18" charset="0"/>
-              </a:rPr>
-              <a:t>가운데 빨간 부분을 잘 보면</a:t>
-            </a:r>
-            <a:r>
-              <a:rPr lang="en-US" altLang="ko-KR" sz="1800" kern="100" dirty="0">
-                <a:effectLst/>
-                <a:latin typeface="맑은 고딕" panose="020B0503020000020004" pitchFamily="50" charset="-127"/>
-                <a:ea typeface="맑은 고딕" panose="020B0503020000020004" pitchFamily="50" charset="-127"/>
-                <a:cs typeface="Times New Roman" panose="02020603050405020304" pitchFamily="18" charset="0"/>
-              </a:rPr>
-              <a:t>,</a:t>
-            </a:r>
-          </a:p>
-          <a:p>
-            <a:pPr algn="just" latinLnBrk="1">
-              <a:lnSpc>
-                <a:spcPct val="107000"/>
-              </a:lnSpc>
-              <a:spcAft>
-                <a:spcPts val="800"/>
-              </a:spcAft>
-            </a:pPr>
-            <a:endParaRPr lang="ko-KR" altLang="ko-KR" sz="1800" kern="100" dirty="0">
-              <a:effectLst/>
-              <a:latin typeface="맑은 고딕" panose="020B0503020000020004" pitchFamily="50" charset="-127"/>
-              <a:ea typeface="맑은 고딕" panose="020B0503020000020004" pitchFamily="50" charset="-127"/>
-              <a:cs typeface="Times New Roman" panose="02020603050405020304" pitchFamily="18" charset="0"/>
-            </a:endParaRPr>
-          </a:p>
-          <a:p>
-            <a:pPr algn="just" latinLnBrk="1">
-              <a:lnSpc>
-                <a:spcPct val="107000"/>
-              </a:lnSpc>
-              <a:spcAft>
-                <a:spcPts val="800"/>
-              </a:spcAft>
-            </a:pPr>
-            <a:r>
-              <a:rPr lang="en-US" altLang="ko-KR" sz="1800" kern="100" dirty="0">
-                <a:effectLst/>
-                <a:latin typeface="맑은 고딕" panose="020B0503020000020004" pitchFamily="50" charset="-127"/>
-                <a:ea typeface="맑은 고딕" panose="020B0503020000020004" pitchFamily="50" charset="-127"/>
-                <a:cs typeface="Times New Roman" panose="02020603050405020304" pitchFamily="18" charset="0"/>
-              </a:rPr>
-              <a:t>ResNet-34</a:t>
-            </a:r>
-            <a:r>
-              <a:rPr lang="ko-KR" altLang="ko-KR" sz="1800" kern="100" dirty="0">
-                <a:effectLst/>
-                <a:latin typeface="맑은 고딕" panose="020B0503020000020004" pitchFamily="50" charset="-127"/>
-                <a:ea typeface="맑은 고딕" panose="020B0503020000020004" pitchFamily="50" charset="-127"/>
-                <a:cs typeface="Times New Roman" panose="02020603050405020304" pitchFamily="18" charset="0"/>
-              </a:rPr>
-              <a:t>를</a:t>
-            </a:r>
-            <a:r>
-              <a:rPr lang="en-US" altLang="ko-KR" sz="1800" kern="100" dirty="0">
-                <a:effectLst/>
-                <a:latin typeface="맑은 고딕" panose="020B0503020000020004" pitchFamily="50" charset="-127"/>
-                <a:ea typeface="맑은 고딕" panose="020B0503020000020004" pitchFamily="50" charset="-127"/>
-                <a:cs typeface="Times New Roman" panose="02020603050405020304" pitchFamily="18" charset="0"/>
-              </a:rPr>
-              <a:t> 2 bit</a:t>
-            </a:r>
-            <a:r>
-              <a:rPr lang="ko-KR" altLang="ko-KR" sz="1800" kern="100" dirty="0">
-                <a:effectLst/>
-                <a:latin typeface="맑은 고딕" panose="020B0503020000020004" pitchFamily="50" charset="-127"/>
-                <a:ea typeface="맑은 고딕" panose="020B0503020000020004" pitchFamily="50" charset="-127"/>
-                <a:cs typeface="Times New Roman" panose="02020603050405020304" pitchFamily="18" charset="0"/>
-              </a:rPr>
-              <a:t>로 표현하였을 때의</a:t>
-            </a:r>
-            <a:r>
-              <a:rPr lang="en-US" altLang="ko-KR" sz="1800" kern="100" dirty="0">
-                <a:effectLst/>
-                <a:latin typeface="맑은 고딕" panose="020B0503020000020004" pitchFamily="50" charset="-127"/>
-                <a:ea typeface="맑은 고딕" panose="020B0503020000020004" pitchFamily="50" charset="-127"/>
-                <a:cs typeface="Times New Roman" panose="02020603050405020304" pitchFamily="18" charset="0"/>
-              </a:rPr>
-              <a:t> Top-1 Accuracy</a:t>
-            </a:r>
-            <a:r>
-              <a:rPr lang="ko-KR" altLang="ko-KR" sz="1800" kern="100" dirty="0">
-                <a:effectLst/>
-                <a:latin typeface="맑은 고딕" panose="020B0503020000020004" pitchFamily="50" charset="-127"/>
-                <a:ea typeface="맑은 고딕" panose="020B0503020000020004" pitchFamily="50" charset="-127"/>
-                <a:cs typeface="Times New Roman" panose="02020603050405020304" pitchFamily="18" charset="0"/>
-              </a:rPr>
-              <a:t>가</a:t>
-            </a:r>
-            <a:r>
-              <a:rPr lang="en-US" altLang="ko-KR" sz="1800" kern="100" dirty="0">
-                <a:effectLst/>
-                <a:latin typeface="맑은 고딕" panose="020B0503020000020004" pitchFamily="50" charset="-127"/>
-                <a:ea typeface="맑은 고딕" panose="020B0503020000020004" pitchFamily="50" charset="-127"/>
-                <a:cs typeface="Times New Roman" panose="02020603050405020304" pitchFamily="18" charset="0"/>
-              </a:rPr>
-              <a:t> ResNet-18</a:t>
-            </a:r>
-            <a:r>
-              <a:rPr lang="ko-KR" altLang="ko-KR" sz="1800" kern="100" dirty="0">
-                <a:effectLst/>
-                <a:latin typeface="맑은 고딕" panose="020B0503020000020004" pitchFamily="50" charset="-127"/>
-                <a:ea typeface="맑은 고딕" panose="020B0503020000020004" pitchFamily="50" charset="-127"/>
-                <a:cs typeface="Times New Roman" panose="02020603050405020304" pitchFamily="18" charset="0"/>
-              </a:rPr>
-              <a:t>을</a:t>
-            </a:r>
-            <a:r>
-              <a:rPr lang="en-US" altLang="ko-KR" sz="1800" kern="100" dirty="0">
-                <a:effectLst/>
-                <a:latin typeface="맑은 고딕" panose="020B0503020000020004" pitchFamily="50" charset="-127"/>
-                <a:ea typeface="맑은 고딕" panose="020B0503020000020004" pitchFamily="50" charset="-127"/>
-                <a:cs typeface="Times New Roman" panose="02020603050405020304" pitchFamily="18" charset="0"/>
-              </a:rPr>
-              <a:t> 4-bit</a:t>
-            </a:r>
-            <a:r>
-              <a:rPr lang="ko-KR" altLang="ko-KR" sz="1800" kern="100" dirty="0">
-                <a:effectLst/>
-                <a:latin typeface="맑은 고딕" panose="020B0503020000020004" pitchFamily="50" charset="-127"/>
-                <a:ea typeface="맑은 고딕" panose="020B0503020000020004" pitchFamily="50" charset="-127"/>
-                <a:cs typeface="Times New Roman" panose="02020603050405020304" pitchFamily="18" charset="0"/>
-              </a:rPr>
-              <a:t>로 표현하였을 때 보다 성능이 더 좋</a:t>
-            </a:r>
-            <a:r>
-              <a:rPr lang="ko-KR" altLang="en-US" sz="1800" kern="100" dirty="0">
-                <a:effectLst/>
-                <a:latin typeface="맑은 고딕" panose="020B0503020000020004" pitchFamily="50" charset="-127"/>
-                <a:ea typeface="맑은 고딕" panose="020B0503020000020004" pitchFamily="50" charset="-127"/>
-                <a:cs typeface="Times New Roman" panose="02020603050405020304" pitchFamily="18" charset="0"/>
-              </a:rPr>
-              <a:t>다는 것을 볼 수 있습니다</a:t>
-            </a:r>
-            <a:r>
-              <a:rPr lang="en-US" altLang="ko-KR" sz="1800" kern="100" dirty="0">
-                <a:effectLst/>
-                <a:latin typeface="맑은 고딕" panose="020B0503020000020004" pitchFamily="50" charset="-127"/>
-                <a:ea typeface="맑은 고딕" panose="020B0503020000020004" pitchFamily="50" charset="-127"/>
-                <a:cs typeface="Times New Roman" panose="02020603050405020304" pitchFamily="18" charset="0"/>
-              </a:rPr>
-              <a:t>.</a:t>
-            </a:r>
-          </a:p>
-          <a:p>
-            <a:pPr algn="just" latinLnBrk="1">
-              <a:lnSpc>
-                <a:spcPct val="107000"/>
-              </a:lnSpc>
-              <a:spcAft>
-                <a:spcPts val="800"/>
-              </a:spcAft>
-            </a:pPr>
-            <a:endParaRPr lang="ko-KR" altLang="ko-KR" sz="1800" kern="100" dirty="0">
-              <a:effectLst/>
-              <a:latin typeface="맑은 고딕" panose="020B0503020000020004" pitchFamily="50" charset="-127"/>
-              <a:ea typeface="맑은 고딕" panose="020B0503020000020004" pitchFamily="50" charset="-127"/>
-              <a:cs typeface="Times New Roman" panose="02020603050405020304" pitchFamily="18" charset="0"/>
-            </a:endParaRPr>
-          </a:p>
-          <a:p>
-            <a:pPr algn="just" latinLnBrk="1">
-              <a:lnSpc>
-                <a:spcPct val="107000"/>
-              </a:lnSpc>
-              <a:spcAft>
-                <a:spcPts val="800"/>
-              </a:spcAft>
-            </a:pPr>
-            <a:r>
-              <a:rPr lang="ko-KR" altLang="ko-KR" sz="1800" kern="100" dirty="0">
-                <a:effectLst/>
-                <a:latin typeface="맑은 고딕" panose="020B0503020000020004" pitchFamily="50" charset="-127"/>
-                <a:ea typeface="맑은 고딕" panose="020B0503020000020004" pitchFamily="50" charset="-127"/>
-                <a:cs typeface="Times New Roman" panose="02020603050405020304" pitchFamily="18" charset="0"/>
-              </a:rPr>
-              <a:t>이 때 모델 사이즈는 오히려</a:t>
-            </a:r>
-            <a:r>
-              <a:rPr lang="en-US" altLang="ko-KR" sz="1800" kern="100" dirty="0">
-                <a:effectLst/>
-                <a:latin typeface="맑은 고딕" panose="020B0503020000020004" pitchFamily="50" charset="-127"/>
-                <a:ea typeface="맑은 고딕" panose="020B0503020000020004" pitchFamily="50" charset="-127"/>
-                <a:cs typeface="Times New Roman" panose="02020603050405020304" pitchFamily="18" charset="0"/>
-              </a:rPr>
-              <a:t> ResNet-34</a:t>
-            </a:r>
-            <a:r>
-              <a:rPr lang="ko-KR" altLang="ko-KR" sz="1800" kern="100" dirty="0">
-                <a:effectLst/>
-                <a:latin typeface="맑은 고딕" panose="020B0503020000020004" pitchFamily="50" charset="-127"/>
-                <a:ea typeface="맑은 고딕" panose="020B0503020000020004" pitchFamily="50" charset="-127"/>
-                <a:cs typeface="Times New Roman" panose="02020603050405020304" pitchFamily="18" charset="0"/>
-              </a:rPr>
-              <a:t>가 조금 더 가벼운 것도 확인가</a:t>
-            </a:r>
-            <a:r>
-              <a:rPr lang="ko-KR" altLang="en-US" sz="1800" kern="100" dirty="0">
-                <a:effectLst/>
-                <a:latin typeface="맑은 고딕" panose="020B0503020000020004" pitchFamily="50" charset="-127"/>
-                <a:ea typeface="맑은 고딕" panose="020B0503020000020004" pitchFamily="50" charset="-127"/>
-                <a:cs typeface="Times New Roman" panose="02020603050405020304" pitchFamily="18" charset="0"/>
-              </a:rPr>
-              <a:t>능한 것으로 보아</a:t>
-            </a:r>
-            <a:r>
-              <a:rPr lang="en-US" altLang="ko-KR" sz="1800" kern="100" dirty="0">
-                <a:effectLst/>
-                <a:latin typeface="맑은 고딕" panose="020B0503020000020004" pitchFamily="50" charset="-127"/>
-                <a:ea typeface="맑은 고딕" panose="020B0503020000020004" pitchFamily="50" charset="-127"/>
-                <a:cs typeface="Times New Roman" panose="02020603050405020304" pitchFamily="18" charset="0"/>
-              </a:rPr>
-              <a:t>,</a:t>
-            </a:r>
-          </a:p>
-          <a:p>
-            <a:pPr algn="just" latinLnBrk="1">
-              <a:lnSpc>
-                <a:spcPct val="107000"/>
-              </a:lnSpc>
-              <a:spcAft>
-                <a:spcPts val="800"/>
-              </a:spcAft>
-            </a:pPr>
-            <a:endParaRPr lang="ko-KR" altLang="ko-KR" sz="1800" kern="100" dirty="0">
-              <a:effectLst/>
-              <a:latin typeface="맑은 고딕" panose="020B0503020000020004" pitchFamily="50" charset="-127"/>
-              <a:ea typeface="맑은 고딕" panose="020B0503020000020004" pitchFamily="50" charset="-127"/>
-              <a:cs typeface="Times New Roman" panose="02020603050405020304" pitchFamily="18" charset="0"/>
-            </a:endParaRPr>
-          </a:p>
-          <a:p>
-            <a:pPr algn="just" latinLnBrk="1">
-              <a:lnSpc>
-                <a:spcPct val="107000"/>
-              </a:lnSpc>
-              <a:spcAft>
-                <a:spcPts val="800"/>
-              </a:spcAft>
-            </a:pPr>
-            <a:r>
-              <a:rPr lang="ko-KR" altLang="ko-KR" sz="1800" kern="100" dirty="0">
-                <a:effectLst/>
-                <a:latin typeface="맑은 고딕" panose="020B0503020000020004" pitchFamily="50" charset="-127"/>
-                <a:ea typeface="맑은 고딕" panose="020B0503020000020004" pitchFamily="50" charset="-127"/>
-                <a:cs typeface="Times New Roman" panose="02020603050405020304" pitchFamily="18" charset="0"/>
-              </a:rPr>
-              <a:t>이를 통해서</a:t>
-            </a:r>
-            <a:r>
-              <a:rPr lang="en-US" altLang="ko-KR" sz="1800" kern="100" dirty="0">
-                <a:effectLst/>
-                <a:latin typeface="맑은 고딕" panose="020B0503020000020004" pitchFamily="50" charset="-127"/>
-                <a:ea typeface="맑은 고딕" panose="020B0503020000020004" pitchFamily="50" charset="-127"/>
-                <a:cs typeface="Times New Roman" panose="02020603050405020304" pitchFamily="18" charset="0"/>
-              </a:rPr>
-              <a:t>, </a:t>
-            </a:r>
-            <a:r>
-              <a:rPr lang="ko-KR" altLang="ko-KR" sz="1800" b="1" kern="100" dirty="0">
-                <a:effectLst/>
-                <a:latin typeface="맑은 고딕" panose="020B0503020000020004" pitchFamily="50" charset="-127"/>
-                <a:ea typeface="맑은 고딕" panose="020B0503020000020004" pitchFamily="50" charset="-127"/>
-                <a:cs typeface="Times New Roman" panose="02020603050405020304" pitchFamily="18" charset="0"/>
-              </a:rPr>
-              <a:t>양자화의 </a:t>
-            </a:r>
-            <a:r>
-              <a:rPr lang="ko-KR" altLang="en-US" sz="1800" b="1" kern="100" dirty="0">
-                <a:effectLst/>
-                <a:latin typeface="맑은 고딕" panose="020B0503020000020004" pitchFamily="50" charset="-127"/>
-                <a:ea typeface="맑은 고딕" panose="020B0503020000020004" pitchFamily="50" charset="-127"/>
-                <a:cs typeface="Times New Roman" panose="02020603050405020304" pitchFamily="18" charset="0"/>
-              </a:rPr>
-              <a:t>필요성과 연구 성과를 살펴볼 수 있습니다</a:t>
-            </a:r>
-            <a:r>
-              <a:rPr lang="en-US" altLang="ko-KR" sz="1800" b="1" kern="100" dirty="0">
-                <a:effectLst/>
-                <a:latin typeface="맑은 고딕" panose="020B0503020000020004" pitchFamily="50" charset="-127"/>
-                <a:ea typeface="맑은 고딕" panose="020B0503020000020004" pitchFamily="50" charset="-127"/>
-                <a:cs typeface="Times New Roman" panose="02020603050405020304" pitchFamily="18" charset="0"/>
-              </a:rPr>
-              <a:t>.</a:t>
-            </a:r>
-            <a:endParaRPr lang="ko-KR" altLang="en-US" dirty="0"/>
           </a:p>
         </p:txBody>
       </p:sp>
@@ -1894,7 +3946,7 @@
     </p:spTree>
     <p:extLst>
       <p:ext uri="{BB962C8B-B14F-4D97-AF65-F5344CB8AC3E}">
-        <p14:creationId xmlns:p14="http://schemas.microsoft.com/office/powerpoint/2010/main" val="521720716"/>
+        <p14:creationId xmlns:p14="http://schemas.microsoft.com/office/powerpoint/2010/main" val="2203490956"/>
       </p:ext>
     </p:extLst>
   </p:cSld>
@@ -1948,20 +4000,22 @@
           <a:bodyPr/>
           <a:lstStyle/>
           <a:p>
-            <a:pPr marL="0" indent="0">
-              <a:buNone/>
-            </a:pPr>
             <a:r>
               <a:rPr lang="ko-KR" altLang="en-US" dirty="0"/>
-              <a:t>마지막으로</a:t>
+              <a:t>이 페이지는</a:t>
             </a:r>
             <a:r>
               <a:rPr lang="en-US" altLang="ko-KR" dirty="0"/>
-              <a:t>, </a:t>
-            </a:r>
+              <a:t>,</a:t>
+            </a:r>
+          </a:p>
+          <a:p>
+            <a:endParaRPr lang="en-US" altLang="ko-KR" dirty="0"/>
+          </a:p>
+          <a:p>
             <a:r>
               <a:rPr lang="ko-KR" altLang="en-US" dirty="0"/>
-              <a:t>만약 </a:t>
+              <a:t>제가 이번에 </a:t>
             </a:r>
             <a:r>
               <a:rPr lang="en-US" altLang="ko-KR" dirty="0"/>
@@ -1969,59 +4023,14 @@
             </a:r>
             <a:r>
               <a:rPr lang="ko-KR" altLang="en-US" dirty="0"/>
-              <a:t>을 추후에 진행할 생각이라면</a:t>
-            </a:r>
-            <a:r>
-              <a:rPr lang="en-US" altLang="ko-KR" dirty="0"/>
-              <a:t>, </a:t>
-            </a:r>
-            <a:r>
-              <a:rPr lang="ko-KR" altLang="en-US" dirty="0"/>
-              <a:t>기억할 만한 사항으로</a:t>
-            </a:r>
-            <a:r>
-              <a:rPr lang="en-US" altLang="ko-KR" dirty="0"/>
-              <a:t>,</a:t>
-            </a:r>
-          </a:p>
-          <a:p>
-            <a:pPr marL="0" indent="0">
-              <a:buNone/>
-            </a:pPr>
-            <a:endParaRPr lang="en-US" altLang="ko-KR" dirty="0"/>
-          </a:p>
-          <a:p>
-            <a:pPr marL="0" indent="0">
-              <a:buNone/>
-            </a:pPr>
-            <a:r>
-              <a:rPr lang="en-US" altLang="ko-KR" dirty="0" err="1"/>
-              <a:t>PyTorch</a:t>
-            </a:r>
-            <a:r>
-              <a:rPr lang="en-US" altLang="ko-KR" dirty="0"/>
-              <a:t> 1.3 </a:t>
-            </a:r>
-            <a:r>
-              <a:rPr lang="ko-KR" altLang="en-US" dirty="0" err="1"/>
-              <a:t>부터만</a:t>
-            </a:r>
-            <a:r>
-              <a:rPr lang="ko-KR" altLang="en-US" dirty="0"/>
-              <a:t> 해당 기능을 지원한다는 점까지 참고로 전달해드리며 이번 </a:t>
-            </a:r>
-            <a:r>
-              <a:rPr lang="en-US" altLang="ko-KR" dirty="0"/>
-              <a:t>Study</a:t>
-            </a:r>
-            <a:r>
-              <a:rPr lang="ko-KR" altLang="en-US" dirty="0"/>
-              <a:t>를 마무리 하도록 하겠습니다</a:t>
+              <a:t>을 공부하며 참고했던 사이트입니다</a:t>
             </a:r>
             <a:r>
               <a:rPr lang="en-US" altLang="ko-KR" dirty="0"/>
               <a:t>.</a:t>
             </a:r>
+          </a:p>
+          <a:p>
             <a:endParaRPr lang="ko-KR" altLang="en-US" dirty="0"/>
           </a:p>
         </p:txBody>
@@ -2052,7 +4061,7 @@
     </p:spTree>
     <p:extLst>
       <p:ext uri="{BB962C8B-B14F-4D97-AF65-F5344CB8AC3E}">
-        <p14:creationId xmlns:p14="http://schemas.microsoft.com/office/powerpoint/2010/main" val="2203490956"/>
+        <p14:creationId xmlns:p14="http://schemas.microsoft.com/office/powerpoint/2010/main" val="3196305769"/>
       </p:ext>
     </p:extLst>
   </p:cSld>
@@ -2108,35 +4117,12 @@
           <a:p>
             <a:r>
               <a:rPr lang="ko-KR" altLang="en-US" dirty="0"/>
-              <a:t>이 페이지는</a:t>
-            </a:r>
-            <a:r>
-              <a:rPr lang="en-US" altLang="ko-KR" dirty="0"/>
-              <a:t>,</a:t>
-            </a:r>
-          </a:p>
-          <a:p>
-            <a:endParaRPr lang="en-US" altLang="ko-KR" dirty="0"/>
-          </a:p>
-          <a:p>
-            <a:r>
-              <a:rPr lang="ko-KR" altLang="en-US" dirty="0"/>
-              <a:t>제가 이번에 </a:t>
-            </a:r>
-            <a:r>
-              <a:rPr lang="en-US" altLang="ko-KR" dirty="0"/>
-              <a:t>Quantization</a:t>
-            </a:r>
-            <a:r>
-              <a:rPr lang="ko-KR" altLang="en-US" dirty="0"/>
-              <a:t>을 공부하며 참고했던 사이트입니다</a:t>
+              <a:t>감사합니다</a:t>
             </a:r>
             <a:r>
               <a:rPr lang="en-US" altLang="ko-KR" dirty="0"/>
               <a:t>.</a:t>
             </a:r>
-          </a:p>
-          <a:p>
             <a:endParaRPr lang="ko-KR" altLang="en-US" dirty="0"/>
           </a:p>
         </p:txBody>
@@ -2167,7 +4153,7 @@
     </p:spTree>
     <p:extLst>
       <p:ext uri="{BB962C8B-B14F-4D97-AF65-F5344CB8AC3E}">
-        <p14:creationId xmlns:p14="http://schemas.microsoft.com/office/powerpoint/2010/main" val="3196305769"/>
+        <p14:creationId xmlns:p14="http://schemas.microsoft.com/office/powerpoint/2010/main" val="3750592975"/>
       </p:ext>
     </p:extLst>
   </p:cSld>
@@ -2242,7 +4228,7 @@
           <a:p>
             <a:fld id="{4AA33153-BBCF-44B3-971E-0C3ED68EC11D}" type="slidenum">
               <a:rPr lang="ko-KR" altLang="en-US" smtClean="0"/>
-              <a:t>20</a:t>
+              <a:t>19</a:t>
             </a:fld>
             <a:endParaRPr lang="ko-KR" altLang="en-US"/>
           </a:p>
@@ -4201,7 +6187,144 @@
             <a:pPr marL="0" indent="0">
               <a:buNone/>
             </a:pPr>
+            <a:r>
+              <a:rPr lang="ko-KR" altLang="en-US" dirty="0"/>
+              <a:t>자료를 더 찾아보니</a:t>
+            </a:r>
+            <a:r>
+              <a:rPr lang="en-US" altLang="ko-KR" dirty="0"/>
+              <a:t>, QAT</a:t>
+            </a:r>
+            <a:r>
+              <a:rPr lang="ko-KR" altLang="en-US" dirty="0"/>
+              <a:t>의 경우에는 일반적으로 가장 좋은 성능을 기대할 수 있지만</a:t>
+            </a:r>
+            <a:r>
+              <a:rPr lang="en-US" altLang="ko-KR" dirty="0"/>
+              <a:t>, </a:t>
+            </a:r>
+            <a:r>
+              <a:rPr lang="ko-KR" altLang="en-US" dirty="0"/>
+              <a:t>다소 복잡하여서</a:t>
+            </a:r>
             <a:endParaRPr lang="en-US" altLang="ko-KR" dirty="0"/>
+          </a:p>
+          <a:p>
+            <a:pPr marL="0" indent="0">
+              <a:buNone/>
+            </a:pPr>
+            <a:endParaRPr lang="en-US" altLang="ko-KR" dirty="0"/>
+          </a:p>
+          <a:p>
+            <a:pPr marL="0" indent="0">
+              <a:buNone/>
+            </a:pPr>
+            <a:r>
+              <a:rPr lang="ko-KR" altLang="en-US" dirty="0"/>
+              <a:t>우선</a:t>
+            </a:r>
+            <a:r>
+              <a:rPr lang="en-US" altLang="ko-KR" dirty="0"/>
+              <a:t>, Static Quantization</a:t>
+            </a:r>
+            <a:r>
+              <a:rPr lang="ko-KR" altLang="en-US" dirty="0"/>
+              <a:t>을 수행한 뒤에</a:t>
+            </a:r>
+            <a:r>
+              <a:rPr lang="en-US" altLang="ko-KR" dirty="0"/>
+              <a:t>, </a:t>
+            </a:r>
+            <a:r>
+              <a:rPr lang="ko-KR" altLang="en-US" dirty="0"/>
+              <a:t>이 기법으로도 충분히 좋은 성능을 얻을 수 없다면 </a:t>
+            </a:r>
+            <a:r>
+              <a:rPr lang="en-US" altLang="ko-KR" dirty="0"/>
+              <a:t>QAT</a:t>
+            </a:r>
+            <a:r>
+              <a:rPr lang="ko-KR" altLang="en-US" dirty="0"/>
+              <a:t>를 적용한다고 명시되어 있었습니다</a:t>
+            </a:r>
+            <a:r>
+              <a:rPr lang="en-US" altLang="ko-KR" dirty="0"/>
+              <a:t>.</a:t>
+            </a:r>
+          </a:p>
+          <a:p>
+            <a:pPr marL="0" indent="0">
+              <a:buNone/>
+            </a:pPr>
+            <a:endParaRPr lang="en-US" altLang="ko-KR" dirty="0"/>
+          </a:p>
+          <a:p>
+            <a:pPr marL="0" indent="0">
+              <a:buNone/>
+            </a:pPr>
+            <a:r>
+              <a:rPr lang="ko-KR" altLang="en-US" dirty="0"/>
+              <a:t>따라서</a:t>
+            </a:r>
+            <a:r>
+              <a:rPr lang="en-US" altLang="ko-KR" dirty="0"/>
+              <a:t>, CNN</a:t>
+            </a:r>
+            <a:r>
+              <a:rPr lang="ko-KR" altLang="en-US" dirty="0"/>
+              <a:t>을 양자화 하기 위해서는 우선</a:t>
+            </a:r>
+            <a:r>
+              <a:rPr lang="en-US" altLang="ko-KR" dirty="0"/>
+              <a:t>, </a:t>
+            </a:r>
+          </a:p>
+          <a:p>
+            <a:pPr marL="0" indent="0">
+              <a:buNone/>
+            </a:pPr>
+            <a:endParaRPr lang="en-US" altLang="ko-KR" dirty="0"/>
+          </a:p>
+          <a:p>
+            <a:pPr marL="0" indent="0">
+              <a:buNone/>
+            </a:pPr>
+            <a:r>
+              <a:rPr lang="en-US" altLang="ko-KR" dirty="0"/>
+              <a:t>Static Quantization</a:t>
+            </a:r>
+            <a:r>
+              <a:rPr lang="ko-KR" altLang="en-US" dirty="0"/>
+              <a:t>을 진행하고</a:t>
+            </a:r>
+            <a:r>
+              <a:rPr lang="en-US" altLang="ko-KR" dirty="0"/>
+              <a:t>, </a:t>
+            </a:r>
+            <a:r>
+              <a:rPr lang="ko-KR" altLang="en-US" dirty="0"/>
+              <a:t>그 뒤에 필요시 </a:t>
+            </a:r>
+            <a:r>
+              <a:rPr lang="en-US" altLang="ko-KR" dirty="0"/>
+              <a:t>QAT</a:t>
+            </a:r>
+            <a:r>
+              <a:rPr lang="ko-KR" altLang="en-US" dirty="0"/>
+              <a:t>도 진행한다</a:t>
+            </a:r>
+            <a:r>
+              <a:rPr lang="en-US" altLang="ko-KR" dirty="0"/>
+              <a:t>. </a:t>
+            </a:r>
+            <a:r>
+              <a:rPr lang="ko-KR" altLang="en-US" dirty="0"/>
+              <a:t>라고 이해할 수 있겠습니다</a:t>
+            </a:r>
+            <a:r>
+              <a:rPr lang="en-US" altLang="ko-KR" dirty="0"/>
+              <a:t>.</a:t>
+            </a:r>
           </a:p>
         </p:txBody>
       </p:sp>
@@ -4288,7 +6411,356 @@
             <a:pPr marL="0" indent="0">
               <a:buNone/>
             </a:pPr>
+            <a:r>
+              <a:rPr lang="ko-KR" altLang="en-US" dirty="0"/>
+              <a:t>그렇다면</a:t>
+            </a:r>
+            <a:r>
+              <a:rPr lang="en-US" altLang="ko-KR" dirty="0"/>
+              <a:t>, </a:t>
+            </a:r>
+            <a:r>
+              <a:rPr lang="ko-KR" altLang="en-US" dirty="0"/>
+              <a:t>이와 같은 </a:t>
+            </a:r>
+            <a:r>
+              <a:rPr lang="en-US" altLang="ko-KR" dirty="0"/>
+              <a:t>Quantization</a:t>
+            </a:r>
+            <a:r>
+              <a:rPr lang="ko-KR" altLang="en-US" dirty="0"/>
+              <a:t>을 구현하기 위해서는 어떤 것들을 알고 있어야 할지 찾아봤습니다</a:t>
+            </a:r>
+            <a:r>
+              <a:rPr lang="en-US" altLang="ko-KR" dirty="0"/>
+              <a:t>.</a:t>
+            </a:r>
+          </a:p>
+          <a:p>
+            <a:pPr marL="0" indent="0">
+              <a:buNone/>
+            </a:pPr>
             <a:endParaRPr lang="en-US" altLang="ko-KR" dirty="0"/>
+          </a:p>
+          <a:p>
+            <a:pPr marL="0" indent="0">
+              <a:buNone/>
+            </a:pPr>
+            <a:r>
+              <a:rPr lang="ko-KR" altLang="en-US" dirty="0"/>
+              <a:t>총 </a:t>
+            </a:r>
+            <a:r>
+              <a:rPr lang="en-US" altLang="ko-KR" dirty="0"/>
+              <a:t>3</a:t>
+            </a:r>
+            <a:r>
+              <a:rPr lang="ko-KR" altLang="en-US" dirty="0"/>
+              <a:t>가지의 개념을 </a:t>
+            </a:r>
+            <a:r>
+              <a:rPr lang="ko-KR" altLang="en-US" dirty="0" err="1"/>
+              <a:t>알고있으면</a:t>
+            </a:r>
+            <a:r>
+              <a:rPr lang="ko-KR" altLang="en-US" dirty="0"/>
+              <a:t> 되는데</a:t>
+            </a:r>
+            <a:r>
+              <a:rPr lang="en-US" altLang="ko-KR" dirty="0"/>
+              <a:t>,</a:t>
+            </a:r>
+          </a:p>
+          <a:p>
+            <a:pPr marL="0" indent="0">
+              <a:buNone/>
+            </a:pPr>
+            <a:endParaRPr lang="en-US" altLang="ko-KR" dirty="0"/>
+          </a:p>
+          <a:p>
+            <a:pPr marL="0" indent="0">
+              <a:buNone/>
+            </a:pPr>
+            <a:r>
+              <a:rPr lang="ko-KR" altLang="en-US" dirty="0"/>
+              <a:t>우선 </a:t>
+            </a:r>
+            <a:r>
+              <a:rPr lang="en-US" altLang="ko-KR" dirty="0"/>
+              <a:t>Model Fusion</a:t>
+            </a:r>
+            <a:r>
+              <a:rPr lang="ko-KR" altLang="en-US" dirty="0"/>
+              <a:t>에 대해 소개하도록 하겠습니다</a:t>
+            </a:r>
+            <a:r>
+              <a:rPr lang="en-US" altLang="ko-KR" dirty="0"/>
+              <a:t>.</a:t>
+            </a:r>
+          </a:p>
+          <a:p>
+            <a:pPr marL="0" indent="0">
+              <a:buNone/>
+            </a:pPr>
+            <a:endParaRPr lang="en-US" altLang="ko-KR" dirty="0"/>
+          </a:p>
+          <a:p>
+            <a:pPr marL="0" indent="0">
+              <a:buNone/>
+            </a:pPr>
+            <a:r>
+              <a:rPr lang="ko-KR" altLang="en-US" dirty="0"/>
+              <a:t>위 그림을 먼저 살펴보면</a:t>
+            </a:r>
+            <a:r>
+              <a:rPr lang="en-US" altLang="ko-KR" dirty="0"/>
+              <a:t>, Quantization</a:t>
+            </a:r>
+            <a:r>
+              <a:rPr lang="ko-KR" altLang="en-US" dirty="0"/>
+              <a:t>을 </a:t>
+            </a:r>
+            <a:r>
+              <a:rPr lang="en-US" altLang="ko-KR" dirty="0"/>
+              <a:t>CONV2D, BATCH NORM, RELU </a:t>
+            </a:r>
+            <a:r>
+              <a:rPr lang="ko-KR" altLang="en-US" dirty="0"/>
+              <a:t>각각에 적용하는 것이고</a:t>
+            </a:r>
+            <a:r>
+              <a:rPr lang="en-US" altLang="ko-KR" dirty="0"/>
+              <a:t>,</a:t>
+            </a:r>
+          </a:p>
+          <a:p>
+            <a:pPr marL="0" indent="0">
+              <a:buNone/>
+            </a:pPr>
+            <a:r>
+              <a:rPr lang="ko-KR" altLang="en-US" dirty="0"/>
+              <a:t>아래 그림은</a:t>
+            </a:r>
+            <a:r>
+              <a:rPr lang="en-US" altLang="ko-KR" dirty="0"/>
+              <a:t>, CONV2D-BATCH NORM-RELU</a:t>
+            </a:r>
+            <a:r>
+              <a:rPr lang="ko-KR" altLang="en-US" dirty="0"/>
+              <a:t>가 한 쌍으로 구성되도록 </a:t>
+            </a:r>
+            <a:r>
+              <a:rPr lang="en-US" altLang="ko-KR" dirty="0"/>
+              <a:t>Fusion</a:t>
+            </a:r>
+            <a:r>
+              <a:rPr lang="ko-KR" altLang="en-US" dirty="0"/>
+              <a:t>하여 이 전체에 대해 </a:t>
+            </a:r>
+            <a:r>
+              <a:rPr lang="en-US" altLang="ko-KR" dirty="0"/>
+              <a:t>Quantization</a:t>
+            </a:r>
+            <a:r>
+              <a:rPr lang="ko-KR" altLang="en-US" dirty="0"/>
+              <a:t>을 한 번만 적용한다는 것입니다</a:t>
+            </a:r>
+            <a:r>
+              <a:rPr lang="en-US" altLang="ko-KR" dirty="0"/>
+              <a:t>.</a:t>
+            </a:r>
+          </a:p>
+          <a:p>
+            <a:pPr marL="0" indent="0">
+              <a:buNone/>
+            </a:pPr>
+            <a:endParaRPr lang="en-US" altLang="ko-KR" dirty="0"/>
+          </a:p>
+          <a:p>
+            <a:pPr marL="0" indent="0">
+              <a:buNone/>
+            </a:pPr>
+            <a:r>
+              <a:rPr lang="ko-KR" altLang="en-US" dirty="0"/>
+              <a:t>위 그림의 경우</a:t>
+            </a:r>
+            <a:r>
+              <a:rPr lang="en-US" altLang="ko-KR" dirty="0"/>
+              <a:t>, </a:t>
+            </a:r>
+            <a:r>
+              <a:rPr lang="ko-KR" altLang="en-US" dirty="0"/>
+              <a:t>하나하나의 </a:t>
+            </a:r>
+            <a:r>
+              <a:rPr lang="en-US" altLang="ko-KR" dirty="0"/>
+              <a:t>Layer</a:t>
+            </a:r>
+            <a:r>
+              <a:rPr lang="ko-KR" altLang="en-US" dirty="0"/>
+              <a:t>를 통과할 때 마다 </a:t>
+            </a:r>
+            <a:r>
+              <a:rPr lang="en-US" altLang="ko-KR" dirty="0"/>
+              <a:t>Precision</a:t>
+            </a:r>
+            <a:r>
+              <a:rPr lang="ko-KR" altLang="en-US" dirty="0"/>
+              <a:t>이 점차 감소하는 것을 볼 수 있는데</a:t>
+            </a:r>
+            <a:r>
+              <a:rPr lang="en-US" altLang="ko-KR" dirty="0"/>
+              <a:t>,</a:t>
+            </a:r>
+          </a:p>
+          <a:p>
+            <a:pPr marL="0" indent="0">
+              <a:buNone/>
+            </a:pPr>
+            <a:r>
+              <a:rPr lang="ko-KR" altLang="en-US" dirty="0"/>
+              <a:t>이러한 </a:t>
+            </a:r>
+            <a:r>
+              <a:rPr lang="en-US" altLang="ko-KR" dirty="0"/>
+              <a:t>Layer</a:t>
+            </a:r>
+            <a:r>
+              <a:rPr lang="ko-KR" altLang="en-US" dirty="0"/>
+              <a:t>들을 </a:t>
+            </a:r>
+            <a:r>
+              <a:rPr lang="en-US" altLang="ko-KR" dirty="0"/>
+              <a:t>Fusion</a:t>
+            </a:r>
+            <a:r>
+              <a:rPr lang="ko-KR" altLang="en-US" dirty="0"/>
+              <a:t>함으로써</a:t>
+            </a:r>
+            <a:r>
+              <a:rPr lang="en-US" altLang="ko-KR" dirty="0"/>
+              <a:t>, Quantize</a:t>
+            </a:r>
+            <a:r>
+              <a:rPr lang="ko-KR" altLang="en-US" dirty="0"/>
+              <a:t>가 적용되는 횟수를 </a:t>
+            </a:r>
+            <a:r>
+              <a:rPr lang="en-US" altLang="ko-KR" dirty="0"/>
+              <a:t>3</a:t>
+            </a:r>
+            <a:r>
+              <a:rPr lang="ko-KR" altLang="en-US" dirty="0"/>
+              <a:t>번에서 </a:t>
+            </a:r>
+            <a:r>
+              <a:rPr lang="en-US" altLang="ko-KR" dirty="0"/>
+              <a:t>1</a:t>
+            </a:r>
+            <a:r>
+              <a:rPr lang="ko-KR" altLang="en-US" dirty="0"/>
+              <a:t>번으로 줄여서 더 높은 정확도를 얻을 수 있게 됩니다</a:t>
+            </a:r>
+            <a:r>
+              <a:rPr lang="en-US" altLang="ko-KR" dirty="0"/>
+              <a:t>.</a:t>
+            </a:r>
+          </a:p>
+          <a:p>
+            <a:pPr marL="0" indent="0">
+              <a:buNone/>
+            </a:pPr>
+            <a:endParaRPr lang="en-US" altLang="ko-KR" dirty="0"/>
+          </a:p>
+          <a:p>
+            <a:pPr marL="0" indent="0">
+              <a:buNone/>
+            </a:pPr>
+            <a:r>
+              <a:rPr lang="ko-KR" altLang="en-US" dirty="0"/>
+              <a:t>하지만</a:t>
+            </a:r>
+            <a:r>
+              <a:rPr lang="en-US" altLang="ko-KR" dirty="0"/>
+              <a:t>, </a:t>
+            </a:r>
+            <a:r>
+              <a:rPr lang="ko-KR" altLang="en-US" dirty="0"/>
+              <a:t>과도하게 </a:t>
+            </a:r>
+            <a:r>
+              <a:rPr lang="en-US" altLang="ko-KR" dirty="0"/>
+              <a:t>Quantization</a:t>
+            </a:r>
+            <a:r>
+              <a:rPr lang="ko-KR" altLang="en-US" dirty="0"/>
+              <a:t> 횟수를 줄여버리면 </a:t>
+            </a:r>
+            <a:r>
+              <a:rPr lang="en-US" altLang="ko-KR" dirty="0"/>
+              <a:t>Quantization </a:t>
+            </a:r>
+            <a:r>
+              <a:rPr lang="ko-KR" altLang="en-US" dirty="0"/>
+              <a:t>자체의 목적이 사라질 수 있기 때문에 어느 부분에 </a:t>
+            </a:r>
+            <a:r>
+              <a:rPr lang="en-US" altLang="ko-KR" dirty="0"/>
+              <a:t>Fusion</a:t>
+            </a:r>
+            <a:r>
+              <a:rPr lang="ko-KR" altLang="en-US" dirty="0"/>
+              <a:t>을 진행하는 것이 좋은지는 계속 연구 및 개발 중에 있는 분야라고 합니다</a:t>
+            </a:r>
+            <a:r>
+              <a:rPr lang="en-US" altLang="ko-KR" dirty="0"/>
+              <a:t>.</a:t>
+            </a:r>
+          </a:p>
+          <a:p>
+            <a:pPr marL="0" indent="0">
+              <a:buNone/>
+            </a:pPr>
+            <a:r>
+              <a:rPr lang="ko-KR" altLang="en-US" dirty="0"/>
+              <a:t>따라서</a:t>
+            </a:r>
+            <a:r>
+              <a:rPr lang="en-US" altLang="ko-KR" dirty="0"/>
+              <a:t>, </a:t>
+            </a:r>
+            <a:r>
+              <a:rPr lang="ko-KR" altLang="en-US" dirty="0"/>
+              <a:t>사용하는 입장에서는</a:t>
+            </a:r>
+            <a:r>
+              <a:rPr lang="en-US" altLang="ko-KR" dirty="0"/>
+              <a:t>, </a:t>
+            </a:r>
+            <a:r>
+              <a:rPr lang="ko-KR" altLang="en-US" dirty="0"/>
+              <a:t>이미 성능이 검증된 </a:t>
+            </a:r>
+            <a:r>
+              <a:rPr lang="en-US" altLang="ko-KR" dirty="0"/>
+              <a:t>CONV2D-BATCH NORM-RELU</a:t>
+            </a:r>
+            <a:r>
+              <a:rPr lang="ko-KR" altLang="en-US" dirty="0"/>
+              <a:t>에 대해 </a:t>
+            </a:r>
+            <a:r>
+              <a:rPr lang="en-US" altLang="ko-KR" dirty="0"/>
+              <a:t>Model Fusion</a:t>
+            </a:r>
+            <a:r>
+              <a:rPr lang="ko-KR" altLang="en-US" dirty="0"/>
+              <a:t>을 진행합니다</a:t>
+            </a:r>
+            <a:r>
+              <a:rPr lang="en-US" altLang="ko-KR" dirty="0"/>
+              <a:t>.</a:t>
+            </a:r>
           </a:p>
         </p:txBody>
       </p:sp>
@@ -4375,6 +6847,78 @@
             <a:pPr marL="0" indent="0">
               <a:buNone/>
             </a:pPr>
+            <a:r>
+              <a:rPr lang="ko-KR" altLang="en-US" dirty="0"/>
+              <a:t>그렇다면</a:t>
+            </a:r>
+            <a:r>
+              <a:rPr lang="en-US" altLang="ko-KR" dirty="0"/>
+              <a:t>, Quantization</a:t>
+            </a:r>
+            <a:r>
+              <a:rPr lang="ko-KR" altLang="en-US" dirty="0"/>
+              <a:t>을 실행하면 어떤 일이 일어날지 살펴보겠습니다</a:t>
+            </a:r>
+            <a:r>
+              <a:rPr lang="en-US" altLang="ko-KR" dirty="0"/>
+              <a:t>. </a:t>
+            </a:r>
+            <a:r>
+              <a:rPr lang="ko-KR" altLang="en-US" dirty="0"/>
+              <a:t>즉</a:t>
+            </a:r>
+            <a:r>
+              <a:rPr lang="en-US" altLang="ko-KR" dirty="0"/>
+              <a:t>, Quantization Formula</a:t>
+            </a:r>
+            <a:r>
+              <a:rPr lang="ko-KR" altLang="en-US" dirty="0"/>
+              <a:t>에 대해 살펴볼 것인데</a:t>
+            </a:r>
+            <a:r>
+              <a:rPr lang="en-US" altLang="ko-KR" dirty="0"/>
+              <a:t>,</a:t>
+            </a:r>
+          </a:p>
+          <a:p>
+            <a:pPr marL="0" indent="0">
+              <a:buNone/>
+            </a:pPr>
+            <a:endParaRPr lang="en-US" altLang="ko-KR" dirty="0"/>
+          </a:p>
+          <a:p>
+            <a:pPr marL="0" indent="0">
+              <a:buNone/>
+            </a:pPr>
+            <a:r>
+              <a:rPr lang="ko-KR" altLang="en-US" dirty="0"/>
+              <a:t>앞서 말씀드렸듯이 그림에서 보실 수 있듯이</a:t>
+            </a:r>
+            <a:r>
+              <a:rPr lang="en-US" altLang="ko-KR" dirty="0"/>
+              <a:t>, Weight</a:t>
+            </a:r>
+            <a:r>
+              <a:rPr lang="ko-KR" altLang="en-US" dirty="0"/>
+              <a:t>에 해당하는 실수형 변수를 정수형 변수로 바꾸는 과정이 </a:t>
+            </a:r>
+            <a:r>
+              <a:rPr lang="en-US" altLang="ko-KR" dirty="0"/>
+              <a:t>Quantization</a:t>
+            </a:r>
+            <a:r>
+              <a:rPr lang="ko-KR" altLang="en-US" dirty="0"/>
+              <a:t>입니다</a:t>
+            </a:r>
+            <a:r>
+              <a:rPr lang="en-US" altLang="ko-KR" dirty="0"/>
+              <a:t>.</a:t>
+            </a:r>
+          </a:p>
+          <a:p>
+            <a:pPr marL="0" indent="0">
+              <a:buNone/>
+            </a:pPr>
             <a:endParaRPr lang="en-US" altLang="ko-KR" dirty="0"/>
           </a:p>
         </p:txBody>
@@ -4459,10 +7003,487 @@
           <a:bodyPr/>
           <a:lstStyle/>
           <a:p>
-            <a:pPr marL="0" indent="0">
-              <a:buNone/>
-            </a:pPr>
-            <a:endParaRPr lang="en-US" altLang="ko-KR" dirty="0"/>
+            <a:r>
+              <a:rPr lang="ko-KR" altLang="en-US" dirty="0"/>
+              <a:t>이때 두 가지 접근 방법이 있는데</a:t>
+            </a:r>
+            <a:r>
+              <a:rPr lang="en-US" altLang="ko-KR" dirty="0"/>
+              <a:t>, </a:t>
+            </a:r>
+            <a:r>
+              <a:rPr lang="en-US" altLang="ko-KR" b="1" dirty="0">
+                <a:effectLst/>
+                <a:latin typeface="inherit"/>
+              </a:rPr>
+              <a:t>Symmetric vs Asymmetric Quantization </a:t>
+            </a:r>
+            <a:r>
+              <a:rPr lang="ko-KR" altLang="en-US" b="1" dirty="0">
+                <a:effectLst/>
+                <a:latin typeface="inherit"/>
+              </a:rPr>
+              <a:t>이렇게 나눌 수 있습니다</a:t>
+            </a:r>
+            <a:r>
+              <a:rPr lang="en-US" altLang="ko-KR" b="1" dirty="0">
+                <a:effectLst/>
+                <a:latin typeface="inherit"/>
+              </a:rPr>
+              <a:t>.</a:t>
+            </a:r>
+          </a:p>
+          <a:p>
+            <a:endParaRPr lang="en-US" altLang="ko-KR" b="1" dirty="0">
+              <a:effectLst/>
+              <a:latin typeface="inherit"/>
+            </a:endParaRPr>
+          </a:p>
+          <a:p>
+            <a:r>
+              <a:rPr lang="ko-KR" altLang="en-US" b="1" dirty="0">
+                <a:effectLst/>
+              </a:rPr>
+              <a:t>왼쪽이 </a:t>
+            </a:r>
+            <a:r>
+              <a:rPr lang="en-US" altLang="ko-KR" b="1" dirty="0">
+                <a:effectLst/>
+              </a:rPr>
+              <a:t>Symmetric</a:t>
+            </a:r>
+            <a:r>
+              <a:rPr lang="ko-KR" altLang="en-US" b="1" dirty="0">
+                <a:effectLst/>
+              </a:rPr>
+              <a:t>이며 오른쪽이 </a:t>
+            </a:r>
+            <a:r>
+              <a:rPr lang="en-US" altLang="ko-KR" b="1" dirty="0">
+                <a:effectLst/>
+                <a:latin typeface="inherit"/>
+              </a:rPr>
+              <a:t>Asymmetric</a:t>
+            </a:r>
+            <a:r>
+              <a:rPr lang="ko-KR" altLang="en-US" b="1" dirty="0">
+                <a:effectLst/>
+                <a:latin typeface="inherit"/>
+              </a:rPr>
+              <a:t>인데</a:t>
+            </a:r>
+            <a:r>
+              <a:rPr lang="en-US" altLang="ko-KR" b="1" dirty="0">
+                <a:effectLst/>
+                <a:latin typeface="inherit"/>
+              </a:rPr>
+              <a:t>,</a:t>
+            </a:r>
+          </a:p>
+          <a:p>
+            <a:endParaRPr lang="en-US" altLang="ko-KR" b="1" dirty="0">
+              <a:effectLst/>
+              <a:latin typeface="inherit"/>
+            </a:endParaRPr>
+          </a:p>
+          <a:p>
+            <a:r>
+              <a:rPr lang="en-US" altLang="ko-KR" b="1" dirty="0">
+                <a:effectLst/>
+                <a:latin typeface="inherit"/>
+              </a:rPr>
+              <a:t>Symmetric</a:t>
+            </a:r>
+            <a:r>
+              <a:rPr lang="ko-KR" altLang="en-US" b="1" dirty="0">
+                <a:effectLst/>
+                <a:latin typeface="inherit"/>
+              </a:rPr>
+              <a:t>은 최솟값과 최댓값을 동일시하게 두고</a:t>
+            </a:r>
+            <a:r>
+              <a:rPr lang="en-US" altLang="ko-KR" b="1" dirty="0">
+                <a:effectLst/>
+                <a:latin typeface="inherit"/>
+              </a:rPr>
+              <a:t>, 0</a:t>
+            </a:r>
+            <a:r>
+              <a:rPr lang="ko-KR" altLang="en-US" b="1" dirty="0">
+                <a:effectLst/>
+                <a:latin typeface="inherit"/>
+              </a:rPr>
+              <a:t>위치가 변하지 않도록 하는 방식입니다</a:t>
+            </a:r>
+            <a:r>
+              <a:rPr lang="en-US" altLang="ko-KR" b="1" dirty="0">
+                <a:effectLst/>
+                <a:latin typeface="inherit"/>
+              </a:rPr>
+              <a:t>.</a:t>
+            </a:r>
+          </a:p>
+          <a:p>
+            <a:endParaRPr lang="en-US" altLang="ko-KR" b="0" i="0" dirty="0">
+              <a:solidFill>
+                <a:srgbClr val="444444"/>
+              </a:solidFill>
+              <a:effectLst/>
+              <a:latin typeface="RIDIBatang"/>
+            </a:endParaRPr>
+          </a:p>
+          <a:p>
+            <a:r>
+              <a:rPr lang="ko-KR" altLang="en-US" b="0" i="0" dirty="0">
+                <a:solidFill>
+                  <a:srgbClr val="444444"/>
+                </a:solidFill>
+                <a:effectLst/>
+                <a:latin typeface="RIDIBatang"/>
+              </a:rPr>
+              <a:t>그리고</a:t>
+            </a:r>
+            <a:r>
+              <a:rPr lang="en-US" altLang="ko-KR" b="0" i="0" dirty="0">
+                <a:solidFill>
+                  <a:srgbClr val="444444"/>
+                </a:solidFill>
+                <a:effectLst/>
+                <a:latin typeface="RIDIBatang"/>
+              </a:rPr>
+              <a:t>, signed 8bit</a:t>
+            </a:r>
+            <a:r>
+              <a:rPr lang="ko-KR" altLang="en-US" b="0" i="0" dirty="0">
+                <a:solidFill>
+                  <a:srgbClr val="444444"/>
+                </a:solidFill>
+                <a:effectLst/>
+                <a:latin typeface="RIDIBatang"/>
+              </a:rPr>
+              <a:t>의 표현 가능한 수의 범위는 </a:t>
+            </a:r>
+            <a:r>
+              <a:rPr lang="en-US" altLang="ko-KR" b="0" i="0" dirty="0">
+                <a:solidFill>
+                  <a:srgbClr val="444444"/>
+                </a:solidFill>
+                <a:effectLst/>
+                <a:latin typeface="RIDIBatang"/>
+              </a:rPr>
+              <a:t>-128 ~ 127</a:t>
+            </a:r>
+            <a:r>
+              <a:rPr lang="ko-KR" altLang="en-US" b="0" i="0" dirty="0">
+                <a:solidFill>
+                  <a:srgbClr val="444444"/>
+                </a:solidFill>
+                <a:effectLst/>
+                <a:latin typeface="RIDIBatang"/>
+              </a:rPr>
+              <a:t>까지 </a:t>
+            </a:r>
+            <a:r>
+              <a:rPr lang="ko-KR" altLang="en-US" b="0" i="0" dirty="0" err="1">
+                <a:solidFill>
+                  <a:srgbClr val="444444"/>
+                </a:solidFill>
+                <a:effectLst/>
+                <a:latin typeface="RIDIBatang"/>
+              </a:rPr>
+              <a:t>표현가능하지만</a:t>
+            </a:r>
+            <a:r>
+              <a:rPr lang="ko-KR" altLang="en-US" b="0" i="0" dirty="0">
+                <a:solidFill>
+                  <a:srgbClr val="444444"/>
+                </a:solidFill>
+                <a:effectLst/>
+                <a:latin typeface="RIDIBatang"/>
+              </a:rPr>
+              <a:t> </a:t>
+            </a:r>
+            <a:r>
+              <a:rPr lang="en-US" altLang="ko-KR" b="0" i="0" dirty="0">
+                <a:solidFill>
+                  <a:srgbClr val="444444"/>
+                </a:solidFill>
+                <a:effectLst/>
+                <a:latin typeface="RIDIBatang"/>
+              </a:rPr>
+              <a:t>Symmetric</a:t>
+            </a:r>
+            <a:r>
+              <a:rPr lang="ko-KR" altLang="en-US" b="0" i="0" dirty="0">
+                <a:solidFill>
+                  <a:srgbClr val="444444"/>
+                </a:solidFill>
+                <a:effectLst/>
+                <a:latin typeface="RIDIBatang"/>
+              </a:rPr>
+              <a:t>에서는 대칭을 </a:t>
+            </a:r>
+            <a:r>
+              <a:rPr lang="ko-KR" altLang="en-US" b="0" i="0" dirty="0" err="1">
+                <a:solidFill>
+                  <a:srgbClr val="444444"/>
+                </a:solidFill>
+                <a:effectLst/>
+                <a:latin typeface="RIDIBatang"/>
+              </a:rPr>
+              <a:t>이뤄야하기</a:t>
+            </a:r>
+            <a:r>
+              <a:rPr lang="ko-KR" altLang="en-US" b="0" i="0" dirty="0">
+                <a:solidFill>
+                  <a:srgbClr val="444444"/>
+                </a:solidFill>
+                <a:effectLst/>
+                <a:latin typeface="RIDIBatang"/>
+              </a:rPr>
+              <a:t> 때문에 </a:t>
+            </a:r>
+            <a:r>
+              <a:rPr lang="en-US" altLang="ko-KR" b="0" i="0" dirty="0">
+                <a:solidFill>
+                  <a:srgbClr val="444444"/>
+                </a:solidFill>
+                <a:effectLst/>
+                <a:latin typeface="RIDIBatang"/>
+              </a:rPr>
+              <a:t>-128</a:t>
+            </a:r>
+            <a:r>
+              <a:rPr lang="ko-KR" altLang="en-US" b="0" i="0" dirty="0">
+                <a:solidFill>
+                  <a:srgbClr val="444444"/>
+                </a:solidFill>
+                <a:effectLst/>
+                <a:latin typeface="RIDIBatang"/>
+              </a:rPr>
+              <a:t>의 값은 사용하지 않는 것이 특징입니다</a:t>
+            </a:r>
+            <a:r>
+              <a:rPr lang="en-US" altLang="ko-KR" b="0" i="0" dirty="0">
+                <a:solidFill>
+                  <a:srgbClr val="444444"/>
+                </a:solidFill>
+                <a:effectLst/>
+                <a:latin typeface="RIDIBatang"/>
+              </a:rPr>
+              <a:t>.</a:t>
+            </a:r>
+          </a:p>
+          <a:p>
+            <a:endParaRPr lang="en-US" altLang="ko-KR" b="0" i="0" dirty="0">
+              <a:solidFill>
+                <a:srgbClr val="444444"/>
+              </a:solidFill>
+              <a:effectLst/>
+              <a:latin typeface="RIDIBatang"/>
+            </a:endParaRPr>
+          </a:p>
+          <a:p>
+            <a:r>
+              <a:rPr lang="ko-KR" altLang="en-US" b="0" i="0" dirty="0">
+                <a:solidFill>
+                  <a:srgbClr val="444444"/>
+                </a:solidFill>
+                <a:effectLst/>
+                <a:latin typeface="RIDIBatang"/>
+              </a:rPr>
+              <a:t>반면</a:t>
+            </a:r>
+            <a:r>
+              <a:rPr lang="en-US" altLang="ko-KR" b="0" i="0" dirty="0">
+                <a:solidFill>
+                  <a:srgbClr val="444444"/>
+                </a:solidFill>
+                <a:effectLst/>
+                <a:latin typeface="RIDIBatang"/>
+              </a:rPr>
+              <a:t>, </a:t>
+            </a:r>
+            <a:r>
+              <a:rPr lang="en-US" altLang="ko-KR" b="0" i="0" dirty="0" err="1">
+                <a:solidFill>
+                  <a:srgbClr val="444444"/>
+                </a:solidFill>
+                <a:effectLst/>
+                <a:latin typeface="RIDIBatang"/>
+              </a:rPr>
+              <a:t>Asymmetirc</a:t>
+            </a:r>
+            <a:r>
+              <a:rPr lang="ko-KR" altLang="en-US" b="0" i="0" dirty="0">
+                <a:solidFill>
+                  <a:srgbClr val="444444"/>
+                </a:solidFill>
+                <a:effectLst/>
+                <a:latin typeface="RIDIBatang"/>
+              </a:rPr>
+              <a:t>에서는 주어진 입력 값의 범위에 따라서 그대로 스케일링을 진행하는 것입니다</a:t>
+            </a:r>
+            <a:r>
+              <a:rPr lang="en-US" altLang="ko-KR" b="0" i="0" dirty="0">
+                <a:solidFill>
+                  <a:srgbClr val="444444"/>
+                </a:solidFill>
+                <a:effectLst/>
+                <a:latin typeface="RIDIBatang"/>
+              </a:rPr>
+              <a:t>.</a:t>
+            </a:r>
+          </a:p>
+          <a:p>
+            <a:endParaRPr lang="en-US" altLang="ko-KR" b="0" i="0" dirty="0">
+              <a:solidFill>
+                <a:srgbClr val="444444"/>
+              </a:solidFill>
+              <a:effectLst/>
+              <a:latin typeface="RIDIBatang"/>
+            </a:endParaRPr>
+          </a:p>
+          <a:p>
+            <a:r>
+              <a:rPr lang="ko-KR" altLang="en-US" dirty="0">
+                <a:effectLst/>
+              </a:rPr>
+              <a:t>한 가지 예를 들어보면</a:t>
+            </a:r>
+            <a:r>
+              <a:rPr lang="en-US" altLang="ko-KR" dirty="0">
+                <a:effectLst/>
+              </a:rPr>
+              <a:t>, </a:t>
+            </a:r>
+            <a:r>
+              <a:rPr lang="ko-KR" altLang="en-US" dirty="0">
+                <a:effectLst/>
+              </a:rPr>
+              <a:t>위 그림에서 </a:t>
+            </a:r>
+            <a:r>
+              <a:rPr lang="en-US" altLang="ko-KR" dirty="0">
+                <a:effectLst/>
+              </a:rPr>
+              <a:t>Symmetric Quantization</a:t>
+            </a:r>
+            <a:r>
+              <a:rPr lang="ko-KR" altLang="en-US" dirty="0">
+                <a:effectLst/>
+              </a:rPr>
+              <a:t>의 경우</a:t>
+            </a:r>
+            <a:r>
+              <a:rPr lang="en-US" altLang="ko-KR" dirty="0">
+                <a:effectLst/>
+              </a:rPr>
+              <a:t>, -1</a:t>
+            </a:r>
+            <a:r>
+              <a:rPr lang="ko-KR" altLang="en-US" dirty="0">
+                <a:effectLst/>
+              </a:rPr>
+              <a:t>과 </a:t>
+            </a:r>
+            <a:r>
+              <a:rPr lang="en-US" altLang="ko-KR" dirty="0">
+                <a:effectLst/>
+              </a:rPr>
+              <a:t>1</a:t>
+            </a:r>
+            <a:r>
+              <a:rPr lang="ko-KR" altLang="en-US" dirty="0">
+                <a:effectLst/>
+              </a:rPr>
+              <a:t>사이의 값을 가지는 경우를 양자화 한 것인데</a:t>
+            </a:r>
+            <a:r>
+              <a:rPr lang="en-US" altLang="ko-KR" dirty="0">
+                <a:effectLst/>
+              </a:rPr>
+              <a:t>,</a:t>
+            </a:r>
+          </a:p>
+          <a:p>
+            <a:endParaRPr lang="en-US" altLang="ko-KR" dirty="0">
+              <a:effectLst/>
+            </a:endParaRPr>
+          </a:p>
+          <a:p>
+            <a:r>
+              <a:rPr lang="ko-KR" altLang="en-US" dirty="0">
+                <a:effectLst/>
+              </a:rPr>
+              <a:t>만약 </a:t>
+            </a:r>
+            <a:r>
+              <a:rPr lang="en-US" altLang="ko-KR" dirty="0">
+                <a:effectLst/>
+              </a:rPr>
+              <a:t>0.1</a:t>
+            </a:r>
+            <a:r>
+              <a:rPr lang="ko-KR" altLang="en-US" dirty="0">
+                <a:effectLst/>
+              </a:rPr>
+              <a:t>의</a:t>
+            </a:r>
+            <a:r>
+              <a:rPr lang="en-US" altLang="ko-KR" dirty="0">
+                <a:effectLst/>
+              </a:rPr>
+              <a:t> </a:t>
+            </a:r>
+            <a:r>
+              <a:rPr lang="ko-KR" altLang="en-US" dirty="0">
+                <a:effectLst/>
+              </a:rPr>
+              <a:t>실수형 </a:t>
+            </a:r>
+            <a:r>
+              <a:rPr lang="en-US" altLang="ko-KR" dirty="0">
+                <a:effectLst/>
+              </a:rPr>
+              <a:t>weight</a:t>
+            </a:r>
+            <a:r>
+              <a:rPr lang="ko-KR" altLang="en-US" dirty="0">
+                <a:effectLst/>
+              </a:rPr>
+              <a:t>의 경우</a:t>
+            </a:r>
+            <a:r>
+              <a:rPr lang="en-US" altLang="ko-KR" dirty="0">
+                <a:effectLst/>
+              </a:rPr>
+              <a:t>, </a:t>
+            </a:r>
+            <a:r>
+              <a:rPr lang="ko-KR" altLang="en-US" dirty="0">
+                <a:effectLst/>
+              </a:rPr>
+              <a:t>정수형</a:t>
+            </a:r>
+            <a:r>
+              <a:rPr lang="en-US" altLang="ko-KR" dirty="0">
+                <a:effectLst/>
+              </a:rPr>
+              <a:t> 13</a:t>
+            </a:r>
+            <a:r>
+              <a:rPr lang="ko-KR" altLang="en-US" dirty="0">
+                <a:effectLst/>
+              </a:rPr>
+              <a:t>에 그 값에 대응되어 저장되게 됩니다</a:t>
+            </a:r>
+            <a:r>
+              <a:rPr lang="en-US" altLang="ko-KR" dirty="0">
+                <a:effectLst/>
+              </a:rPr>
+              <a:t>.</a:t>
+            </a:r>
           </a:p>
         </p:txBody>
       </p:sp>
@@ -4649,7 +7670,7 @@
           <a:p>
             <a:fld id="{C81CA5E1-3778-4D98-8640-7878AE112758}" type="datetimeFigureOut">
               <a:rPr lang="ko-KR" altLang="en-US" smtClean="0"/>
-              <a:t>2022-07-15</a:t>
+              <a:t>2022-07-20</a:t>
             </a:fld>
             <a:endParaRPr lang="ko-KR" altLang="en-US"/>
           </a:p>
@@ -4847,7 +7868,7 @@
           <a:p>
             <a:fld id="{C81CA5E1-3778-4D98-8640-7878AE112758}" type="datetimeFigureOut">
               <a:rPr lang="ko-KR" altLang="en-US" smtClean="0"/>
-              <a:t>2022-07-15</a:t>
+              <a:t>2022-07-20</a:t>
             </a:fld>
             <a:endParaRPr lang="ko-KR" altLang="en-US"/>
           </a:p>
@@ -5055,7 +8076,7 @@
           <a:p>
             <a:fld id="{C81CA5E1-3778-4D98-8640-7878AE112758}" type="datetimeFigureOut">
               <a:rPr lang="ko-KR" altLang="en-US" smtClean="0"/>
-              <a:t>2022-07-15</a:t>
+              <a:t>2022-07-20</a:t>
             </a:fld>
             <a:endParaRPr lang="ko-KR" altLang="en-US"/>
           </a:p>
@@ -5253,7 +8274,7 @@
           <a:p>
             <a:fld id="{C81CA5E1-3778-4D98-8640-7878AE112758}" type="datetimeFigureOut">
               <a:rPr lang="ko-KR" altLang="en-US" smtClean="0"/>
-              <a:t>2022-07-15</a:t>
+              <a:t>2022-07-20</a:t>
             </a:fld>
             <a:endParaRPr lang="ko-KR" altLang="en-US"/>
           </a:p>
@@ -5528,7 +8549,7 @@
           <a:p>
             <a:fld id="{C81CA5E1-3778-4D98-8640-7878AE112758}" type="datetimeFigureOut">
               <a:rPr lang="ko-KR" altLang="en-US" smtClean="0"/>
-              <a:t>2022-07-15</a:t>
+              <a:t>2022-07-20</a:t>
             </a:fld>
             <a:endParaRPr lang="ko-KR" altLang="en-US"/>
           </a:p>
@@ -5793,7 +8814,7 @@
           <a:p>
             <a:fld id="{C81CA5E1-3778-4D98-8640-7878AE112758}" type="datetimeFigureOut">
               <a:rPr lang="ko-KR" altLang="en-US" smtClean="0"/>
-              <a:t>2022-07-15</a:t>
+              <a:t>2022-07-20</a:t>
             </a:fld>
             <a:endParaRPr lang="ko-KR" altLang="en-US"/>
           </a:p>
@@ -6205,7 +9226,7 @@
           <a:p>
             <a:fld id="{C81CA5E1-3778-4D98-8640-7878AE112758}" type="datetimeFigureOut">
               <a:rPr lang="ko-KR" altLang="en-US" smtClean="0"/>
-              <a:t>2022-07-15</a:t>
+              <a:t>2022-07-20</a:t>
             </a:fld>
             <a:endParaRPr lang="ko-KR" altLang="en-US"/>
           </a:p>
@@ -6346,7 +9367,7 @@
           <a:p>
             <a:fld id="{C81CA5E1-3778-4D98-8640-7878AE112758}" type="datetimeFigureOut">
               <a:rPr lang="ko-KR" altLang="en-US" smtClean="0"/>
-              <a:t>2022-07-15</a:t>
+              <a:t>2022-07-20</a:t>
             </a:fld>
             <a:endParaRPr lang="ko-KR" altLang="en-US"/>
           </a:p>
@@ -6459,7 +9480,7 @@
           <a:p>
             <a:fld id="{C81CA5E1-3778-4D98-8640-7878AE112758}" type="datetimeFigureOut">
               <a:rPr lang="ko-KR" altLang="en-US" smtClean="0"/>
-              <a:t>2022-07-15</a:t>
+              <a:t>2022-07-20</a:t>
             </a:fld>
             <a:endParaRPr lang="ko-KR" altLang="en-US"/>
           </a:p>
@@ -6770,7 +9791,7 @@
           <a:p>
             <a:fld id="{C81CA5E1-3778-4D98-8640-7878AE112758}" type="datetimeFigureOut">
               <a:rPr lang="ko-KR" altLang="en-US" smtClean="0"/>
-              <a:t>2022-07-15</a:t>
+              <a:t>2022-07-20</a:t>
             </a:fld>
             <a:endParaRPr lang="ko-KR" altLang="en-US"/>
           </a:p>
@@ -7058,7 +10079,7 @@
           <a:p>
             <a:fld id="{C81CA5E1-3778-4D98-8640-7878AE112758}" type="datetimeFigureOut">
               <a:rPr lang="ko-KR" altLang="en-US" smtClean="0"/>
-              <a:t>2022-07-15</a:t>
+              <a:t>2022-07-20</a:t>
             </a:fld>
             <a:endParaRPr lang="ko-KR" altLang="en-US"/>
           </a:p>
@@ -7299,7 +10320,7 @@
           <a:p>
             <a:fld id="{C81CA5E1-3778-4D98-8640-7878AE112758}" type="datetimeFigureOut">
               <a:rPr lang="ko-KR" altLang="en-US" smtClean="0"/>
-              <a:t>2022-07-15</a:t>
+              <a:t>2022-07-20</a:t>
             </a:fld>
             <a:endParaRPr lang="ko-KR" altLang="en-US"/>
           </a:p>
@@ -8666,6 +11687,271 @@
           </a:p>
         </p:txBody>
       </p:sp>
+      <p:sp>
+        <p:nvSpPr>
+          <p:cNvPr id="7" name="TextBox 6">
+            <a:extLst>
+              <a:ext uri="{FF2B5EF4-FFF2-40B4-BE49-F238E27FC236}">
+                <a16:creationId xmlns:a16="http://schemas.microsoft.com/office/drawing/2014/main" id="{A4145FAA-92A8-4264-7FA9-8DA34AF54193}"/>
+              </a:ext>
+            </a:extLst>
+          </p:cNvPr>
+          <p:cNvSpPr txBox="1"/>
+          <p:nvPr/>
+        </p:nvSpPr>
+        <p:spPr>
+          <a:xfrm>
+            <a:off x="-1" y="1063457"/>
+            <a:ext cx="12191999" cy="369332"/>
+          </a:xfrm>
+          <a:prstGeom prst="rect">
+            <a:avLst/>
+          </a:prstGeom>
+          <a:noFill/>
+        </p:spPr>
+        <p:txBody>
+          <a:bodyPr wrap="square" rtlCol="0">
+            <a:spAutoFit/>
+          </a:bodyPr>
+          <a:lstStyle/>
+          <a:p>
+            <a:pPr algn="ctr"/>
+            <a:r>
+              <a:rPr lang="en-US" altLang="ko-KR" b="1" dirty="0">
+                <a:solidFill>
+                  <a:srgbClr val="144E25"/>
+                </a:solidFill>
+                <a:latin typeface="Arial" panose="020B0604020202020204" pitchFamily="34" charset="0"/>
+                <a:cs typeface="Arial" panose="020B0604020202020204" pitchFamily="34" charset="0"/>
+              </a:rPr>
+              <a:t>Quantization</a:t>
+            </a:r>
+            <a:r>
+              <a:rPr lang="ko-KR" altLang="en-US" b="1" dirty="0">
+                <a:solidFill>
+                  <a:srgbClr val="144E25"/>
+                </a:solidFill>
+                <a:latin typeface="Arial" panose="020B0604020202020204" pitchFamily="34" charset="0"/>
+                <a:cs typeface="Arial" panose="020B0604020202020204" pitchFamily="34" charset="0"/>
+              </a:rPr>
+              <a:t> </a:t>
+            </a:r>
+            <a:r>
+              <a:rPr lang="en-US" altLang="ko-KR" b="1" dirty="0">
+                <a:solidFill>
+                  <a:srgbClr val="144E25"/>
+                </a:solidFill>
+                <a:latin typeface="Arial" panose="020B0604020202020204" pitchFamily="34" charset="0"/>
+                <a:cs typeface="Arial" panose="020B0604020202020204" pitchFamily="34" charset="0"/>
+              </a:rPr>
+              <a:t>Techniques[3] – </a:t>
+            </a:r>
+            <a:r>
+              <a:rPr lang="en-US" altLang="ko-KR" b="1" dirty="0" err="1">
+                <a:solidFill>
+                  <a:srgbClr val="144E25"/>
+                </a:solidFill>
+                <a:latin typeface="Arial" panose="020B0604020202020204" pitchFamily="34" charset="0"/>
+                <a:cs typeface="Arial" panose="020B0604020202020204" pitchFamily="34" charset="0"/>
+              </a:rPr>
+              <a:t>DeQuantization</a:t>
+            </a:r>
+            <a:endParaRPr lang="ko-KR" altLang="en-US" b="1" dirty="0">
+              <a:solidFill>
+                <a:srgbClr val="144E25"/>
+              </a:solidFill>
+              <a:latin typeface="Arial" panose="020B0604020202020204" pitchFamily="34" charset="0"/>
+              <a:cs typeface="Arial" panose="020B0604020202020204" pitchFamily="34" charset="0"/>
+            </a:endParaRPr>
+          </a:p>
+        </p:txBody>
+      </p:sp>
+      <p:grpSp>
+        <p:nvGrpSpPr>
+          <p:cNvPr id="8" name="그룹 7">
+            <a:extLst>
+              <a:ext uri="{FF2B5EF4-FFF2-40B4-BE49-F238E27FC236}">
+                <a16:creationId xmlns:a16="http://schemas.microsoft.com/office/drawing/2014/main" id="{06ADEC8E-8C43-4043-6027-CB5F9D68DE17}"/>
+              </a:ext>
+            </a:extLst>
+          </p:cNvPr>
+          <p:cNvGrpSpPr/>
+          <p:nvPr/>
+        </p:nvGrpSpPr>
+        <p:grpSpPr>
+          <a:xfrm>
+            <a:off x="1252569" y="2076397"/>
+            <a:ext cx="9686862" cy="3070370"/>
+            <a:chOff x="1666938" y="2122116"/>
+            <a:chExt cx="8859547" cy="2613766"/>
+          </a:xfrm>
+        </p:grpSpPr>
+        <p:pic>
+          <p:nvPicPr>
+            <p:cNvPr id="9" name="그림 8">
+              <a:extLst>
+                <a:ext uri="{FF2B5EF4-FFF2-40B4-BE49-F238E27FC236}">
+                  <a16:creationId xmlns:a16="http://schemas.microsoft.com/office/drawing/2014/main" id="{7B1C7F57-AEF5-1D2A-0C5B-FF6E3ECAEF30}"/>
+                </a:ext>
+              </a:extLst>
+            </p:cNvPr>
+            <p:cNvPicPr>
+              <a:picLocks noChangeAspect="1"/>
+            </p:cNvPicPr>
+            <p:nvPr/>
+          </p:nvPicPr>
+          <p:blipFill rotWithShape="1">
+            <a:blip r:embed="rId4"/>
+            <a:srcRect r="56551"/>
+            <a:stretch/>
+          </p:blipFill>
+          <p:spPr>
+            <a:xfrm>
+              <a:off x="1666938" y="2122117"/>
+              <a:ext cx="3754147" cy="2613765"/>
+            </a:xfrm>
+            <a:prstGeom prst="rect">
+              <a:avLst/>
+            </a:prstGeom>
+          </p:spPr>
+        </p:pic>
+        <p:grpSp>
+          <p:nvGrpSpPr>
+            <p:cNvPr id="10" name="그룹 9">
+              <a:extLst>
+                <a:ext uri="{FF2B5EF4-FFF2-40B4-BE49-F238E27FC236}">
+                  <a16:creationId xmlns:a16="http://schemas.microsoft.com/office/drawing/2014/main" id="{FFC1DAC2-59F7-E809-3144-36A298F0D4D0}"/>
+                </a:ext>
+              </a:extLst>
+            </p:cNvPr>
+            <p:cNvGrpSpPr/>
+            <p:nvPr/>
+          </p:nvGrpSpPr>
+          <p:grpSpPr>
+            <a:xfrm>
+              <a:off x="5461819" y="3417896"/>
+              <a:ext cx="1407067" cy="248906"/>
+              <a:chOff x="5494476" y="5122607"/>
+              <a:chExt cx="1407067" cy="248906"/>
+            </a:xfrm>
+          </p:grpSpPr>
+          <p:cxnSp>
+            <p:nvCxnSpPr>
+              <p:cNvPr id="12" name="직선 화살표 연결선 11">
+                <a:extLst>
+                  <a:ext uri="{FF2B5EF4-FFF2-40B4-BE49-F238E27FC236}">
+                    <a16:creationId xmlns:a16="http://schemas.microsoft.com/office/drawing/2014/main" id="{0F38E4AC-8F2F-6439-8488-BB0498916ABA}"/>
+                  </a:ext>
+                </a:extLst>
+              </p:cNvPr>
+              <p:cNvCxnSpPr>
+                <a:cxnSpLocks/>
+              </p:cNvCxnSpPr>
+              <p:nvPr/>
+            </p:nvCxnSpPr>
+            <p:spPr>
+              <a:xfrm flipH="1">
+                <a:off x="5494476" y="5371513"/>
+                <a:ext cx="1269786" cy="0"/>
+              </a:xfrm>
+              <a:prstGeom prst="straightConnector1">
+                <a:avLst/>
+              </a:prstGeom>
+              <a:ln w="28575">
+                <a:solidFill>
+                  <a:srgbClr val="144E25"/>
+                </a:solidFill>
+                <a:tailEnd type="triangle"/>
+              </a:ln>
+            </p:spPr>
+            <p:style>
+              <a:lnRef idx="1">
+                <a:schemeClr val="accent1"/>
+              </a:lnRef>
+              <a:fillRef idx="0">
+                <a:schemeClr val="accent1"/>
+              </a:fillRef>
+              <a:effectRef idx="0">
+                <a:schemeClr val="accent1"/>
+              </a:effectRef>
+              <a:fontRef idx="minor">
+                <a:schemeClr val="tx1"/>
+              </a:fontRef>
+            </p:style>
+          </p:cxnSp>
+          <p:sp>
+            <p:nvSpPr>
+              <p:cNvPr id="13" name="TextBox 12">
+                <a:extLst>
+                  <a:ext uri="{FF2B5EF4-FFF2-40B4-BE49-F238E27FC236}">
+                    <a16:creationId xmlns:a16="http://schemas.microsoft.com/office/drawing/2014/main" id="{7663D79C-A369-EB94-ADD5-C5AF61106BDC}"/>
+                  </a:ext>
+                </a:extLst>
+              </p:cNvPr>
+              <p:cNvSpPr txBox="1"/>
+              <p:nvPr/>
+            </p:nvSpPr>
+            <p:spPr>
+              <a:xfrm>
+                <a:off x="5529943" y="5122607"/>
+                <a:ext cx="1371600" cy="248906"/>
+              </a:xfrm>
+              <a:prstGeom prst="rect">
+                <a:avLst/>
+              </a:prstGeom>
+              <a:noFill/>
+            </p:spPr>
+            <p:txBody>
+              <a:bodyPr wrap="square" rtlCol="0">
+                <a:spAutoFit/>
+              </a:bodyPr>
+              <a:lstStyle/>
+              <a:p>
+                <a:r>
+                  <a:rPr lang="en-US" altLang="ko-KR" sz="1300" b="1" dirty="0">
+                    <a:latin typeface="Arial" panose="020B0604020202020204" pitchFamily="34" charset="0"/>
+                    <a:cs typeface="Arial" panose="020B0604020202020204" pitchFamily="34" charset="0"/>
+                  </a:rPr>
+                  <a:t>De-quantization</a:t>
+                </a:r>
+                <a:endParaRPr lang="ko-KR" altLang="en-US" sz="1300" b="1" dirty="0">
+                  <a:latin typeface="Arial" panose="020B0604020202020204" pitchFamily="34" charset="0"/>
+                  <a:cs typeface="Arial" panose="020B0604020202020204" pitchFamily="34" charset="0"/>
+                </a:endParaRPr>
+              </a:p>
+            </p:txBody>
+          </p:sp>
+        </p:grpSp>
+        <p:pic>
+          <p:nvPicPr>
+            <p:cNvPr id="11" name="그림 10">
+              <a:extLst>
+                <a:ext uri="{FF2B5EF4-FFF2-40B4-BE49-F238E27FC236}">
+                  <a16:creationId xmlns:a16="http://schemas.microsoft.com/office/drawing/2014/main" id="{1F7EBC8D-D169-E797-0C24-D6C8314D4E49}"/>
+                </a:ext>
+              </a:extLst>
+            </p:cNvPr>
+            <p:cNvPicPr>
+              <a:picLocks noChangeAspect="1"/>
+            </p:cNvPicPr>
+            <p:nvPr/>
+          </p:nvPicPr>
+          <p:blipFill rotWithShape="1">
+            <a:blip r:embed="rId4"/>
+            <a:srcRect l="57808" r="-140"/>
+            <a:stretch/>
+          </p:blipFill>
+          <p:spPr>
+            <a:xfrm>
+              <a:off x="6868885" y="2122116"/>
+              <a:ext cx="3657600" cy="2613765"/>
+            </a:xfrm>
+            <a:prstGeom prst="rect">
+              <a:avLst/>
+            </a:prstGeom>
+          </p:spPr>
+        </p:pic>
+      </p:grpSp>
     </p:spTree>
     <p:extLst>
       <p:ext uri="{BB962C8B-B14F-4D97-AF65-F5344CB8AC3E}">
@@ -8982,7 +12268,39 @@
                   <a:schemeClr val="bg1"/>
                 </a:solidFill>
               </a:rPr>
-              <a:t>Introduction</a:t>
+              <a:t>Dynamic and</a:t>
+            </a:r>
+            <a:r>
+              <a:rPr lang="ko-KR" altLang="en-US" sz="2400" b="1" dirty="0">
+                <a:solidFill>
+                  <a:schemeClr val="bg1"/>
+                </a:solidFill>
+              </a:rPr>
+              <a:t> </a:t>
+            </a:r>
+            <a:r>
+              <a:rPr lang="en-US" altLang="ko-KR" sz="2400" b="1" dirty="0">
+                <a:solidFill>
+                  <a:schemeClr val="bg1"/>
+                </a:solidFill>
+              </a:rPr>
+              <a:t>Static</a:t>
+            </a:r>
+            <a:r>
+              <a:rPr lang="ko-KR" altLang="en-US" sz="2400" b="1" dirty="0">
+                <a:solidFill>
+                  <a:schemeClr val="bg1"/>
+                </a:solidFill>
+              </a:rPr>
+              <a:t> </a:t>
+            </a:r>
+            <a:r>
+              <a:rPr lang="en-US" altLang="ko-KR" sz="2400" b="1" dirty="0">
+                <a:solidFill>
+                  <a:schemeClr val="bg1"/>
+                </a:solidFill>
+              </a:rPr>
+              <a:t>Quantization</a:t>
             </a:r>
             <a:endParaRPr lang="ko-KR" altLang="en-US" sz="2400" b="1" dirty="0">
               <a:solidFill>
@@ -8992,10 +12310,296 @@
           </a:p>
         </p:txBody>
       </p:sp>
+      <p:sp>
+        <p:nvSpPr>
+          <p:cNvPr id="7" name="TextBox 6">
+            <a:extLst>
+              <a:ext uri="{FF2B5EF4-FFF2-40B4-BE49-F238E27FC236}">
+                <a16:creationId xmlns:a16="http://schemas.microsoft.com/office/drawing/2014/main" id="{DF5FD076-721D-21B5-2024-A55CB6015D53}"/>
+              </a:ext>
+            </a:extLst>
+          </p:cNvPr>
+          <p:cNvSpPr txBox="1"/>
+          <p:nvPr/>
+        </p:nvSpPr>
+        <p:spPr>
+          <a:xfrm>
+            <a:off x="-1" y="1063457"/>
+            <a:ext cx="6096001" cy="369332"/>
+          </a:xfrm>
+          <a:prstGeom prst="rect">
+            <a:avLst/>
+          </a:prstGeom>
+          <a:noFill/>
+        </p:spPr>
+        <p:txBody>
+          <a:bodyPr wrap="square" rtlCol="0">
+            <a:spAutoFit/>
+          </a:bodyPr>
+          <a:lstStyle/>
+          <a:p>
+            <a:pPr algn="ctr"/>
+            <a:r>
+              <a:rPr lang="en-US" altLang="ko-KR" b="1" dirty="0">
+                <a:solidFill>
+                  <a:srgbClr val="144E25"/>
+                </a:solidFill>
+                <a:latin typeface="Arial" panose="020B0604020202020204" pitchFamily="34" charset="0"/>
+                <a:cs typeface="Arial" panose="020B0604020202020204" pitchFamily="34" charset="0"/>
+              </a:rPr>
+              <a:t>Dynamic Quantization</a:t>
+            </a:r>
+            <a:endParaRPr lang="ko-KR" altLang="en-US" b="1" dirty="0">
+              <a:solidFill>
+                <a:srgbClr val="144E25"/>
+              </a:solidFill>
+              <a:latin typeface="Arial" panose="020B0604020202020204" pitchFamily="34" charset="0"/>
+              <a:cs typeface="Arial" panose="020B0604020202020204" pitchFamily="34" charset="0"/>
+            </a:endParaRPr>
+          </a:p>
+        </p:txBody>
+      </p:sp>
+      <p:sp>
+        <p:nvSpPr>
+          <p:cNvPr id="8" name="TextBox 7">
+            <a:extLst>
+              <a:ext uri="{FF2B5EF4-FFF2-40B4-BE49-F238E27FC236}">
+                <a16:creationId xmlns:a16="http://schemas.microsoft.com/office/drawing/2014/main" id="{A99A335C-7E43-B6F2-0DB8-4A8A58EA22D2}"/>
+              </a:ext>
+            </a:extLst>
+          </p:cNvPr>
+          <p:cNvSpPr txBox="1"/>
+          <p:nvPr/>
+        </p:nvSpPr>
+        <p:spPr>
+          <a:xfrm>
+            <a:off x="6095999" y="1063457"/>
+            <a:ext cx="6096001" cy="584775"/>
+          </a:xfrm>
+          <a:prstGeom prst="rect">
+            <a:avLst/>
+          </a:prstGeom>
+          <a:noFill/>
+        </p:spPr>
+        <p:txBody>
+          <a:bodyPr wrap="square" rtlCol="0">
+            <a:spAutoFit/>
+          </a:bodyPr>
+          <a:lstStyle/>
+          <a:p>
+            <a:pPr algn="ctr"/>
+            <a:r>
+              <a:rPr lang="en-US" altLang="ko-KR" b="1" dirty="0">
+                <a:solidFill>
+                  <a:srgbClr val="144E25"/>
+                </a:solidFill>
+                <a:latin typeface="Arial" panose="020B0604020202020204" pitchFamily="34" charset="0"/>
+                <a:cs typeface="Arial" panose="020B0604020202020204" pitchFamily="34" charset="0"/>
+              </a:rPr>
+              <a:t>Static Quantization</a:t>
+            </a:r>
+          </a:p>
+          <a:p>
+            <a:pPr algn="ctr"/>
+            <a:r>
+              <a:rPr lang="en-US" altLang="ko-KR" sz="1400" b="1" dirty="0">
+                <a:solidFill>
+                  <a:srgbClr val="144E25"/>
+                </a:solidFill>
+                <a:latin typeface="Arial" panose="020B0604020202020204" pitchFamily="34" charset="0"/>
+                <a:cs typeface="Arial" panose="020B0604020202020204" pitchFamily="34" charset="0"/>
+              </a:rPr>
+              <a:t>(Post Training Quantization, PTQ)</a:t>
+            </a:r>
+            <a:endParaRPr lang="ko-KR" altLang="en-US" sz="1400" b="1" dirty="0">
+              <a:solidFill>
+                <a:srgbClr val="144E25"/>
+              </a:solidFill>
+              <a:latin typeface="Arial" panose="020B0604020202020204" pitchFamily="34" charset="0"/>
+              <a:cs typeface="Arial" panose="020B0604020202020204" pitchFamily="34" charset="0"/>
+            </a:endParaRPr>
+          </a:p>
+        </p:txBody>
+      </p:sp>
+      <p:cxnSp>
+        <p:nvCxnSpPr>
+          <p:cNvPr id="3" name="직선 연결선 2">
+            <a:extLst>
+              <a:ext uri="{FF2B5EF4-FFF2-40B4-BE49-F238E27FC236}">
+                <a16:creationId xmlns:a16="http://schemas.microsoft.com/office/drawing/2014/main" id="{3AD1A18B-6ED0-67FF-9CC9-E1A2110FC750}"/>
+              </a:ext>
+            </a:extLst>
+          </p:cNvPr>
+          <p:cNvCxnSpPr>
+            <a:cxnSpLocks/>
+          </p:cNvCxnSpPr>
+          <p:nvPr/>
+        </p:nvCxnSpPr>
+        <p:spPr>
+          <a:xfrm>
+            <a:off x="6095999" y="772886"/>
+            <a:ext cx="0" cy="1676400"/>
+          </a:xfrm>
+          <a:prstGeom prst="line">
+            <a:avLst/>
+          </a:prstGeom>
+          <a:ln w="12700">
+            <a:solidFill>
+              <a:srgbClr val="144E25"/>
+            </a:solidFill>
+          </a:ln>
+        </p:spPr>
+        <p:style>
+          <a:lnRef idx="1">
+            <a:schemeClr val="accent1"/>
+          </a:lnRef>
+          <a:fillRef idx="0">
+            <a:schemeClr val="accent1"/>
+          </a:fillRef>
+          <a:effectRef idx="0">
+            <a:schemeClr val="accent1"/>
+          </a:effectRef>
+          <a:fontRef idx="minor">
+            <a:schemeClr val="tx1"/>
+          </a:fontRef>
+        </p:style>
+      </p:cxnSp>
+      <p:sp>
+        <p:nvSpPr>
+          <p:cNvPr id="11" name="TextBox 10">
+            <a:extLst>
+              <a:ext uri="{FF2B5EF4-FFF2-40B4-BE49-F238E27FC236}">
+                <a16:creationId xmlns:a16="http://schemas.microsoft.com/office/drawing/2014/main" id="{E0ECBA9F-4F9F-F3DF-4DE0-C490143973D2}"/>
+              </a:ext>
+            </a:extLst>
+          </p:cNvPr>
+          <p:cNvSpPr txBox="1"/>
+          <p:nvPr/>
+        </p:nvSpPr>
+        <p:spPr>
+          <a:xfrm>
+            <a:off x="-1" y="2080226"/>
+            <a:ext cx="6095995" cy="307777"/>
+          </a:xfrm>
+          <a:prstGeom prst="rect">
+            <a:avLst/>
+          </a:prstGeom>
+          <a:noFill/>
+        </p:spPr>
+        <p:txBody>
+          <a:bodyPr wrap="square">
+            <a:spAutoFit/>
+          </a:bodyPr>
+          <a:lstStyle/>
+          <a:p>
+            <a:pPr algn="ctr"/>
+            <a:r>
+              <a:rPr lang="en-US" altLang="ko-KR" sz="1400" b="1" dirty="0">
+                <a:latin typeface="Arial" panose="020B0604020202020204" pitchFamily="34" charset="0"/>
+                <a:cs typeface="Arial" panose="020B0604020202020204" pitchFamily="34" charset="0"/>
+              </a:rPr>
+              <a:t>Dynamic </a:t>
+            </a:r>
+            <a:r>
+              <a:rPr lang="en-US" altLang="ko-KR" sz="1400" b="1" dirty="0">
+                <a:effectLst/>
+                <a:latin typeface="Arial" panose="020B0604020202020204" pitchFamily="34" charset="0"/>
+                <a:cs typeface="Arial" panose="020B0604020202020204" pitchFamily="34" charset="0"/>
+              </a:rPr>
+              <a:t>Clipping Range </a:t>
+            </a:r>
+            <a:endParaRPr lang="ko-KR" altLang="en-US" sz="1400" dirty="0">
+              <a:latin typeface="Arial" panose="020B0604020202020204" pitchFamily="34" charset="0"/>
+              <a:cs typeface="Arial" panose="020B0604020202020204" pitchFamily="34" charset="0"/>
+            </a:endParaRPr>
+          </a:p>
+        </p:txBody>
+      </p:sp>
+      <p:sp>
+        <p:nvSpPr>
+          <p:cNvPr id="12" name="TextBox 11">
+            <a:extLst>
+              <a:ext uri="{FF2B5EF4-FFF2-40B4-BE49-F238E27FC236}">
+                <a16:creationId xmlns:a16="http://schemas.microsoft.com/office/drawing/2014/main" id="{5D735677-1EC1-AC89-3444-0FDBDB9DCAB6}"/>
+              </a:ext>
+            </a:extLst>
+          </p:cNvPr>
+          <p:cNvSpPr txBox="1"/>
+          <p:nvPr/>
+        </p:nvSpPr>
+        <p:spPr>
+          <a:xfrm>
+            <a:off x="6096005" y="2080226"/>
+            <a:ext cx="6095995" cy="307777"/>
+          </a:xfrm>
+          <a:prstGeom prst="rect">
+            <a:avLst/>
+          </a:prstGeom>
+          <a:noFill/>
+        </p:spPr>
+        <p:txBody>
+          <a:bodyPr wrap="square">
+            <a:spAutoFit/>
+          </a:bodyPr>
+          <a:lstStyle/>
+          <a:p>
+            <a:pPr algn="ctr"/>
+            <a:r>
+              <a:rPr lang="en-US" altLang="ko-KR" sz="1400" b="1" dirty="0">
+                <a:latin typeface="Arial" panose="020B0604020202020204" pitchFamily="34" charset="0"/>
+                <a:cs typeface="Arial" panose="020B0604020202020204" pitchFamily="34" charset="0"/>
+              </a:rPr>
+              <a:t>Static </a:t>
+            </a:r>
+            <a:r>
+              <a:rPr lang="en-US" altLang="ko-KR" sz="1400" b="1" dirty="0">
+                <a:effectLst/>
+                <a:latin typeface="Arial" panose="020B0604020202020204" pitchFamily="34" charset="0"/>
+                <a:cs typeface="Arial" panose="020B0604020202020204" pitchFamily="34" charset="0"/>
+              </a:rPr>
+              <a:t>Clipping Range </a:t>
+            </a:r>
+            <a:endParaRPr lang="ko-KR" altLang="en-US" sz="1400" dirty="0">
+              <a:latin typeface="Arial" panose="020B0604020202020204" pitchFamily="34" charset="0"/>
+              <a:cs typeface="Arial" panose="020B0604020202020204" pitchFamily="34" charset="0"/>
+            </a:endParaRPr>
+          </a:p>
+        </p:txBody>
+      </p:sp>
+      <p:pic>
+        <p:nvPicPr>
+          <p:cNvPr id="28" name="그림 27">
+            <a:extLst>
+              <a:ext uri="{FF2B5EF4-FFF2-40B4-BE49-F238E27FC236}">
+                <a16:creationId xmlns:a16="http://schemas.microsoft.com/office/drawing/2014/main" id="{2B715CBC-C757-347F-1BFF-7921403CE1ED}"/>
+              </a:ext>
+            </a:extLst>
+          </p:cNvPr>
+          <p:cNvPicPr>
+            <a:picLocks noChangeAspect="1"/>
+          </p:cNvPicPr>
+          <p:nvPr/>
+        </p:nvPicPr>
+        <p:blipFill>
+          <a:blip r:embed="rId4"/>
+          <a:stretch>
+            <a:fillRect/>
+          </a:stretch>
+        </p:blipFill>
+        <p:spPr>
+          <a:xfrm>
+            <a:off x="1104900" y="2937043"/>
+            <a:ext cx="9972675" cy="2857500"/>
+          </a:xfrm>
+          <a:prstGeom prst="rect">
+            <a:avLst/>
+          </a:prstGeom>
+        </p:spPr>
+      </p:pic>
     </p:spTree>
     <p:extLst>
       <p:ext uri="{BB962C8B-B14F-4D97-AF65-F5344CB8AC3E}">
-        <p14:creationId xmlns:p14="http://schemas.microsoft.com/office/powerpoint/2010/main" val="3307728851"/>
+        <p14:creationId xmlns:p14="http://schemas.microsoft.com/office/powerpoint/2010/main" val="2066226934"/>
       </p:ext>
     </p:extLst>
   </p:cSld>
@@ -9308,7 +12912,7 @@
                   <a:schemeClr val="bg1"/>
                 </a:solidFill>
               </a:rPr>
-              <a:t>Introduction</a:t>
+              <a:t>Quantization Aware Training</a:t>
             </a:r>
             <a:endParaRPr lang="ko-KR" altLang="en-US" sz="2400" b="1" dirty="0">
               <a:solidFill>
@@ -9318,10 +12922,40 @@
           </a:p>
         </p:txBody>
       </p:sp>
+      <p:pic>
+        <p:nvPicPr>
+          <p:cNvPr id="3" name="그림 2">
+            <a:extLst>
+              <a:ext uri="{FF2B5EF4-FFF2-40B4-BE49-F238E27FC236}">
+                <a16:creationId xmlns:a16="http://schemas.microsoft.com/office/drawing/2014/main" id="{243CFAF2-4A63-E1A7-3951-C63F7C44592D}"/>
+              </a:ext>
+            </a:extLst>
+          </p:cNvPr>
+          <p:cNvPicPr>
+            <a:picLocks noChangeAspect="1"/>
+          </p:cNvPicPr>
+          <p:nvPr/>
+        </p:nvPicPr>
+        <p:blipFill>
+          <a:blip r:embed="rId4"/>
+          <a:stretch>
+            <a:fillRect/>
+          </a:stretch>
+        </p:blipFill>
+        <p:spPr>
+          <a:xfrm>
+            <a:off x="1304825" y="1495646"/>
+            <a:ext cx="9520547" cy="3866707"/>
+          </a:xfrm>
+          <a:prstGeom prst="rect">
+            <a:avLst/>
+          </a:prstGeom>
+        </p:spPr>
+      </p:pic>
     </p:spTree>
     <p:extLst>
       <p:ext uri="{BB962C8B-B14F-4D97-AF65-F5344CB8AC3E}">
-        <p14:creationId xmlns:p14="http://schemas.microsoft.com/office/powerpoint/2010/main" val="3158958617"/>
+        <p14:creationId xmlns:p14="http://schemas.microsoft.com/office/powerpoint/2010/main" val="3031885731"/>
       </p:ext>
     </p:extLst>
   </p:cSld>
@@ -9634,7 +13268,7 @@
                   <a:schemeClr val="bg1"/>
                 </a:solidFill>
               </a:rPr>
-              <a:t>Static Quantization</a:t>
+              <a:t>Quantization Aware Training</a:t>
             </a:r>
             <a:endParaRPr lang="ko-KR" altLang="en-US" sz="2400" b="1" dirty="0">
               <a:solidFill>
@@ -9644,10 +13278,40 @@
           </a:p>
         </p:txBody>
       </p:sp>
+      <p:pic>
+        <p:nvPicPr>
+          <p:cNvPr id="3" name="그림 2">
+            <a:extLst>
+              <a:ext uri="{FF2B5EF4-FFF2-40B4-BE49-F238E27FC236}">
+                <a16:creationId xmlns:a16="http://schemas.microsoft.com/office/drawing/2014/main" id="{A9EBDCCD-3DC7-72DC-9C37-255EFE89489E}"/>
+              </a:ext>
+            </a:extLst>
+          </p:cNvPr>
+          <p:cNvPicPr>
+            <a:picLocks noChangeAspect="1"/>
+          </p:cNvPicPr>
+          <p:nvPr/>
+        </p:nvPicPr>
+        <p:blipFill>
+          <a:blip r:embed="rId4"/>
+          <a:stretch>
+            <a:fillRect/>
+          </a:stretch>
+        </p:blipFill>
+        <p:spPr>
+          <a:xfrm>
+            <a:off x="890587" y="1066800"/>
+            <a:ext cx="10410825" cy="4724400"/>
+          </a:xfrm>
+          <a:prstGeom prst="rect">
+            <a:avLst/>
+          </a:prstGeom>
+        </p:spPr>
+      </p:pic>
     </p:spTree>
     <p:extLst>
       <p:ext uri="{BB962C8B-B14F-4D97-AF65-F5344CB8AC3E}">
-        <p14:creationId xmlns:p14="http://schemas.microsoft.com/office/powerpoint/2010/main" val="1501256078"/>
+        <p14:creationId xmlns:p14="http://schemas.microsoft.com/office/powerpoint/2010/main" val="3644591996"/>
       </p:ext>
     </p:extLst>
   </p:cSld>
@@ -9960,7 +13624,7 @@
                   <a:schemeClr val="bg1"/>
                 </a:solidFill>
               </a:rPr>
-              <a:t>Dynamic Quantization</a:t>
+              <a:t>Quantization Aware Training</a:t>
             </a:r>
             <a:endParaRPr lang="ko-KR" altLang="en-US" sz="2400" b="1" dirty="0">
               <a:solidFill>
@@ -9970,42 +13634,121 @@
           </a:p>
         </p:txBody>
       </p:sp>
-    </p:spTree>
-    <p:extLst>
-      <p:ext uri="{BB962C8B-B14F-4D97-AF65-F5344CB8AC3E}">
-        <p14:creationId xmlns:p14="http://schemas.microsoft.com/office/powerpoint/2010/main" val="2066226934"/>
-      </p:ext>
-    </p:extLst>
-  </p:cSld>
-  <p:clrMapOvr>
-    <a:masterClrMapping/>
-  </p:clrMapOvr>
-</p:sld>
-</file>
-
-<file path=ppt/slides/slide15.xml><?xml version="1.0" encoding="utf-8"?>
-<p:sld xmlns:a="http://schemas.openxmlformats.org/drawingml/2006/main" xmlns:r="http://schemas.openxmlformats.org/officeDocument/2006/relationships" xmlns:p="http://schemas.openxmlformats.org/presentationml/2006/main">
-  <p:cSld>
-    <p:spTree>
-      <p:nvGrpSpPr>
-        <p:cNvPr id="1" name=""/>
-        <p:cNvGrpSpPr/>
-        <p:nvPr/>
-      </p:nvGrpSpPr>
-      <p:grpSpPr>
-        <a:xfrm>
-          <a:off x="0" y="0"/>
-          <a:ext cx="0" cy="0"/>
-          <a:chOff x="0" y="0"/>
-          <a:chExt cx="0" cy="0"/>
-        </a:xfrm>
-      </p:grpSpPr>
-      <p:sp>
-        <p:nvSpPr>
-          <p:cNvPr id="15" name="직사각형 14">
+      <p:grpSp>
+        <p:nvGrpSpPr>
+          <p:cNvPr id="5" name="그룹 4">
             <a:extLst>
               <a:ext uri="{FF2B5EF4-FFF2-40B4-BE49-F238E27FC236}">
-                <a16:creationId xmlns:a16="http://schemas.microsoft.com/office/drawing/2014/main" id="{BFBBD4AF-E0EB-0836-E1CA-EA97FCCCDEEB}"/>
+                <a16:creationId xmlns:a16="http://schemas.microsoft.com/office/drawing/2014/main" id="{94F639E2-0842-EE9E-BEF4-76D7133F5829}"/>
+              </a:ext>
+            </a:extLst>
+          </p:cNvPr>
+          <p:cNvGrpSpPr/>
+          <p:nvPr/>
+        </p:nvGrpSpPr>
+        <p:grpSpPr>
+          <a:xfrm>
+            <a:off x="1066084" y="731899"/>
+            <a:ext cx="6862943" cy="5532770"/>
+            <a:chOff x="3064828" y="978354"/>
+            <a:chExt cx="6052820" cy="4879665"/>
+          </a:xfrm>
+        </p:grpSpPr>
+        <p:pic>
+          <p:nvPicPr>
+            <p:cNvPr id="10" name="그림 9" descr="텍스트이(가) 표시된 사진&#10;&#10;자동 생성된 설명">
+              <a:extLst>
+                <a:ext uri="{FF2B5EF4-FFF2-40B4-BE49-F238E27FC236}">
+                  <a16:creationId xmlns:a16="http://schemas.microsoft.com/office/drawing/2014/main" id="{AFA0881F-B8A8-3F67-DA5B-0104FD636942}"/>
+                </a:ext>
+              </a:extLst>
+            </p:cNvPr>
+            <p:cNvPicPr>
+              <a:picLocks noChangeAspect="1"/>
+            </p:cNvPicPr>
+            <p:nvPr/>
+          </p:nvPicPr>
+          <p:blipFill>
+            <a:blip r:embed="rId4"/>
+            <a:stretch>
+              <a:fillRect/>
+            </a:stretch>
+          </p:blipFill>
+          <p:spPr>
+            <a:xfrm>
+              <a:off x="3064828" y="978354"/>
+              <a:ext cx="6052820" cy="2039909"/>
+            </a:xfrm>
+            <a:prstGeom prst="rect">
+              <a:avLst/>
+            </a:prstGeom>
+          </p:spPr>
+        </p:pic>
+        <p:pic>
+          <p:nvPicPr>
+            <p:cNvPr id="11" name="그림 10" descr="텍스트이(가) 표시된 사진&#10;&#10;자동 생성된 설명">
+              <a:extLst>
+                <a:ext uri="{FF2B5EF4-FFF2-40B4-BE49-F238E27FC236}">
+                  <a16:creationId xmlns:a16="http://schemas.microsoft.com/office/drawing/2014/main" id="{335A0707-6E6A-B136-91B1-D6AC8ECD9354}"/>
+                </a:ext>
+              </a:extLst>
+            </p:cNvPr>
+            <p:cNvPicPr>
+              <a:picLocks noChangeAspect="1"/>
+            </p:cNvPicPr>
+            <p:nvPr/>
+          </p:nvPicPr>
+          <p:blipFill rotWithShape="1">
+            <a:blip r:embed="rId5"/>
+            <a:srcRect t="51760"/>
+            <a:stretch/>
+          </p:blipFill>
+          <p:spPr>
+            <a:xfrm>
+              <a:off x="3066048" y="2985110"/>
+              <a:ext cx="6051600" cy="1035461"/>
+            </a:xfrm>
+            <a:prstGeom prst="rect">
+              <a:avLst/>
+            </a:prstGeom>
+          </p:spPr>
+        </p:pic>
+        <p:pic>
+          <p:nvPicPr>
+            <p:cNvPr id="12" name="그림 11" descr="텍스트이(가) 표시된 사진&#10;&#10;자동 생성된 설명">
+              <a:extLst>
+                <a:ext uri="{FF2B5EF4-FFF2-40B4-BE49-F238E27FC236}">
+                  <a16:creationId xmlns:a16="http://schemas.microsoft.com/office/drawing/2014/main" id="{8D23C363-ECA6-2308-8D02-AC69CB7680EC}"/>
+                </a:ext>
+              </a:extLst>
+            </p:cNvPr>
+            <p:cNvPicPr>
+              <a:picLocks noChangeAspect="1"/>
+            </p:cNvPicPr>
+            <p:nvPr/>
+          </p:nvPicPr>
+          <p:blipFill rotWithShape="1">
+            <a:blip r:embed="rId6"/>
+            <a:srcRect t="38546"/>
+            <a:stretch/>
+          </p:blipFill>
+          <p:spPr>
+            <a:xfrm>
+              <a:off x="3064828" y="3998562"/>
+              <a:ext cx="6051600" cy="1859457"/>
+            </a:xfrm>
+            <a:prstGeom prst="rect">
+              <a:avLst/>
+            </a:prstGeom>
+          </p:spPr>
+        </p:pic>
+      </p:grpSp>
+      <p:sp>
+        <p:nvSpPr>
+          <p:cNvPr id="7" name="화살표: 오른쪽 6">
+            <a:extLst>
+              <a:ext uri="{FF2B5EF4-FFF2-40B4-BE49-F238E27FC236}">
+                <a16:creationId xmlns:a16="http://schemas.microsoft.com/office/drawing/2014/main" id="{44FBECB0-FE34-D5A0-FC5D-3CE8CBB0C3B2}"/>
               </a:ext>
             </a:extLst>
           </p:cNvPr>
@@ -10013,186 +13756,17 @@
           <p:nvPr/>
         </p:nvSpPr>
         <p:spPr>
-          <a:xfrm flipV="1">
-            <a:off x="1" y="6419625"/>
-            <a:ext cx="12192000" cy="45719"/>
+          <a:xfrm>
+            <a:off x="7641772" y="2098767"/>
+            <a:ext cx="783771" cy="326571"/>
           </a:xfrm>
-          <a:prstGeom prst="rect">
+          <a:prstGeom prst="rightArrow">
             <a:avLst/>
           </a:prstGeom>
           <a:solidFill>
             <a:srgbClr val="144E25"/>
           </a:solidFill>
           <a:ln>
-            <a:solidFill>
-              <a:schemeClr val="bg1"/>
-            </a:solidFill>
-          </a:ln>
-        </p:spPr>
-        <p:style>
-          <a:lnRef idx="2">
-            <a:schemeClr val="accent1">
-              <a:shade val="50000"/>
-            </a:schemeClr>
-          </a:lnRef>
-          <a:fillRef idx="1">
-            <a:schemeClr val="accent1"/>
-          </a:fillRef>
-          <a:effectRef idx="0">
-            <a:schemeClr val="accent1"/>
-          </a:effectRef>
-          <a:fontRef idx="minor">
-            <a:schemeClr val="lt1"/>
-          </a:fontRef>
-        </p:style>
-        <p:txBody>
-          <a:bodyPr rtlCol="0" anchor="ctr"/>
-          <a:lstStyle/>
-          <a:p>
-            <a:pPr algn="ctr"/>
-            <a:endParaRPr lang="ko-KR" altLang="en-US" dirty="0">
-              <a:highlight>
-                <a:srgbClr val="008000"/>
-              </a:highlight>
-            </a:endParaRPr>
-          </a:p>
-        </p:txBody>
-      </p:sp>
-      <p:pic>
-        <p:nvPicPr>
-          <p:cNvPr id="1026" name="Picture 2" descr="StradVision | Socionext | Deep Learning Object Recognition for ADAS">
-            <a:extLst>
-              <a:ext uri="{FF2B5EF4-FFF2-40B4-BE49-F238E27FC236}">
-                <a16:creationId xmlns:a16="http://schemas.microsoft.com/office/drawing/2014/main" id="{C963F69F-434A-081B-E1A7-9FAB9E5AB4AB}"/>
-              </a:ext>
-            </a:extLst>
-          </p:cNvPr>
-          <p:cNvPicPr>
-            <a:picLocks noChangeAspect="1" noChangeArrowheads="1"/>
-          </p:cNvPicPr>
-          <p:nvPr/>
-        </p:nvPicPr>
-        <p:blipFill>
-          <a:blip r:embed="rId3">
-            <a:extLst>
-              <a:ext uri="{28A0092B-C50C-407E-A947-70E740481C1C}">
-                <a14:useLocalDpi xmlns:a14="http://schemas.microsoft.com/office/drawing/2010/main" val="0"/>
-              </a:ext>
-            </a:extLst>
-          </a:blip>
-          <a:srcRect/>
-          <a:stretch>
-            <a:fillRect/>
-          </a:stretch>
-        </p:blipFill>
-        <p:spPr bwMode="auto">
-          <a:xfrm>
-            <a:off x="10911840" y="6511064"/>
-            <a:ext cx="1169884" cy="302982"/>
-          </a:xfrm>
-          <a:prstGeom prst="rect">
-            <a:avLst/>
-          </a:prstGeom>
-          <a:noFill/>
-          <a:extLst>
-            <a:ext uri="{909E8E84-426E-40DD-AFC4-6F175D3DCCD1}">
-              <a14:hiddenFill xmlns:a14="http://schemas.microsoft.com/office/drawing/2010/main">
-                <a:solidFill>
-                  <a:srgbClr val="FFFFFF"/>
-                </a:solidFill>
-              </a14:hiddenFill>
-            </a:ext>
-          </a:extLst>
-        </p:spPr>
-      </p:pic>
-      <p:sp>
-        <p:nvSpPr>
-          <p:cNvPr id="16" name="제목 1">
-            <a:extLst>
-              <a:ext uri="{FF2B5EF4-FFF2-40B4-BE49-F238E27FC236}">
-                <a16:creationId xmlns:a16="http://schemas.microsoft.com/office/drawing/2014/main" id="{61D58152-B98B-DC5A-1BCC-44D819B3BAF7}"/>
-              </a:ext>
-            </a:extLst>
-          </p:cNvPr>
-          <p:cNvSpPr txBox="1">
-            <a:spLocks/>
-          </p:cNvSpPr>
-          <p:nvPr/>
-        </p:nvSpPr>
-        <p:spPr>
-          <a:xfrm>
-            <a:off x="74613" y="9525"/>
-            <a:ext cx="12033250" cy="534988"/>
-          </a:xfrm>
-          <a:prstGeom prst="rect">
-            <a:avLst/>
-          </a:prstGeom>
-        </p:spPr>
-        <p:txBody>
-          <a:bodyPr vert="horz" lIns="91440" tIns="45720" rIns="91440" bIns="45720" rtlCol="0" anchor="b">
-            <a:normAutofit/>
-          </a:bodyPr>
-          <a:lstStyle>
-            <a:lvl1pPr algn="ctr" defTabSz="914400" rtl="0" eaLnBrk="1" latinLnBrk="1" hangingPunct="1">
-              <a:lnSpc>
-                <a:spcPct val="90000"/>
-              </a:lnSpc>
-              <a:spcBef>
-                <a:spcPct val="0"/>
-              </a:spcBef>
-              <a:buNone/>
-              <a:defRPr sz="6000" kern="1200">
-                <a:solidFill>
-                  <a:schemeClr val="tx1"/>
-                </a:solidFill>
-                <a:latin typeface="+mj-lt"/>
-                <a:ea typeface="+mj-ea"/>
-                <a:cs typeface="+mj-cs"/>
-              </a:defRPr>
-            </a:lvl1pPr>
-          </a:lstStyle>
-          <a:p>
-            <a:pPr algn="l"/>
-            <a:r>
-              <a:rPr lang="en-US" altLang="ko-KR" sz="2400" b="1" dirty="0">
-                <a:solidFill>
-                  <a:schemeClr val="bg1"/>
-                </a:solidFill>
-              </a:rPr>
-              <a:t>Outline</a:t>
-            </a:r>
-            <a:endParaRPr lang="ko-KR" altLang="en-US" sz="2400" b="1" dirty="0">
-              <a:solidFill>
-                <a:schemeClr val="bg1"/>
-              </a:solidFill>
-            </a:endParaRPr>
-          </a:p>
-        </p:txBody>
-      </p:sp>
-      <p:sp>
-        <p:nvSpPr>
-          <p:cNvPr id="17" name="직사각형 16">
-            <a:extLst>
-              <a:ext uri="{FF2B5EF4-FFF2-40B4-BE49-F238E27FC236}">
-                <a16:creationId xmlns:a16="http://schemas.microsoft.com/office/drawing/2014/main" id="{8B342028-C111-D240-462D-363CFE17D9E3}"/>
-              </a:ext>
-            </a:extLst>
-          </p:cNvPr>
-          <p:cNvSpPr/>
-          <p:nvPr/>
-        </p:nvSpPr>
-        <p:spPr>
-          <a:xfrm>
-            <a:off x="0" y="0"/>
-            <a:ext cx="12192000" cy="576944"/>
-          </a:xfrm>
-          <a:prstGeom prst="rect">
-            <a:avLst/>
-          </a:prstGeom>
-          <a:solidFill>
-            <a:srgbClr val="144E25"/>
-          </a:solidFill>
-          <a:ln w="12700">
             <a:solidFill>
               <a:srgbClr val="144E25"/>
             </a:solidFill>
@@ -10219,79 +13793,240 @@
           <a:lstStyle/>
           <a:p>
             <a:pPr algn="ctr"/>
-            <a:endParaRPr lang="ko-KR" altLang="en-US" dirty="0">
-              <a:ln w="12700">
-                <a:solidFill>
-                  <a:schemeClr val="bg1"/>
-                </a:solidFill>
-              </a:ln>
-              <a:highlight>
-                <a:srgbClr val="008000"/>
-              </a:highlight>
-            </a:endParaRPr>
+            <a:endParaRPr lang="ko-KR" altLang="en-US"/>
           </a:p>
         </p:txBody>
       </p:sp>
       <p:sp>
         <p:nvSpPr>
-          <p:cNvPr id="18" name="제목 1">
+          <p:cNvPr id="19" name="화살표: 오른쪽 18">
             <a:extLst>
               <a:ext uri="{FF2B5EF4-FFF2-40B4-BE49-F238E27FC236}">
-                <a16:creationId xmlns:a16="http://schemas.microsoft.com/office/drawing/2014/main" id="{A7C5E5DA-802A-6DA9-ADCE-933AEE373753}"/>
+                <a16:creationId xmlns:a16="http://schemas.microsoft.com/office/drawing/2014/main" id="{081086DF-1C76-90E5-D8A5-570D4BACB62F}"/>
               </a:ext>
             </a:extLst>
           </p:cNvPr>
-          <p:cNvSpPr txBox="1">
-            <a:spLocks/>
-          </p:cNvSpPr>
+          <p:cNvSpPr/>
           <p:nvPr/>
         </p:nvSpPr>
         <p:spPr>
           <a:xfrm>
-            <a:off x="48474" y="20978"/>
-            <a:ext cx="12033250" cy="534988"/>
+            <a:off x="7641772" y="3140454"/>
+            <a:ext cx="783771" cy="326571"/>
+          </a:xfrm>
+          <a:prstGeom prst="rightArrow">
+            <a:avLst/>
+          </a:prstGeom>
+          <a:solidFill>
+            <a:srgbClr val="144E25"/>
+          </a:solidFill>
+          <a:ln>
+            <a:solidFill>
+              <a:srgbClr val="144E25"/>
+            </a:solidFill>
+          </a:ln>
+        </p:spPr>
+        <p:style>
+          <a:lnRef idx="2">
+            <a:schemeClr val="accent1">
+              <a:shade val="50000"/>
+            </a:schemeClr>
+          </a:lnRef>
+          <a:fillRef idx="1">
+            <a:schemeClr val="accent1"/>
+          </a:fillRef>
+          <a:effectRef idx="0">
+            <a:schemeClr val="accent1"/>
+          </a:effectRef>
+          <a:fontRef idx="minor">
+            <a:schemeClr val="lt1"/>
+          </a:fontRef>
+        </p:style>
+        <p:txBody>
+          <a:bodyPr rtlCol="0" anchor="ctr"/>
+          <a:lstStyle/>
+          <a:p>
+            <a:pPr algn="ctr"/>
+            <a:endParaRPr lang="ko-KR" altLang="en-US"/>
+          </a:p>
+        </p:txBody>
+      </p:sp>
+      <p:sp>
+        <p:nvSpPr>
+          <p:cNvPr id="20" name="화살표: 오른쪽 19">
+            <a:extLst>
+              <a:ext uri="{FF2B5EF4-FFF2-40B4-BE49-F238E27FC236}">
+                <a16:creationId xmlns:a16="http://schemas.microsoft.com/office/drawing/2014/main" id="{D9287C8F-8B21-A02B-4C8C-12E1F569E603}"/>
+              </a:ext>
+            </a:extLst>
+          </p:cNvPr>
+          <p:cNvSpPr/>
+          <p:nvPr/>
+        </p:nvSpPr>
+        <p:spPr>
+          <a:xfrm>
+            <a:off x="7641772" y="4185197"/>
+            <a:ext cx="783771" cy="326571"/>
+          </a:xfrm>
+          <a:prstGeom prst="rightArrow">
+            <a:avLst/>
+          </a:prstGeom>
+          <a:solidFill>
+            <a:srgbClr val="144E25"/>
+          </a:solidFill>
+          <a:ln>
+            <a:solidFill>
+              <a:srgbClr val="144E25"/>
+            </a:solidFill>
+          </a:ln>
+        </p:spPr>
+        <p:style>
+          <a:lnRef idx="2">
+            <a:schemeClr val="accent1">
+              <a:shade val="50000"/>
+            </a:schemeClr>
+          </a:lnRef>
+          <a:fillRef idx="1">
+            <a:schemeClr val="accent1"/>
+          </a:fillRef>
+          <a:effectRef idx="0">
+            <a:schemeClr val="accent1"/>
+          </a:effectRef>
+          <a:fontRef idx="minor">
+            <a:schemeClr val="lt1"/>
+          </a:fontRef>
+        </p:style>
+        <p:txBody>
+          <a:bodyPr rtlCol="0" anchor="ctr"/>
+          <a:lstStyle/>
+          <a:p>
+            <a:pPr algn="ctr"/>
+            <a:endParaRPr lang="ko-KR" altLang="en-US"/>
+          </a:p>
+        </p:txBody>
+      </p:sp>
+      <p:sp>
+        <p:nvSpPr>
+          <p:cNvPr id="21" name="TextBox 20">
+            <a:extLst>
+              <a:ext uri="{FF2B5EF4-FFF2-40B4-BE49-F238E27FC236}">
+                <a16:creationId xmlns:a16="http://schemas.microsoft.com/office/drawing/2014/main" id="{9A266962-BCA2-A5EE-C61E-45E17FFD9CE1}"/>
+              </a:ext>
+            </a:extLst>
+          </p:cNvPr>
+          <p:cNvSpPr txBox="1"/>
+          <p:nvPr/>
+        </p:nvSpPr>
+        <p:spPr>
+          <a:xfrm>
+            <a:off x="8665029" y="2108163"/>
+            <a:ext cx="5268686" cy="307777"/>
           </a:xfrm>
           <a:prstGeom prst="rect">
             <a:avLst/>
           </a:prstGeom>
+          <a:noFill/>
         </p:spPr>
         <p:txBody>
-          <a:bodyPr vert="horz" lIns="91440" tIns="45720" rIns="91440" bIns="45720" rtlCol="0" anchor="b">
-            <a:normAutofit/>
+          <a:bodyPr wrap="square">
+            <a:spAutoFit/>
           </a:bodyPr>
-          <a:lstStyle>
-            <a:lvl1pPr algn="ctr" defTabSz="914400" rtl="0" eaLnBrk="1" latinLnBrk="1" hangingPunct="1">
-              <a:lnSpc>
-                <a:spcPct val="90000"/>
-              </a:lnSpc>
-              <a:spcBef>
-                <a:spcPct val="0"/>
-              </a:spcBef>
-              <a:buNone/>
-              <a:defRPr sz="6000" kern="1200">
-                <a:solidFill>
-                  <a:schemeClr val="tx1"/>
-                </a:solidFill>
-                <a:latin typeface="+mj-lt"/>
-                <a:ea typeface="+mj-ea"/>
-                <a:cs typeface="+mj-cs"/>
-              </a:defRPr>
-            </a:lvl1pPr>
-          </a:lstStyle>
-          <a:p>
-            <a:pPr algn="l"/>
-            <a:r>
-              <a:rPr lang="en-US" altLang="ko-KR" sz="2400" b="1" dirty="0">
-                <a:solidFill>
-                  <a:schemeClr val="bg1"/>
-                </a:solidFill>
+          <a:lstStyle/>
+          <a:p>
+            <a:r>
+              <a:rPr lang="en-US" altLang="ko-KR" sz="1400" b="1" dirty="0">
+                <a:latin typeface="Arial" panose="020B0604020202020204" pitchFamily="34" charset="0"/>
+                <a:cs typeface="Arial" panose="020B0604020202020204" pitchFamily="34" charset="0"/>
+              </a:rPr>
+              <a:t>Dynamic Quantization</a:t>
+            </a:r>
+            <a:endParaRPr lang="ko-KR" altLang="en-US" sz="1400" b="1" dirty="0">
+              <a:latin typeface="Arial" panose="020B0604020202020204" pitchFamily="34" charset="0"/>
+              <a:cs typeface="Arial" panose="020B0604020202020204" pitchFamily="34" charset="0"/>
+            </a:endParaRPr>
+          </a:p>
+        </p:txBody>
+      </p:sp>
+      <p:sp>
+        <p:nvSpPr>
+          <p:cNvPr id="22" name="TextBox 21">
+            <a:extLst>
+              <a:ext uri="{FF2B5EF4-FFF2-40B4-BE49-F238E27FC236}">
+                <a16:creationId xmlns:a16="http://schemas.microsoft.com/office/drawing/2014/main" id="{591C2074-5FDB-A4FA-0273-B00814B221A8}"/>
+              </a:ext>
+            </a:extLst>
+          </p:cNvPr>
+          <p:cNvSpPr txBox="1"/>
+          <p:nvPr/>
+        </p:nvSpPr>
+        <p:spPr>
+          <a:xfrm>
+            <a:off x="8665029" y="3121223"/>
+            <a:ext cx="5268686" cy="307777"/>
+          </a:xfrm>
+          <a:prstGeom prst="rect">
+            <a:avLst/>
+          </a:prstGeom>
+          <a:noFill/>
+        </p:spPr>
+        <p:txBody>
+          <a:bodyPr wrap="square">
+            <a:spAutoFit/>
+          </a:bodyPr>
+          <a:lstStyle/>
+          <a:p>
+            <a:r>
+              <a:rPr lang="en-US" altLang="ko-KR" sz="1400" b="1" dirty="0">
+                <a:latin typeface="Arial" panose="020B0604020202020204" pitchFamily="34" charset="0"/>
+                <a:cs typeface="Arial" panose="020B0604020202020204" pitchFamily="34" charset="0"/>
+              </a:rPr>
+              <a:t>Static Quantization</a:t>
+            </a:r>
+            <a:endParaRPr lang="ko-KR" altLang="en-US" sz="1400" b="1" dirty="0">
+              <a:latin typeface="Arial" panose="020B0604020202020204" pitchFamily="34" charset="0"/>
+              <a:cs typeface="Arial" panose="020B0604020202020204" pitchFamily="34" charset="0"/>
+            </a:endParaRPr>
+          </a:p>
+        </p:txBody>
+      </p:sp>
+      <p:sp>
+        <p:nvSpPr>
+          <p:cNvPr id="23" name="TextBox 22">
+            <a:extLst>
+              <a:ext uri="{FF2B5EF4-FFF2-40B4-BE49-F238E27FC236}">
+                <a16:creationId xmlns:a16="http://schemas.microsoft.com/office/drawing/2014/main" id="{B43754F9-04B2-0434-2039-6A1468146F3C}"/>
+              </a:ext>
+            </a:extLst>
+          </p:cNvPr>
+          <p:cNvSpPr txBox="1"/>
+          <p:nvPr/>
+        </p:nvSpPr>
+        <p:spPr>
+          <a:xfrm>
+            <a:off x="8665029" y="4220245"/>
+            <a:ext cx="5268686" cy="307777"/>
+          </a:xfrm>
+          <a:prstGeom prst="rect">
+            <a:avLst/>
+          </a:prstGeom>
+          <a:noFill/>
+        </p:spPr>
+        <p:txBody>
+          <a:bodyPr wrap="square">
+            <a:spAutoFit/>
+          </a:bodyPr>
+          <a:lstStyle/>
+          <a:p>
+            <a:r>
+              <a:rPr lang="en-US" altLang="ko-KR" sz="1400" b="1" dirty="0">
+                <a:latin typeface="Arial" panose="020B0604020202020204" pitchFamily="34" charset="0"/>
+                <a:cs typeface="Arial" panose="020B0604020202020204" pitchFamily="34" charset="0"/>
               </a:rPr>
               <a:t>Quantization Aware Training</a:t>
             </a:r>
-            <a:endParaRPr lang="ko-KR" altLang="en-US" sz="2400" b="1" dirty="0">
-              <a:solidFill>
-                <a:schemeClr val="bg1"/>
-              </a:solidFill>
+            <a:endParaRPr lang="ko-KR" altLang="en-US" sz="1400" b="1" dirty="0">
+              <a:latin typeface="Arial" panose="020B0604020202020204" pitchFamily="34" charset="0"/>
+              <a:cs typeface="Arial" panose="020B0604020202020204" pitchFamily="34" charset="0"/>
             </a:endParaRPr>
           </a:p>
         </p:txBody>
@@ -10299,7 +14034,7 @@
     </p:spTree>
     <p:extLst>
       <p:ext uri="{BB962C8B-B14F-4D97-AF65-F5344CB8AC3E}">
-        <p14:creationId xmlns:p14="http://schemas.microsoft.com/office/powerpoint/2010/main" val="3031885731"/>
+        <p14:creationId xmlns:p14="http://schemas.microsoft.com/office/powerpoint/2010/main" val="3357363497"/>
       </p:ext>
     </p:extLst>
   </p:cSld>
@@ -10309,7 +14044,7 @@
 </p:sld>
 </file>
 
-<file path=ppt/slides/slide16.xml><?xml version="1.0" encoding="utf-8"?>
+<file path=ppt/slides/slide15.xml><?xml version="1.0" encoding="utf-8"?>
 <p:sld xmlns:a="http://schemas.openxmlformats.org/drawingml/2006/main" xmlns:r="http://schemas.openxmlformats.org/officeDocument/2006/relationships" xmlns:p="http://schemas.openxmlformats.org/presentationml/2006/main">
   <p:cSld>
     <p:spTree>
@@ -10742,7 +14477,7 @@
 </p:sld>
 </file>
 
-<file path=ppt/slides/slide17.xml><?xml version="1.0" encoding="utf-8"?>
+<file path=ppt/slides/slide16.xml><?xml version="1.0" encoding="utf-8"?>
 <p:sld xmlns:a="http://schemas.openxmlformats.org/drawingml/2006/main" xmlns:r="http://schemas.openxmlformats.org/officeDocument/2006/relationships" xmlns:p="http://schemas.openxmlformats.org/presentationml/2006/main">
   <p:cSld>
     <p:spTree>
@@ -11045,7 +14780,7 @@
                   <a:schemeClr val="bg1"/>
                 </a:solidFill>
               </a:rPr>
-              <a:t>Experiments and Results</a:t>
+              <a:t>References</a:t>
             </a:r>
             <a:endParaRPr lang="ko-KR" altLang="en-US" sz="2400" b="1" dirty="0">
               <a:solidFill>
@@ -11150,7 +14885,7 @@
 </p:sld>
 </file>
 
-<file path=ppt/slides/slide18.xml><?xml version="1.0" encoding="utf-8"?>
+<file path=ppt/slides/slide17.xml><?xml version="1.0" encoding="utf-8"?>
 <p:sld xmlns:a="http://schemas.openxmlformats.org/drawingml/2006/main" xmlns:r="http://schemas.openxmlformats.org/officeDocument/2006/relationships" xmlns:p="http://schemas.openxmlformats.org/presentationml/2006/main">
   <p:cSld>
     <p:spTree>
@@ -11516,7 +15251,9 @@
             <a:r>
               <a:rPr lang="en-US" altLang="ko-KR" sz="1100" b="0" i="0" dirty="0">
                 <a:solidFill>
-                  <a:srgbClr val="222222"/>
+                  <a:schemeClr val="bg1">
+                    <a:lumMod val="50000"/>
+                  </a:schemeClr>
                 </a:solidFill>
                 <a:effectLst/>
                 <a:latin typeface="Arial" panose="020B0604020202020204" pitchFamily="34" charset="0"/>
@@ -11526,7 +15263,9 @@
             <a:r>
               <a:rPr lang="en-US" altLang="ko-KR" sz="1100" b="0" i="0" dirty="0" err="1">
                 <a:solidFill>
-                  <a:srgbClr val="222222"/>
+                  <a:schemeClr val="bg1">
+                    <a:lumMod val="50000"/>
+                  </a:schemeClr>
                 </a:solidFill>
                 <a:effectLst/>
                 <a:latin typeface="Arial" panose="020B0604020202020204" pitchFamily="34" charset="0"/>
@@ -11536,7 +15275,9 @@
             <a:r>
               <a:rPr lang="en-US" altLang="ko-KR" sz="1100" b="0" i="0" dirty="0">
                 <a:solidFill>
-                  <a:srgbClr val="222222"/>
+                  <a:schemeClr val="bg1">
+                    <a:lumMod val="50000"/>
+                  </a:schemeClr>
                 </a:solidFill>
                 <a:effectLst/>
                 <a:latin typeface="Arial" panose="020B0604020202020204" pitchFamily="34" charset="0"/>
@@ -11546,7 +15287,9 @@
             <a:r>
               <a:rPr lang="en-US" altLang="ko-KR" sz="1100" b="0" i="1" dirty="0" err="1">
                 <a:solidFill>
-                  <a:srgbClr val="222222"/>
+                  <a:schemeClr val="bg1">
+                    <a:lumMod val="50000"/>
+                  </a:schemeClr>
                 </a:solidFill>
                 <a:effectLst/>
                 <a:latin typeface="Arial" panose="020B0604020202020204" pitchFamily="34" charset="0"/>
@@ -11556,7 +15299,9 @@
             <a:r>
               <a:rPr lang="en-US" altLang="ko-KR" sz="1100" b="0" i="1" dirty="0">
                 <a:solidFill>
-                  <a:srgbClr val="222222"/>
+                  <a:schemeClr val="bg1">
+                    <a:lumMod val="50000"/>
+                  </a:schemeClr>
                 </a:solidFill>
                 <a:effectLst/>
                 <a:latin typeface="Arial" panose="020B0604020202020204" pitchFamily="34" charset="0"/>
@@ -11566,7 +15311,9 @@
             <a:r>
               <a:rPr lang="en-US" altLang="ko-KR" sz="1100" b="0" i="0" dirty="0">
                 <a:solidFill>
-                  <a:srgbClr val="222222"/>
+                  <a:schemeClr val="bg1">
+                    <a:lumMod val="50000"/>
+                  </a:schemeClr>
                 </a:solidFill>
                 <a:effectLst/>
                 <a:latin typeface="Arial" panose="020B0604020202020204" pitchFamily="34" charset="0"/>
@@ -11578,7 +15325,9 @@
             <a:pPr fontAlgn="ctr"/>
             <a:endParaRPr lang="en-US" altLang="ko-KR" sz="1050" dirty="0">
               <a:solidFill>
-                <a:srgbClr val="222222"/>
+                <a:schemeClr val="bg1">
+                  <a:lumMod val="50000"/>
+                </a:schemeClr>
               </a:solidFill>
               <a:latin typeface="Arial" panose="020B0604020202020204" pitchFamily="34" charset="0"/>
             </a:endParaRPr>
@@ -11588,7 +15337,9 @@
             <a:r>
               <a:rPr lang="en-US" altLang="ko-KR" sz="1100" b="0" i="0" dirty="0" err="1">
                 <a:solidFill>
-                  <a:srgbClr val="222222"/>
+                  <a:schemeClr val="bg1">
+                    <a:lumMod val="50000"/>
+                  </a:schemeClr>
                 </a:solidFill>
                 <a:effectLst/>
                 <a:latin typeface="Arial" panose="020B0604020202020204" pitchFamily="34" charset="0"/>
@@ -11598,7 +15349,9 @@
             <a:r>
               <a:rPr lang="en-US" altLang="ko-KR" sz="1100" b="0" i="0" dirty="0">
                 <a:solidFill>
-                  <a:srgbClr val="222222"/>
+                  <a:schemeClr val="bg1">
+                    <a:lumMod val="50000"/>
+                  </a:schemeClr>
                 </a:solidFill>
                 <a:effectLst/>
                 <a:latin typeface="Arial" panose="020B0604020202020204" pitchFamily="34" charset="0"/>
@@ -11608,7 +15361,9 @@
             <a:r>
               <a:rPr lang="en-US" altLang="ko-KR" sz="1100" b="0" i="0" dirty="0" err="1">
                 <a:solidFill>
-                  <a:srgbClr val="222222"/>
+                  <a:schemeClr val="bg1">
+                    <a:lumMod val="50000"/>
+                  </a:schemeClr>
                 </a:solidFill>
                 <a:effectLst/>
                 <a:latin typeface="Arial" panose="020B0604020202020204" pitchFamily="34" charset="0"/>
@@ -11618,7 +15373,9 @@
             <a:r>
               <a:rPr lang="en-US" altLang="ko-KR" sz="1100" b="0" i="0" dirty="0">
                 <a:solidFill>
-                  <a:srgbClr val="222222"/>
+                  <a:schemeClr val="bg1">
+                    <a:lumMod val="50000"/>
+                  </a:schemeClr>
                 </a:solidFill>
                 <a:effectLst/>
                 <a:latin typeface="Arial" panose="020B0604020202020204" pitchFamily="34" charset="0"/>
@@ -11628,7 +15385,9 @@
             <a:r>
               <a:rPr lang="en-US" altLang="ko-KR" sz="1100" b="0" i="0" dirty="0" err="1">
                 <a:solidFill>
-                  <a:srgbClr val="222222"/>
+                  <a:schemeClr val="bg1">
+                    <a:lumMod val="50000"/>
+                  </a:schemeClr>
                 </a:solidFill>
                 <a:effectLst/>
                 <a:latin typeface="Arial" panose="020B0604020202020204" pitchFamily="34" charset="0"/>
@@ -11638,7 +15397,9 @@
             <a:r>
               <a:rPr lang="en-US" altLang="ko-KR" sz="1100" b="0" i="0" dirty="0">
                 <a:solidFill>
-                  <a:srgbClr val="222222"/>
+                  <a:schemeClr val="bg1">
+                    <a:lumMod val="50000"/>
+                  </a:schemeClr>
                 </a:solidFill>
                 <a:effectLst/>
                 <a:latin typeface="Arial" panose="020B0604020202020204" pitchFamily="34" charset="0"/>
@@ -11648,7 +15409,9 @@
             <a:r>
               <a:rPr lang="en-US" altLang="ko-KR" sz="1100" b="0" i="0" dirty="0" err="1">
                 <a:solidFill>
-                  <a:srgbClr val="222222"/>
+                  <a:schemeClr val="bg1">
+                    <a:lumMod val="50000"/>
+                  </a:schemeClr>
                 </a:solidFill>
                 <a:effectLst/>
                 <a:latin typeface="Arial" panose="020B0604020202020204" pitchFamily="34" charset="0"/>
@@ -11658,7 +15421,9 @@
             <a:r>
               <a:rPr lang="en-US" altLang="ko-KR" sz="1100" b="0" i="0" dirty="0">
                 <a:solidFill>
-                  <a:srgbClr val="222222"/>
+                  <a:schemeClr val="bg1">
+                    <a:lumMod val="50000"/>
+                  </a:schemeClr>
                 </a:solidFill>
                 <a:effectLst/>
                 <a:latin typeface="Arial" panose="020B0604020202020204" pitchFamily="34" charset="0"/>
@@ -11668,7 +15433,9 @@
             <a:r>
               <a:rPr lang="en-US" altLang="ko-KR" sz="1100" b="0" i="1" dirty="0" err="1">
                 <a:solidFill>
-                  <a:srgbClr val="222222"/>
+                  <a:schemeClr val="bg1">
+                    <a:lumMod val="50000"/>
+                  </a:schemeClr>
                 </a:solidFill>
                 <a:effectLst/>
                 <a:latin typeface="Arial" panose="020B0604020202020204" pitchFamily="34" charset="0"/>
@@ -11678,7 +15445,9 @@
             <a:r>
               <a:rPr lang="en-US" altLang="ko-KR" sz="1100" b="0" i="1" dirty="0">
                 <a:solidFill>
-                  <a:srgbClr val="222222"/>
+                  <a:schemeClr val="bg1">
+                    <a:lumMod val="50000"/>
+                  </a:schemeClr>
                 </a:solidFill>
                 <a:effectLst/>
                 <a:latin typeface="Arial" panose="020B0604020202020204" pitchFamily="34" charset="0"/>
@@ -11688,7 +15457,9 @@
             <a:r>
               <a:rPr lang="en-US" altLang="ko-KR" sz="1100" b="0" i="0" dirty="0">
                 <a:solidFill>
-                  <a:srgbClr val="222222"/>
+                  <a:schemeClr val="bg1">
+                    <a:lumMod val="50000"/>
+                  </a:schemeClr>
                 </a:solidFill>
                 <a:effectLst/>
                 <a:latin typeface="Arial" panose="020B0604020202020204" pitchFamily="34" charset="0"/>
@@ -11697,7 +15468,9 @@
             </a:r>
             <a:endParaRPr lang="en-US" altLang="ko-KR" sz="1100" b="1" dirty="0">
               <a:solidFill>
-                <a:srgbClr val="222222"/>
+                <a:schemeClr val="bg1">
+                  <a:lumMod val="50000"/>
+                </a:schemeClr>
               </a:solidFill>
               <a:latin typeface="Arial" panose="020B0604020202020204" pitchFamily="34" charset="0"/>
             </a:endParaRPr>
@@ -11750,6 +15523,11 @@
             <a:pPr fontAlgn="ctr"/>
             <a:r>
               <a:rPr lang="en-US" altLang="ko-KR" sz="1100" i="1" dirty="0">
+                <a:solidFill>
+                  <a:schemeClr val="bg1">
+                    <a:lumMod val="50000"/>
+                  </a:schemeClr>
+                </a:solidFill>
                 <a:hlinkClick r:id="rId4">
                   <a:extLst>
                     <a:ext uri="{A12FA001-AC4F-418D-AE19-62706E023703}">
@@ -11762,6 +15540,11 @@
             </a:r>
             <a:r>
               <a:rPr lang="en-US" altLang="ko-KR" sz="1100" i="1" dirty="0" err="1">
+                <a:solidFill>
+                  <a:schemeClr val="bg1">
+                    <a:lumMod val="50000"/>
+                  </a:schemeClr>
+                </a:solidFill>
                 <a:hlinkClick r:id="rId4">
                   <a:extLst>
                     <a:ext uri="{A12FA001-AC4F-418D-AE19-62706E023703}">
@@ -11774,6 +15557,11 @@
             </a:r>
             <a:r>
               <a:rPr lang="en-US" altLang="ko-KR" sz="1100" i="1" dirty="0">
+                <a:solidFill>
+                  <a:schemeClr val="bg1">
+                    <a:lumMod val="50000"/>
+                  </a:schemeClr>
+                </a:solidFill>
                 <a:hlinkClick r:id="rId4">
                   <a:extLst>
                     <a:ext uri="{A12FA001-AC4F-418D-AE19-62706E023703}">
@@ -11785,6 +15573,11 @@
               <a:t> Tutorials 1.12.0+cu102 documentation</a:t>
             </a:r>
             <a:endParaRPr lang="en-US" altLang="ko-KR" sz="1100" b="1" i="1" dirty="0">
+              <a:solidFill>
+                <a:schemeClr val="bg1">
+                  <a:lumMod val="50000"/>
+                </a:schemeClr>
+              </a:solidFill>
               <a:latin typeface="Arial" panose="020B0604020202020204" pitchFamily="34" charset="0"/>
             </a:endParaRPr>
           </a:p>
@@ -11792,6 +15585,11 @@
             <a:pPr fontAlgn="ctr"/>
             <a:r>
               <a:rPr lang="en-US" altLang="ko-KR" sz="1100" i="1" dirty="0">
+                <a:solidFill>
+                  <a:schemeClr val="bg1">
+                    <a:lumMod val="50000"/>
+                  </a:schemeClr>
+                </a:solidFill>
                 <a:hlinkClick r:id="rId5">
                   <a:extLst>
                     <a:ext uri="{A12FA001-AC4F-418D-AE19-62706E023703}">
@@ -11804,6 +15602,11 @@
             </a:r>
             <a:r>
               <a:rPr lang="en-US" altLang="ko-KR" sz="1100" i="1" dirty="0" err="1">
+                <a:solidFill>
+                  <a:schemeClr val="bg1">
+                    <a:lumMod val="50000"/>
+                  </a:schemeClr>
+                </a:solidFill>
                 <a:hlinkClick r:id="rId5">
                   <a:extLst>
                     <a:ext uri="{A12FA001-AC4F-418D-AE19-62706E023703}">
@@ -11816,6 +15619,11 @@
             </a:r>
             <a:r>
               <a:rPr lang="en-US" altLang="ko-KR" sz="1100" i="1" dirty="0">
+                <a:solidFill>
+                  <a:schemeClr val="bg1">
+                    <a:lumMod val="50000"/>
+                  </a:schemeClr>
+                </a:solidFill>
                 <a:hlinkClick r:id="rId5">
                   <a:extLst>
                     <a:ext uri="{A12FA001-AC4F-418D-AE19-62706E023703}">
@@ -11826,12 +15634,23 @@
               </a:rPr>
               <a:t> 1.12 documentation</a:t>
             </a:r>
-            <a:endParaRPr lang="en-US" altLang="ko-KR" sz="1100" i="1" dirty="0"/>
+            <a:endParaRPr lang="en-US" altLang="ko-KR" sz="1100" i="1" dirty="0">
+              <a:solidFill>
+                <a:schemeClr val="bg1">
+                  <a:lumMod val="50000"/>
+                </a:schemeClr>
+              </a:solidFill>
+            </a:endParaRPr>
           </a:p>
           <a:p>
             <a:pPr fontAlgn="ctr"/>
             <a:r>
               <a:rPr lang="en-US" altLang="ko-KR" sz="1100" i="1" dirty="0">
+                <a:solidFill>
+                  <a:schemeClr val="bg1">
+                    <a:lumMod val="50000"/>
+                  </a:schemeClr>
+                </a:solidFill>
                 <a:hlinkClick r:id="rId6">
                   <a:extLst>
                     <a:ext uri="{A12FA001-AC4F-418D-AE19-62706E023703}">
@@ -11844,6 +15663,11 @@
             </a:r>
             <a:r>
               <a:rPr lang="en-US" altLang="ko-KR" sz="1100" i="1" dirty="0" err="1">
+                <a:solidFill>
+                  <a:schemeClr val="bg1">
+                    <a:lumMod val="50000"/>
+                  </a:schemeClr>
+                </a:solidFill>
                 <a:hlinkClick r:id="rId6">
                   <a:extLst>
                     <a:ext uri="{A12FA001-AC4F-418D-AE19-62706E023703}">
@@ -11856,6 +15680,11 @@
             </a:r>
             <a:r>
               <a:rPr lang="en-US" altLang="ko-KR" sz="1100" i="1" dirty="0">
+                <a:solidFill>
+                  <a:schemeClr val="bg1">
+                    <a:lumMod val="50000"/>
+                  </a:schemeClr>
+                </a:solidFill>
                 <a:hlinkClick r:id="rId6">
                   <a:extLst>
                     <a:ext uri="{A12FA001-AC4F-418D-AE19-62706E023703}">
@@ -11868,6 +15697,11 @@
             </a:r>
             <a:r>
               <a:rPr lang="en-US" altLang="ko-KR" sz="1100" i="1" dirty="0" err="1">
+                <a:solidFill>
+                  <a:schemeClr val="bg1">
+                    <a:lumMod val="50000"/>
+                  </a:schemeClr>
+                </a:solidFill>
                 <a:hlinkClick r:id="rId6">
                   <a:extLst>
                     <a:ext uri="{A12FA001-AC4F-418D-AE19-62706E023703}">
@@ -11879,6 +15713,11 @@
               <a:t>PyTorch</a:t>
             </a:r>
             <a:endParaRPr lang="en-US" altLang="ko-KR" sz="1100" b="1" i="1" dirty="0">
+              <a:solidFill>
+                <a:schemeClr val="bg1">
+                  <a:lumMod val="50000"/>
+                </a:schemeClr>
+              </a:solidFill>
               <a:latin typeface="Arial" panose="020B0604020202020204" pitchFamily="34" charset="0"/>
             </a:endParaRPr>
           </a:p>
@@ -11886,6 +15725,11 @@
             <a:pPr fontAlgn="ctr"/>
             <a:r>
               <a:rPr lang="ko-KR" altLang="en-US" sz="1100" i="1" dirty="0">
+                <a:solidFill>
+                  <a:schemeClr val="bg1">
+                    <a:lumMod val="50000"/>
+                  </a:schemeClr>
+                </a:solidFill>
                 <a:hlinkClick r:id="rId7">
                   <a:extLst>
                     <a:ext uri="{A12FA001-AC4F-418D-AE19-62706E023703}">
@@ -11898,6 +15742,11 @@
             </a:r>
             <a:r>
               <a:rPr lang="en-US" altLang="ko-KR" sz="1100" i="1" dirty="0">
+                <a:solidFill>
+                  <a:schemeClr val="bg1">
+                    <a:lumMod val="50000"/>
+                  </a:schemeClr>
+                </a:solidFill>
                 <a:hlinkClick r:id="rId7">
                   <a:extLst>
                     <a:ext uri="{A12FA001-AC4F-418D-AE19-62706E023703}">
@@ -11909,6 +15758,11 @@
               <a:t>|  TensorFlow Model Optimization</a:t>
             </a:r>
             <a:endParaRPr lang="en-US" altLang="ko-KR" sz="1100" b="1" i="1" dirty="0">
+              <a:solidFill>
+                <a:schemeClr val="bg1">
+                  <a:lumMod val="50000"/>
+                </a:schemeClr>
+              </a:solidFill>
               <a:latin typeface="Arial" panose="020B0604020202020204" pitchFamily="34" charset="0"/>
             </a:endParaRPr>
           </a:p>
@@ -11916,6 +15770,11 @@
             <a:pPr fontAlgn="ctr"/>
             <a:r>
               <a:rPr lang="ko-KR" altLang="en-US" sz="1100" i="1" dirty="0">
+                <a:solidFill>
+                  <a:schemeClr val="bg1">
+                    <a:lumMod val="50000"/>
+                  </a:schemeClr>
+                </a:solidFill>
                 <a:hlinkClick r:id="rId8">
                   <a:extLst>
                     <a:ext uri="{A12FA001-AC4F-418D-AE19-62706E023703}">
@@ -11928,6 +15787,11 @@
             </a:r>
             <a:r>
               <a:rPr lang="en-US" altLang="ko-KR" sz="1100" i="1" dirty="0">
+                <a:solidFill>
+                  <a:schemeClr val="bg1">
+                    <a:lumMod val="50000"/>
+                  </a:schemeClr>
+                </a:solidFill>
                 <a:hlinkClick r:id="rId8">
                   <a:extLst>
                     <a:ext uri="{A12FA001-AC4F-418D-AE19-62706E023703}">
@@ -11939,6 +15803,11 @@
               <a:t>|  TensorFlow Model Optimization</a:t>
             </a:r>
             <a:endParaRPr lang="en-US" altLang="ko-KR" sz="1100" b="1" i="1" dirty="0">
+              <a:solidFill>
+                <a:schemeClr val="bg1">
+                  <a:lumMod val="50000"/>
+                </a:schemeClr>
+              </a:solidFill>
               <a:latin typeface="Arial" panose="020B0604020202020204" pitchFamily="34" charset="0"/>
             </a:endParaRPr>
           </a:p>
@@ -11946,6 +15815,11 @@
             <a:pPr fontAlgn="ctr"/>
             <a:r>
               <a:rPr lang="en-US" altLang="ko-KR" sz="1100" i="1" dirty="0" err="1">
+                <a:solidFill>
+                  <a:schemeClr val="bg1">
+                    <a:lumMod val="50000"/>
+                  </a:schemeClr>
+                </a:solidFill>
                 <a:hlinkClick r:id="rId9">
                   <a:extLst>
                     <a:ext uri="{A12FA001-AC4F-418D-AE19-62706E023703}">
@@ -11958,6 +15832,11 @@
             </a:r>
             <a:r>
               <a:rPr lang="en-US" altLang="ko-KR" sz="1100" i="1" dirty="0">
+                <a:solidFill>
+                  <a:schemeClr val="bg1">
+                    <a:lumMod val="50000"/>
+                  </a:schemeClr>
+                </a:solidFill>
                 <a:hlinkClick r:id="rId9">
                   <a:extLst>
                     <a:ext uri="{A12FA001-AC4F-418D-AE19-62706E023703}">
@@ -11970,6 +15849,11 @@
             </a:r>
             <a:r>
               <a:rPr lang="ko-KR" altLang="en-US" sz="1100" i="1" dirty="0">
+                <a:solidFill>
+                  <a:schemeClr val="bg1">
+                    <a:lumMod val="50000"/>
+                  </a:schemeClr>
+                </a:solidFill>
                 <a:hlinkClick r:id="rId9">
                   <a:extLst>
                     <a:ext uri="{A12FA001-AC4F-418D-AE19-62706E023703}">
@@ -11982,6 +15866,11 @@
             </a:r>
             <a:r>
               <a:rPr lang="en-US" altLang="ko-KR" sz="1100" i="1" dirty="0">
+                <a:solidFill>
+                  <a:schemeClr val="bg1">
+                    <a:lumMod val="50000"/>
+                  </a:schemeClr>
+                </a:solidFill>
                 <a:hlinkClick r:id="rId9">
                   <a:extLst>
                     <a:ext uri="{A12FA001-AC4F-418D-AE19-62706E023703}">
@@ -11994,7 +15883,9 @@
             </a:r>
             <a:endParaRPr lang="en-US" altLang="ko-KR" sz="1100" b="1" i="1" dirty="0">
               <a:solidFill>
-                <a:srgbClr val="222222"/>
+                <a:schemeClr val="bg1">
+                  <a:lumMod val="50000"/>
+                </a:schemeClr>
               </a:solidFill>
               <a:latin typeface="Arial" panose="020B0604020202020204" pitchFamily="34" charset="0"/>
             </a:endParaRPr>
@@ -12047,6 +15938,11 @@
             <a:pPr fontAlgn="ctr"/>
             <a:r>
               <a:rPr lang="en-US" altLang="ko-KR" sz="1100" i="1" dirty="0">
+                <a:solidFill>
+                  <a:schemeClr val="bg1">
+                    <a:lumMod val="50000"/>
+                  </a:schemeClr>
+                </a:solidFill>
                 <a:hlinkClick r:id="rId10">
                   <a:extLst>
                     <a:ext uri="{A12FA001-AC4F-418D-AE19-62706E023703}">
@@ -12059,6 +15955,11 @@
             </a:r>
             <a:r>
               <a:rPr lang="ko-KR" altLang="en-US" sz="1100" i="1" dirty="0">
+                <a:solidFill>
+                  <a:schemeClr val="bg1">
+                    <a:lumMod val="50000"/>
+                  </a:schemeClr>
+                </a:solidFill>
                 <a:hlinkClick r:id="rId10">
                   <a:extLst>
                     <a:ext uri="{A12FA001-AC4F-418D-AE19-62706E023703}">
@@ -12071,6 +15972,11 @@
             </a:r>
             <a:r>
               <a:rPr lang="en-US" altLang="ko-KR" sz="1100" i="1" dirty="0">
+                <a:solidFill>
+                  <a:schemeClr val="bg1">
+                    <a:lumMod val="50000"/>
+                  </a:schemeClr>
+                </a:solidFill>
                 <a:hlinkClick r:id="rId10">
                   <a:extLst>
                     <a:ext uri="{A12FA001-AC4F-418D-AE19-62706E023703}">
@@ -12083,6 +15989,11 @@
             </a:r>
             <a:r>
               <a:rPr lang="ko-KR" altLang="en-US" sz="1100" i="1" dirty="0">
+                <a:solidFill>
+                  <a:schemeClr val="bg1">
+                    <a:lumMod val="50000"/>
+                  </a:schemeClr>
+                </a:solidFill>
                 <a:hlinkClick r:id="rId10">
                   <a:extLst>
                     <a:ext uri="{A12FA001-AC4F-418D-AE19-62706E023703}">
@@ -12095,6 +16006,11 @@
             </a:r>
             <a:r>
               <a:rPr lang="en-US" altLang="ko-KR" sz="1100" i="1" dirty="0">
+                <a:solidFill>
+                  <a:schemeClr val="bg1">
+                    <a:lumMod val="50000"/>
+                  </a:schemeClr>
+                </a:solidFill>
                 <a:hlinkClick r:id="rId10">
                   <a:extLst>
                     <a:ext uri="{A12FA001-AC4F-418D-AE19-62706E023703}">
@@ -12107,6 +16023,11 @@
             </a:r>
             <a:r>
               <a:rPr lang="en-US" altLang="ko-KR" sz="1100" i="1" dirty="0" err="1">
+                <a:solidFill>
+                  <a:schemeClr val="bg1">
+                    <a:lumMod val="50000"/>
+                  </a:schemeClr>
+                </a:solidFill>
                 <a:hlinkClick r:id="rId10">
                   <a:extLst>
                     <a:ext uri="{A12FA001-AC4F-418D-AE19-62706E023703}">
@@ -12119,6 +16040,11 @@
             </a:r>
             <a:r>
               <a:rPr lang="en-US" altLang="ko-KR" sz="1100" i="1" dirty="0">
+                <a:solidFill>
+                  <a:schemeClr val="bg1">
+                    <a:lumMod val="50000"/>
+                  </a:schemeClr>
+                </a:solidFill>
                 <a:hlinkClick r:id="rId10">
                   <a:extLst>
                     <a:ext uri="{A12FA001-AC4F-418D-AE19-62706E023703}">
@@ -12130,6 +16056,11 @@
               <a:t> : Deep Tech Blog (sciomagelab.com)</a:t>
             </a:r>
             <a:endParaRPr lang="en-US" altLang="ko-KR" sz="1100" b="1" i="1" dirty="0">
+              <a:solidFill>
+                <a:schemeClr val="bg1">
+                  <a:lumMod val="50000"/>
+                </a:schemeClr>
+              </a:solidFill>
               <a:latin typeface="Arial" panose="020B0604020202020204" pitchFamily="34" charset="0"/>
             </a:endParaRPr>
           </a:p>
@@ -12137,6 +16068,11 @@
             <a:pPr fontAlgn="ctr"/>
             <a:r>
               <a:rPr lang="ko-KR" altLang="en-US" sz="1100" i="1" dirty="0">
+                <a:solidFill>
+                  <a:schemeClr val="bg1">
+                    <a:lumMod val="50000"/>
+                  </a:schemeClr>
+                </a:solidFill>
                 <a:hlinkClick r:id="rId11">
                   <a:extLst>
                     <a:ext uri="{A12FA001-AC4F-418D-AE19-62706E023703}">
@@ -12149,6 +16085,11 @@
             </a:r>
             <a:r>
               <a:rPr lang="en-US" altLang="ko-KR" sz="1100" i="1" dirty="0">
+                <a:solidFill>
+                  <a:schemeClr val="bg1">
+                    <a:lumMod val="50000"/>
+                  </a:schemeClr>
+                </a:solidFill>
                 <a:hlinkClick r:id="rId11">
                   <a:extLst>
                     <a:ext uri="{A12FA001-AC4F-418D-AE19-62706E023703}">
@@ -12161,6 +16102,11 @@
             </a:r>
             <a:r>
               <a:rPr lang="ko-KR" altLang="en-US" sz="1100" i="1" dirty="0">
+                <a:solidFill>
+                  <a:schemeClr val="bg1">
+                    <a:lumMod val="50000"/>
+                  </a:schemeClr>
+                </a:solidFill>
                 <a:hlinkClick r:id="rId11">
                   <a:extLst>
                     <a:ext uri="{A12FA001-AC4F-418D-AE19-62706E023703}">
@@ -12173,6 +16119,11 @@
             </a:r>
             <a:r>
               <a:rPr lang="en-US" altLang="ko-KR" sz="1100" i="1" dirty="0">
+                <a:solidFill>
+                  <a:schemeClr val="bg1">
+                    <a:lumMod val="50000"/>
+                  </a:schemeClr>
+                </a:solidFill>
                 <a:hlinkClick r:id="rId11">
                   <a:extLst>
                     <a:ext uri="{A12FA001-AC4F-418D-AE19-62706E023703}">
@@ -12185,6 +16136,11 @@
             </a:r>
             <a:r>
               <a:rPr lang="ko-KR" altLang="en-US" sz="1100" i="1" dirty="0">
+                <a:solidFill>
+                  <a:schemeClr val="bg1">
+                    <a:lumMod val="50000"/>
+                  </a:schemeClr>
+                </a:solidFill>
                 <a:hlinkClick r:id="rId11">
                   <a:extLst>
                     <a:ext uri="{A12FA001-AC4F-418D-AE19-62706E023703}">
@@ -12197,6 +16153,11 @@
             </a:r>
             <a:r>
               <a:rPr lang="en-US" altLang="ko-KR" sz="1100" i="1" dirty="0">
+                <a:solidFill>
+                  <a:schemeClr val="bg1">
+                    <a:lumMod val="50000"/>
+                  </a:schemeClr>
+                </a:solidFill>
                 <a:hlinkClick r:id="rId11">
                   <a:extLst>
                     <a:ext uri="{A12FA001-AC4F-418D-AE19-62706E023703}">
@@ -12209,6 +16170,11 @@
             </a:r>
             <a:r>
               <a:rPr lang="en-US" altLang="ko-KR" sz="1100" b="1" i="1" dirty="0">
+                <a:solidFill>
+                  <a:schemeClr val="bg1">
+                    <a:lumMod val="50000"/>
+                  </a:schemeClr>
+                </a:solidFill>
                 <a:latin typeface="Arial" panose="020B0604020202020204" pitchFamily="34" charset="0"/>
               </a:rPr>
               <a:t> </a:t>
@@ -12218,6 +16184,11 @@
             <a:pPr fontAlgn="ctr"/>
             <a:r>
               <a:rPr lang="en-US" altLang="ko-KR" sz="1100" i="1" dirty="0">
+                <a:solidFill>
+                  <a:schemeClr val="bg1">
+                    <a:lumMod val="50000"/>
+                  </a:schemeClr>
+                </a:solidFill>
                 <a:hlinkClick r:id="rId12">
                   <a:extLst>
                     <a:ext uri="{A12FA001-AC4F-418D-AE19-62706E023703}">
@@ -12229,6 +16200,11 @@
               <a:t>Quantization (velog.io)</a:t>
             </a:r>
             <a:endParaRPr lang="en-US" altLang="ko-KR" sz="1100" b="1" i="1" dirty="0">
+              <a:solidFill>
+                <a:schemeClr val="bg1">
+                  <a:lumMod val="50000"/>
+                </a:schemeClr>
+              </a:solidFill>
               <a:latin typeface="Arial" panose="020B0604020202020204" pitchFamily="34" charset="0"/>
             </a:endParaRPr>
           </a:p>
@@ -12247,7 +16223,7 @@
 </p:sld>
 </file>
 
-<file path=ppt/slides/slide19.xml><?xml version="1.0" encoding="utf-8"?>
+<file path=ppt/slides/slide18.xml><?xml version="1.0" encoding="utf-8"?>
 <p:sld xmlns:a="http://schemas.openxmlformats.org/drawingml/2006/main" xmlns:r="http://schemas.openxmlformats.org/officeDocument/2006/relationships" xmlns:p="http://schemas.openxmlformats.org/presentationml/2006/main">
   <p:cSld>
     <p:spTree>
@@ -12364,6 +16340,132 @@
     <p:extLst>
       <p:ext uri="{BB962C8B-B14F-4D97-AF65-F5344CB8AC3E}">
         <p14:creationId xmlns:p14="http://schemas.microsoft.com/office/powerpoint/2010/main" val="984807770"/>
+      </p:ext>
+    </p:extLst>
+  </p:cSld>
+  <p:clrMapOvr>
+    <a:masterClrMapping/>
+  </p:clrMapOvr>
+</p:sld>
+</file>
+
+<file path=ppt/slides/slide19.xml><?xml version="1.0" encoding="utf-8"?>
+<p:sld xmlns:a="http://schemas.openxmlformats.org/drawingml/2006/main" xmlns:r="http://schemas.openxmlformats.org/officeDocument/2006/relationships" xmlns:p="http://schemas.openxmlformats.org/presentationml/2006/main">
+  <p:cSld>
+    <p:spTree>
+      <p:nvGrpSpPr>
+        <p:cNvPr id="1" name=""/>
+        <p:cNvGrpSpPr/>
+        <p:nvPr/>
+      </p:nvGrpSpPr>
+      <p:grpSpPr>
+        <a:xfrm>
+          <a:off x="0" y="0"/>
+          <a:ext cx="0" cy="0"/>
+          <a:chOff x="0" y="0"/>
+          <a:chExt cx="0" cy="0"/>
+        </a:xfrm>
+      </p:grpSpPr>
+      <p:sp>
+        <p:nvSpPr>
+          <p:cNvPr id="2" name="직사각형 1">
+            <a:extLst>
+              <a:ext uri="{FF2B5EF4-FFF2-40B4-BE49-F238E27FC236}">
+                <a16:creationId xmlns:a16="http://schemas.microsoft.com/office/drawing/2014/main" id="{4A931F68-6110-47CF-9A48-02BB17DEFA51}"/>
+              </a:ext>
+            </a:extLst>
+          </p:cNvPr>
+          <p:cNvSpPr/>
+          <p:nvPr/>
+        </p:nvSpPr>
+        <p:spPr>
+          <a:xfrm>
+            <a:off x="1" y="0"/>
+            <a:ext cx="12192000" cy="6858000"/>
+          </a:xfrm>
+          <a:prstGeom prst="rect">
+            <a:avLst/>
+          </a:prstGeom>
+          <a:solidFill>
+            <a:srgbClr val="144E25"/>
+          </a:solidFill>
+          <a:ln>
+            <a:noFill/>
+          </a:ln>
+        </p:spPr>
+        <p:style>
+          <a:lnRef idx="2">
+            <a:schemeClr val="accent1">
+              <a:shade val="50000"/>
+            </a:schemeClr>
+          </a:lnRef>
+          <a:fillRef idx="1">
+            <a:schemeClr val="accent1"/>
+          </a:fillRef>
+          <a:effectRef idx="0">
+            <a:schemeClr val="accent1"/>
+          </a:effectRef>
+          <a:fontRef idx="minor">
+            <a:schemeClr val="lt1"/>
+          </a:fontRef>
+        </p:style>
+        <p:txBody>
+          <a:bodyPr rtlCol="0" anchor="ctr"/>
+          <a:lstStyle/>
+          <a:p>
+            <a:pPr algn="ctr"/>
+            <a:endParaRPr lang="ko-KR" altLang="en-US"/>
+          </a:p>
+        </p:txBody>
+      </p:sp>
+      <p:sp>
+        <p:nvSpPr>
+          <p:cNvPr id="3" name="object 3"/>
+          <p:cNvSpPr txBox="1">
+            <a:spLocks noGrp="1"/>
+          </p:cNvSpPr>
+          <p:nvPr>
+            <p:ph type="title"/>
+          </p:nvPr>
+        </p:nvSpPr>
+        <p:spPr>
+          <a:xfrm>
+            <a:off x="4217894" y="3115132"/>
+            <a:ext cx="3886200" cy="627736"/>
+          </a:xfrm>
+          <a:prstGeom prst="rect">
+            <a:avLst/>
+          </a:prstGeom>
+        </p:spPr>
+        <p:txBody>
+          <a:bodyPr vert="horz" wrap="square" lIns="0" tIns="12065" rIns="0" bIns="0" rtlCol="0">
+            <a:spAutoFit/>
+          </a:bodyPr>
+          <a:lstStyle/>
+          <a:p>
+            <a:pPr marL="12700">
+              <a:lnSpc>
+                <a:spcPct val="100000"/>
+              </a:lnSpc>
+              <a:spcBef>
+                <a:spcPts val="95"/>
+              </a:spcBef>
+            </a:pPr>
+            <a:r>
+              <a:rPr lang="en-US" sz="4000" b="1" spc="-30" dirty="0">
+                <a:solidFill>
+                  <a:srgbClr val="F1F1F1"/>
+                </a:solidFill>
+              </a:rPr>
+              <a:t>Thank you 🙂</a:t>
+            </a:r>
+          </a:p>
+        </p:txBody>
+      </p:sp>
+    </p:spTree>
+    <p:extLst>
+      <p:ext uri="{BB962C8B-B14F-4D97-AF65-F5344CB8AC3E}">
+        <p14:creationId xmlns:p14="http://schemas.microsoft.com/office/powerpoint/2010/main" val="1448748692"/>
       </p:ext>
     </p:extLst>
   </p:cSld>
@@ -12811,132 +16913,6 @@
 </p:sld>
 </file>
 
-<file path=ppt/slides/slide20.xml><?xml version="1.0" encoding="utf-8"?>
-<p:sld xmlns:a="http://schemas.openxmlformats.org/drawingml/2006/main" xmlns:r="http://schemas.openxmlformats.org/officeDocument/2006/relationships" xmlns:p="http://schemas.openxmlformats.org/presentationml/2006/main">
-  <p:cSld>
-    <p:spTree>
-      <p:nvGrpSpPr>
-        <p:cNvPr id="1" name=""/>
-        <p:cNvGrpSpPr/>
-        <p:nvPr/>
-      </p:nvGrpSpPr>
-      <p:grpSpPr>
-        <a:xfrm>
-          <a:off x="0" y="0"/>
-          <a:ext cx="0" cy="0"/>
-          <a:chOff x="0" y="0"/>
-          <a:chExt cx="0" cy="0"/>
-        </a:xfrm>
-      </p:grpSpPr>
-      <p:sp>
-        <p:nvSpPr>
-          <p:cNvPr id="2" name="직사각형 1">
-            <a:extLst>
-              <a:ext uri="{FF2B5EF4-FFF2-40B4-BE49-F238E27FC236}">
-                <a16:creationId xmlns:a16="http://schemas.microsoft.com/office/drawing/2014/main" id="{4A931F68-6110-47CF-9A48-02BB17DEFA51}"/>
-              </a:ext>
-            </a:extLst>
-          </p:cNvPr>
-          <p:cNvSpPr/>
-          <p:nvPr/>
-        </p:nvSpPr>
-        <p:spPr>
-          <a:xfrm>
-            <a:off x="1" y="0"/>
-            <a:ext cx="12192000" cy="6858000"/>
-          </a:xfrm>
-          <a:prstGeom prst="rect">
-            <a:avLst/>
-          </a:prstGeom>
-          <a:solidFill>
-            <a:srgbClr val="144E25"/>
-          </a:solidFill>
-          <a:ln>
-            <a:noFill/>
-          </a:ln>
-        </p:spPr>
-        <p:style>
-          <a:lnRef idx="2">
-            <a:schemeClr val="accent1">
-              <a:shade val="50000"/>
-            </a:schemeClr>
-          </a:lnRef>
-          <a:fillRef idx="1">
-            <a:schemeClr val="accent1"/>
-          </a:fillRef>
-          <a:effectRef idx="0">
-            <a:schemeClr val="accent1"/>
-          </a:effectRef>
-          <a:fontRef idx="minor">
-            <a:schemeClr val="lt1"/>
-          </a:fontRef>
-        </p:style>
-        <p:txBody>
-          <a:bodyPr rtlCol="0" anchor="ctr"/>
-          <a:lstStyle/>
-          <a:p>
-            <a:pPr algn="ctr"/>
-            <a:endParaRPr lang="ko-KR" altLang="en-US"/>
-          </a:p>
-        </p:txBody>
-      </p:sp>
-      <p:sp>
-        <p:nvSpPr>
-          <p:cNvPr id="3" name="object 3"/>
-          <p:cNvSpPr txBox="1">
-            <a:spLocks noGrp="1"/>
-          </p:cNvSpPr>
-          <p:nvPr>
-            <p:ph type="title"/>
-          </p:nvPr>
-        </p:nvSpPr>
-        <p:spPr>
-          <a:xfrm>
-            <a:off x="4217894" y="3115132"/>
-            <a:ext cx="3886200" cy="627736"/>
-          </a:xfrm>
-          <a:prstGeom prst="rect">
-            <a:avLst/>
-          </a:prstGeom>
-        </p:spPr>
-        <p:txBody>
-          <a:bodyPr vert="horz" wrap="square" lIns="0" tIns="12065" rIns="0" bIns="0" rtlCol="0">
-            <a:spAutoFit/>
-          </a:bodyPr>
-          <a:lstStyle/>
-          <a:p>
-            <a:pPr marL="12700">
-              <a:lnSpc>
-                <a:spcPct val="100000"/>
-              </a:lnSpc>
-              <a:spcBef>
-                <a:spcPts val="95"/>
-              </a:spcBef>
-            </a:pPr>
-            <a:r>
-              <a:rPr lang="en-US" sz="4000" b="1" spc="-30" dirty="0">
-                <a:solidFill>
-                  <a:srgbClr val="F1F1F1"/>
-                </a:solidFill>
-              </a:rPr>
-              <a:t>Thank you 🙂</a:t>
-            </a:r>
-          </a:p>
-        </p:txBody>
-      </p:sp>
-    </p:spTree>
-    <p:extLst>
-      <p:ext uri="{BB962C8B-B14F-4D97-AF65-F5344CB8AC3E}">
-        <p14:creationId xmlns:p14="http://schemas.microsoft.com/office/powerpoint/2010/main" val="1448748692"/>
-      </p:ext>
-    </p:extLst>
-  </p:cSld>
-  <p:clrMapOvr>
-    <a:masterClrMapping/>
-  </p:clrMapOvr>
-</p:sld>
-</file>
-
 <file path=ppt/slides/slide3.xml><?xml version="1.0" encoding="utf-8"?>
 <p:sld xmlns:a="http://schemas.openxmlformats.org/drawingml/2006/main" xmlns:r="http://schemas.openxmlformats.org/officeDocument/2006/relationships" xmlns:p="http://schemas.openxmlformats.org/presentationml/2006/main">
   <p:cSld>
@@ -14384,7 +18360,7 @@
         </p:nvGrpSpPr>
         <p:grpSpPr>
           <a:xfrm>
-            <a:off x="1462293" y="1356936"/>
+            <a:off x="1462293" y="1916958"/>
             <a:ext cx="9267413" cy="4144128"/>
             <a:chOff x="317368" y="1688592"/>
             <a:chExt cx="8894365" cy="3977311"/>
@@ -14472,6 +18448,56 @@
           </p:txBody>
         </p:sp>
       </p:grpSp>
+      <p:sp>
+        <p:nvSpPr>
+          <p:cNvPr id="12" name="TextBox 11">
+            <a:extLst>
+              <a:ext uri="{FF2B5EF4-FFF2-40B4-BE49-F238E27FC236}">
+                <a16:creationId xmlns:a16="http://schemas.microsoft.com/office/drawing/2014/main" id="{7C248841-4E57-1CB8-E40C-EA24F8033C9E}"/>
+              </a:ext>
+            </a:extLst>
+          </p:cNvPr>
+          <p:cNvSpPr txBox="1"/>
+          <p:nvPr/>
+        </p:nvSpPr>
+        <p:spPr>
+          <a:xfrm>
+            <a:off x="-1" y="1063457"/>
+            <a:ext cx="12191999" cy="369332"/>
+          </a:xfrm>
+          <a:prstGeom prst="rect">
+            <a:avLst/>
+          </a:prstGeom>
+          <a:noFill/>
+        </p:spPr>
+        <p:txBody>
+          <a:bodyPr wrap="square" rtlCol="0">
+            <a:spAutoFit/>
+          </a:bodyPr>
+          <a:lstStyle/>
+          <a:p>
+            <a:pPr algn="ctr"/>
+            <a:r>
+              <a:rPr lang="en-US" altLang="ko-KR" b="1" i="0" dirty="0">
+                <a:solidFill>
+                  <a:srgbClr val="144E25"/>
+                </a:solidFill>
+                <a:effectLst/>
+                <a:latin typeface="Arial" panose="020B0604020202020204" pitchFamily="34" charset="0"/>
+                <a:cs typeface="Arial" panose="020B0604020202020204" pitchFamily="34" charset="0"/>
+              </a:rPr>
+              <a:t>Types of Quantification</a:t>
+            </a:r>
+            <a:endParaRPr lang="ko-KR" altLang="en-US" b="1" dirty="0">
+              <a:solidFill>
+                <a:srgbClr val="144E25"/>
+              </a:solidFill>
+              <a:latin typeface="Arial" panose="020B0604020202020204" pitchFamily="34" charset="0"/>
+              <a:cs typeface="Arial" panose="020B0604020202020204" pitchFamily="34" charset="0"/>
+            </a:endParaRPr>
+          </a:p>
+        </p:txBody>
+      </p:sp>
     </p:spTree>
     <p:extLst>
       <p:ext uri="{BB962C8B-B14F-4D97-AF65-F5344CB8AC3E}">
@@ -14798,85 +18824,154 @@
           </a:p>
         </p:txBody>
       </p:sp>
-      <p:pic>
-        <p:nvPicPr>
-          <p:cNvPr id="12" name="그림 11" descr="테이블이(가) 표시된 사진&#10;&#10;자동 생성된 설명">
+      <p:grpSp>
+        <p:nvGrpSpPr>
+          <p:cNvPr id="3" name="그룹 2">
             <a:extLst>
               <a:ext uri="{FF2B5EF4-FFF2-40B4-BE49-F238E27FC236}">
-                <a16:creationId xmlns:a16="http://schemas.microsoft.com/office/drawing/2014/main" id="{3A28A075-1C5E-EDD6-C2C0-F0A4B4F0B8A9}"/>
+                <a16:creationId xmlns:a16="http://schemas.microsoft.com/office/drawing/2014/main" id="{7B4B6827-0285-3D04-2860-CE7435611D4E}"/>
               </a:ext>
             </a:extLst>
           </p:cNvPr>
-          <p:cNvPicPr>
-            <a:picLocks noChangeAspect="1"/>
-          </p:cNvPicPr>
+          <p:cNvGrpSpPr/>
           <p:nvPr/>
-        </p:nvPicPr>
-        <p:blipFill>
-          <a:blip r:embed="rId4"/>
-          <a:stretch>
-            <a:fillRect/>
-          </a:stretch>
-        </p:blipFill>
-        <p:spPr>
+        </p:nvGrpSpPr>
+        <p:grpSpPr>
           <a:xfrm>
-            <a:off x="1840384" y="1974020"/>
-            <a:ext cx="8511231" cy="2909959"/>
+            <a:off x="806672" y="1813418"/>
+            <a:ext cx="10578655" cy="3369732"/>
+            <a:chOff x="1840384" y="2507260"/>
+            <a:chExt cx="8511231" cy="2376719"/>
           </a:xfrm>
-          <a:prstGeom prst="rect">
-            <a:avLst/>
-          </a:prstGeom>
-        </p:spPr>
-      </p:pic>
-      <p:sp>
-        <p:nvSpPr>
-          <p:cNvPr id="11" name="직사각형 10">
+        </p:grpSpPr>
+        <p:pic>
+          <p:nvPicPr>
+            <p:cNvPr id="12" name="그림 11" descr="테이블이(가) 표시된 사진&#10;&#10;자동 생성된 설명">
+              <a:extLst>
+                <a:ext uri="{FF2B5EF4-FFF2-40B4-BE49-F238E27FC236}">
+                  <a16:creationId xmlns:a16="http://schemas.microsoft.com/office/drawing/2014/main" id="{3A28A075-1C5E-EDD6-C2C0-F0A4B4F0B8A9}"/>
+                </a:ext>
+              </a:extLst>
+            </p:cNvPr>
+            <p:cNvPicPr>
+              <a:picLocks noChangeAspect="1"/>
+            </p:cNvPicPr>
+            <p:nvPr/>
+          </p:nvPicPr>
+          <p:blipFill rotWithShape="1">
+            <a:blip r:embed="rId4"/>
+            <a:srcRect t="18325"/>
+            <a:stretch/>
+          </p:blipFill>
+          <p:spPr>
+            <a:xfrm>
+              <a:off x="1840384" y="2507260"/>
+              <a:ext cx="8511231" cy="2376719"/>
+            </a:xfrm>
+            <a:prstGeom prst="rect">
+              <a:avLst/>
+            </a:prstGeom>
+          </p:spPr>
+        </p:pic>
+        <p:sp>
+          <p:nvSpPr>
+            <p:cNvPr id="11" name="직사각형 10">
+              <a:extLst>
+                <a:ext uri="{FF2B5EF4-FFF2-40B4-BE49-F238E27FC236}">
+                  <a16:creationId xmlns:a16="http://schemas.microsoft.com/office/drawing/2014/main" id="{33581E8F-B5CB-AC9D-9C8A-CE3CAA76C02A}"/>
+                </a:ext>
+              </a:extLst>
+            </p:cNvPr>
+            <p:cNvSpPr/>
+            <p:nvPr/>
+          </p:nvSpPr>
+          <p:spPr>
+            <a:xfrm>
+              <a:off x="5611723" y="4474696"/>
+              <a:ext cx="4245517" cy="312979"/>
+            </a:xfrm>
+            <a:prstGeom prst="rect">
+              <a:avLst/>
+            </a:prstGeom>
+            <a:noFill/>
+            <a:ln w="28575">
+              <a:solidFill>
+                <a:srgbClr val="FF0000"/>
+              </a:solidFill>
+            </a:ln>
+          </p:spPr>
+          <p:style>
+            <a:lnRef idx="2">
+              <a:schemeClr val="accent1">
+                <a:shade val="50000"/>
+              </a:schemeClr>
+            </a:lnRef>
+            <a:fillRef idx="1">
+              <a:schemeClr val="accent1"/>
+            </a:fillRef>
+            <a:effectRef idx="0">
+              <a:schemeClr val="accent1"/>
+            </a:effectRef>
+            <a:fontRef idx="minor">
+              <a:schemeClr val="lt1"/>
+            </a:fontRef>
+          </p:style>
+          <p:txBody>
+            <a:bodyPr rtlCol="0" anchor="ctr"/>
+            <a:lstStyle/>
+            <a:p>
+              <a:pPr algn="ctr"/>
+              <a:endParaRPr lang="ko-KR" altLang="en-US"/>
+            </a:p>
+          </p:txBody>
+        </p:sp>
+      </p:grpSp>
+      <p:sp>
+        <p:nvSpPr>
+          <p:cNvPr id="13" name="TextBox 12">
             <a:extLst>
               <a:ext uri="{FF2B5EF4-FFF2-40B4-BE49-F238E27FC236}">
-                <a16:creationId xmlns:a16="http://schemas.microsoft.com/office/drawing/2014/main" id="{33581E8F-B5CB-AC9D-9C8A-CE3CAA76C02A}"/>
+                <a16:creationId xmlns:a16="http://schemas.microsoft.com/office/drawing/2014/main" id="{9722D486-F620-E9D4-667E-360A63383FD3}"/>
               </a:ext>
             </a:extLst>
           </p:cNvPr>
-          <p:cNvSpPr/>
+          <p:cNvSpPr txBox="1"/>
           <p:nvPr/>
         </p:nvSpPr>
         <p:spPr>
           <a:xfrm>
-            <a:off x="5611723" y="4474696"/>
-            <a:ext cx="4245517" cy="312979"/>
+            <a:off x="-1" y="1063457"/>
+            <a:ext cx="12191999" cy="369332"/>
           </a:xfrm>
           <a:prstGeom prst="rect">
             <a:avLst/>
           </a:prstGeom>
           <a:noFill/>
-          <a:ln w="28575">
-            <a:solidFill>
-              <a:srgbClr val="FF0000"/>
-            </a:solidFill>
-          </a:ln>
         </p:spPr>
-        <p:style>
-          <a:lnRef idx="2">
-            <a:schemeClr val="accent1">
-              <a:shade val="50000"/>
-            </a:schemeClr>
-          </a:lnRef>
-          <a:fillRef idx="1">
-            <a:schemeClr val="accent1"/>
-          </a:fillRef>
-          <a:effectRef idx="0">
-            <a:schemeClr val="accent1"/>
-          </a:effectRef>
-          <a:fontRef idx="minor">
-            <a:schemeClr val="lt1"/>
-          </a:fontRef>
-        </p:style>
         <p:txBody>
-          <a:bodyPr rtlCol="0" anchor="ctr"/>
+          <a:bodyPr wrap="square" rtlCol="0">
+            <a:spAutoFit/>
+          </a:bodyPr>
           <a:lstStyle/>
           <a:p>
             <a:pPr algn="ctr"/>
-            <a:endParaRPr lang="ko-KR" altLang="en-US"/>
+            <a:r>
+              <a:rPr lang="en-US" altLang="ko-KR" b="1" dirty="0">
+                <a:solidFill>
+                  <a:srgbClr val="144E25"/>
+                </a:solidFill>
+                <a:latin typeface="Arial" panose="020B0604020202020204" pitchFamily="34" charset="0"/>
+                <a:cs typeface="Arial" panose="020B0604020202020204" pitchFamily="34" charset="0"/>
+              </a:rPr>
+              <a:t>Table of Quantization Type Selection Guide</a:t>
+            </a:r>
+            <a:endParaRPr lang="ko-KR" altLang="en-US" b="1" dirty="0">
+              <a:solidFill>
+                <a:srgbClr val="144E25"/>
+              </a:solidFill>
+              <a:latin typeface="Arial" panose="020B0604020202020204" pitchFamily="34" charset="0"/>
+              <a:cs typeface="Arial" panose="020B0604020202020204" pitchFamily="34" charset="0"/>
+            </a:endParaRPr>
           </a:p>
         </p:txBody>
       </p:sp>
@@ -15206,6 +19301,105 @@
           </a:p>
         </p:txBody>
       </p:sp>
+      <p:pic>
+        <p:nvPicPr>
+          <p:cNvPr id="3" name="그림 2">
+            <a:extLst>
+              <a:ext uri="{FF2B5EF4-FFF2-40B4-BE49-F238E27FC236}">
+                <a16:creationId xmlns:a16="http://schemas.microsoft.com/office/drawing/2014/main" id="{EEB22CC3-21BA-0D7F-33B1-B111A828FE90}"/>
+              </a:ext>
+            </a:extLst>
+          </p:cNvPr>
+          <p:cNvPicPr>
+            <a:picLocks noChangeAspect="1"/>
+          </p:cNvPicPr>
+          <p:nvPr/>
+        </p:nvPicPr>
+        <p:blipFill>
+          <a:blip r:embed="rId4"/>
+          <a:stretch>
+            <a:fillRect/>
+          </a:stretch>
+        </p:blipFill>
+        <p:spPr>
+          <a:xfrm>
+            <a:off x="1009650" y="1732278"/>
+            <a:ext cx="10163175" cy="4457700"/>
+          </a:xfrm>
+          <a:prstGeom prst="rect">
+            <a:avLst/>
+          </a:prstGeom>
+        </p:spPr>
+      </p:pic>
+      <p:sp>
+        <p:nvSpPr>
+          <p:cNvPr id="9" name="TextBox 8">
+            <a:extLst>
+              <a:ext uri="{FF2B5EF4-FFF2-40B4-BE49-F238E27FC236}">
+                <a16:creationId xmlns:a16="http://schemas.microsoft.com/office/drawing/2014/main" id="{9E7BF06F-34AC-570B-4EF0-E04484954A09}"/>
+              </a:ext>
+            </a:extLst>
+          </p:cNvPr>
+          <p:cNvSpPr txBox="1"/>
+          <p:nvPr/>
+        </p:nvSpPr>
+        <p:spPr>
+          <a:xfrm>
+            <a:off x="-1" y="1063457"/>
+            <a:ext cx="12191999" cy="369332"/>
+          </a:xfrm>
+          <a:prstGeom prst="rect">
+            <a:avLst/>
+          </a:prstGeom>
+          <a:noFill/>
+        </p:spPr>
+        <p:txBody>
+          <a:bodyPr wrap="square" rtlCol="0">
+            <a:spAutoFit/>
+          </a:bodyPr>
+          <a:lstStyle/>
+          <a:p>
+            <a:pPr algn="ctr"/>
+            <a:r>
+              <a:rPr lang="en-US" altLang="ko-KR" b="1" dirty="0">
+                <a:solidFill>
+                  <a:srgbClr val="144E25"/>
+                </a:solidFill>
+                <a:latin typeface="Arial" panose="020B0604020202020204" pitchFamily="34" charset="0"/>
+                <a:cs typeface="Arial" panose="020B0604020202020204" pitchFamily="34" charset="0"/>
+              </a:rPr>
+              <a:t>Quantization</a:t>
+            </a:r>
+            <a:r>
+              <a:rPr lang="ko-KR" altLang="en-US" b="1" dirty="0">
+                <a:solidFill>
+                  <a:srgbClr val="144E25"/>
+                </a:solidFill>
+                <a:latin typeface="Arial" panose="020B0604020202020204" pitchFamily="34" charset="0"/>
+                <a:cs typeface="Arial" panose="020B0604020202020204" pitchFamily="34" charset="0"/>
+              </a:rPr>
+              <a:t> </a:t>
+            </a:r>
+            <a:r>
+              <a:rPr lang="en-US" altLang="ko-KR" b="1" dirty="0">
+                <a:solidFill>
+                  <a:srgbClr val="144E25"/>
+                </a:solidFill>
+                <a:latin typeface="Arial" panose="020B0604020202020204" pitchFamily="34" charset="0"/>
+                <a:cs typeface="Arial" panose="020B0604020202020204" pitchFamily="34" charset="0"/>
+              </a:rPr>
+              <a:t>Techniques[1] – Model Fusion</a:t>
+            </a:r>
+            <a:endParaRPr lang="ko-KR" altLang="en-US" b="1" dirty="0">
+              <a:solidFill>
+                <a:srgbClr val="144E25"/>
+              </a:solidFill>
+              <a:latin typeface="Arial" panose="020B0604020202020204" pitchFamily="34" charset="0"/>
+              <a:cs typeface="Arial" panose="020B0604020202020204" pitchFamily="34" charset="0"/>
+            </a:endParaRPr>
+          </a:p>
+        </p:txBody>
+      </p:sp>
     </p:spTree>
     <p:extLst>
       <p:ext uri="{BB962C8B-B14F-4D97-AF65-F5344CB8AC3E}">
@@ -15532,6 +19726,261 @@
           </a:p>
         </p:txBody>
       </p:sp>
+      <p:sp>
+        <p:nvSpPr>
+          <p:cNvPr id="7" name="TextBox 6">
+            <a:extLst>
+              <a:ext uri="{FF2B5EF4-FFF2-40B4-BE49-F238E27FC236}">
+                <a16:creationId xmlns:a16="http://schemas.microsoft.com/office/drawing/2014/main" id="{8737EA17-B0A6-1D2F-C962-FD9321C664CF}"/>
+              </a:ext>
+            </a:extLst>
+          </p:cNvPr>
+          <p:cNvSpPr txBox="1"/>
+          <p:nvPr/>
+        </p:nvSpPr>
+        <p:spPr>
+          <a:xfrm>
+            <a:off x="-1" y="1063457"/>
+            <a:ext cx="12191999" cy="369332"/>
+          </a:xfrm>
+          <a:prstGeom prst="rect">
+            <a:avLst/>
+          </a:prstGeom>
+          <a:noFill/>
+        </p:spPr>
+        <p:txBody>
+          <a:bodyPr wrap="square" rtlCol="0">
+            <a:spAutoFit/>
+          </a:bodyPr>
+          <a:lstStyle/>
+          <a:p>
+            <a:pPr algn="ctr"/>
+            <a:r>
+              <a:rPr lang="en-US" altLang="ko-KR" b="1" dirty="0">
+                <a:solidFill>
+                  <a:srgbClr val="144E25"/>
+                </a:solidFill>
+                <a:latin typeface="Arial" panose="020B0604020202020204" pitchFamily="34" charset="0"/>
+                <a:cs typeface="Arial" panose="020B0604020202020204" pitchFamily="34" charset="0"/>
+              </a:rPr>
+              <a:t>Quantization</a:t>
+            </a:r>
+            <a:r>
+              <a:rPr lang="ko-KR" altLang="en-US" b="1" dirty="0">
+                <a:solidFill>
+                  <a:srgbClr val="144E25"/>
+                </a:solidFill>
+                <a:latin typeface="Arial" panose="020B0604020202020204" pitchFamily="34" charset="0"/>
+                <a:cs typeface="Arial" panose="020B0604020202020204" pitchFamily="34" charset="0"/>
+              </a:rPr>
+              <a:t> </a:t>
+            </a:r>
+            <a:r>
+              <a:rPr lang="en-US" altLang="ko-KR" b="1" dirty="0">
+                <a:solidFill>
+                  <a:srgbClr val="144E25"/>
+                </a:solidFill>
+                <a:latin typeface="Arial" panose="020B0604020202020204" pitchFamily="34" charset="0"/>
+                <a:cs typeface="Arial" panose="020B0604020202020204" pitchFamily="34" charset="0"/>
+              </a:rPr>
+              <a:t>Techniques[2] – Formula Definition</a:t>
+            </a:r>
+            <a:endParaRPr lang="ko-KR" altLang="en-US" b="1" dirty="0">
+              <a:solidFill>
+                <a:srgbClr val="144E25"/>
+              </a:solidFill>
+              <a:latin typeface="Arial" panose="020B0604020202020204" pitchFamily="34" charset="0"/>
+              <a:cs typeface="Arial" panose="020B0604020202020204" pitchFamily="34" charset="0"/>
+            </a:endParaRPr>
+          </a:p>
+        </p:txBody>
+      </p:sp>
+      <p:grpSp>
+        <p:nvGrpSpPr>
+          <p:cNvPr id="12" name="그룹 11">
+            <a:extLst>
+              <a:ext uri="{FF2B5EF4-FFF2-40B4-BE49-F238E27FC236}">
+                <a16:creationId xmlns:a16="http://schemas.microsoft.com/office/drawing/2014/main" id="{9B495D68-46AB-0809-453D-12B33AD9438E}"/>
+              </a:ext>
+            </a:extLst>
+          </p:cNvPr>
+          <p:cNvGrpSpPr/>
+          <p:nvPr/>
+        </p:nvGrpSpPr>
+        <p:grpSpPr>
+          <a:xfrm>
+            <a:off x="1252569" y="2076397"/>
+            <a:ext cx="9686862" cy="3070370"/>
+            <a:chOff x="1666938" y="2122116"/>
+            <a:chExt cx="8859547" cy="2613766"/>
+          </a:xfrm>
+        </p:grpSpPr>
+        <p:pic>
+          <p:nvPicPr>
+            <p:cNvPr id="3" name="그림 2">
+              <a:extLst>
+                <a:ext uri="{FF2B5EF4-FFF2-40B4-BE49-F238E27FC236}">
+                  <a16:creationId xmlns:a16="http://schemas.microsoft.com/office/drawing/2014/main" id="{78C9A459-2E65-4A7B-029A-683038999377}"/>
+                </a:ext>
+              </a:extLst>
+            </p:cNvPr>
+            <p:cNvPicPr>
+              <a:picLocks noChangeAspect="1"/>
+            </p:cNvPicPr>
+            <p:nvPr/>
+          </p:nvPicPr>
+          <p:blipFill rotWithShape="1">
+            <a:blip r:embed="rId4"/>
+            <a:srcRect r="56551"/>
+            <a:stretch/>
+          </p:blipFill>
+          <p:spPr>
+            <a:xfrm>
+              <a:off x="1666938" y="2122117"/>
+              <a:ext cx="3754147" cy="2613765"/>
+            </a:xfrm>
+            <a:prstGeom prst="rect">
+              <a:avLst/>
+            </a:prstGeom>
+          </p:spPr>
+        </p:pic>
+        <p:grpSp>
+          <p:nvGrpSpPr>
+            <p:cNvPr id="11" name="그룹 10">
+              <a:extLst>
+                <a:ext uri="{FF2B5EF4-FFF2-40B4-BE49-F238E27FC236}">
+                  <a16:creationId xmlns:a16="http://schemas.microsoft.com/office/drawing/2014/main" id="{AF6A7264-B653-6DEE-4530-68D41F3D4E6E}"/>
+                </a:ext>
+              </a:extLst>
+            </p:cNvPr>
+            <p:cNvGrpSpPr/>
+            <p:nvPr/>
+          </p:nvGrpSpPr>
+          <p:grpSpPr>
+            <a:xfrm>
+              <a:off x="5421085" y="3445697"/>
+              <a:ext cx="1371600" cy="248906"/>
+              <a:chOff x="5453742" y="5150408"/>
+              <a:chExt cx="1371600" cy="248906"/>
+            </a:xfrm>
+          </p:grpSpPr>
+          <p:cxnSp>
+            <p:nvCxnSpPr>
+              <p:cNvPr id="5" name="직선 화살표 연결선 4">
+                <a:extLst>
+                  <a:ext uri="{FF2B5EF4-FFF2-40B4-BE49-F238E27FC236}">
+                    <a16:creationId xmlns:a16="http://schemas.microsoft.com/office/drawing/2014/main" id="{01706A98-6B00-21A4-2E97-C88C20E7D3DE}"/>
+                  </a:ext>
+                </a:extLst>
+              </p:cNvPr>
+              <p:cNvCxnSpPr>
+                <a:cxnSpLocks/>
+              </p:cNvCxnSpPr>
+              <p:nvPr/>
+            </p:nvCxnSpPr>
+            <p:spPr>
+              <a:xfrm>
+                <a:off x="5453742" y="5399314"/>
+                <a:ext cx="1371600" cy="0"/>
+              </a:xfrm>
+              <a:prstGeom prst="straightConnector1">
+                <a:avLst/>
+              </a:prstGeom>
+              <a:ln w="28575">
+                <a:solidFill>
+                  <a:srgbClr val="144E25"/>
+                </a:solidFill>
+                <a:tailEnd type="triangle"/>
+              </a:ln>
+            </p:spPr>
+            <p:style>
+              <a:lnRef idx="1">
+                <a:schemeClr val="accent1"/>
+              </a:lnRef>
+              <a:fillRef idx="0">
+                <a:schemeClr val="accent1"/>
+              </a:fillRef>
+              <a:effectRef idx="0">
+                <a:schemeClr val="accent1"/>
+              </a:effectRef>
+              <a:fontRef idx="minor">
+                <a:schemeClr val="tx1"/>
+              </a:fontRef>
+            </p:style>
+          </p:cxnSp>
+          <p:sp>
+            <p:nvSpPr>
+              <p:cNvPr id="8" name="TextBox 7">
+                <a:extLst>
+                  <a:ext uri="{FF2B5EF4-FFF2-40B4-BE49-F238E27FC236}">
+                    <a16:creationId xmlns:a16="http://schemas.microsoft.com/office/drawing/2014/main" id="{1BF27F08-4579-E27D-8F84-4E1609DD77EB}"/>
+                  </a:ext>
+                </a:extLst>
+              </p:cNvPr>
+              <p:cNvSpPr txBox="1"/>
+              <p:nvPr/>
+            </p:nvSpPr>
+            <p:spPr>
+              <a:xfrm>
+                <a:off x="5453742" y="5150408"/>
+                <a:ext cx="1371600" cy="248906"/>
+              </a:xfrm>
+              <a:prstGeom prst="rect">
+                <a:avLst/>
+              </a:prstGeom>
+              <a:noFill/>
+            </p:spPr>
+            <p:txBody>
+              <a:bodyPr wrap="square" rtlCol="0">
+                <a:spAutoFit/>
+              </a:bodyPr>
+              <a:lstStyle/>
+              <a:p>
+                <a:r>
+                  <a:rPr lang="en-US" altLang="ko-KR" sz="1300" b="1" dirty="0">
+                    <a:latin typeface="Arial" panose="020B0604020202020204" pitchFamily="34" charset="0"/>
+                    <a:cs typeface="Arial" panose="020B0604020202020204" pitchFamily="34" charset="0"/>
+                  </a:rPr>
+                  <a:t>Quantization</a:t>
+                </a:r>
+                <a:endParaRPr lang="ko-KR" altLang="en-US" sz="1300" b="1" dirty="0">
+                  <a:latin typeface="Arial" panose="020B0604020202020204" pitchFamily="34" charset="0"/>
+                  <a:cs typeface="Arial" panose="020B0604020202020204" pitchFamily="34" charset="0"/>
+                </a:endParaRPr>
+              </a:p>
+            </p:txBody>
+          </p:sp>
+        </p:grpSp>
+        <p:pic>
+          <p:nvPicPr>
+            <p:cNvPr id="19" name="그림 18">
+              <a:extLst>
+                <a:ext uri="{FF2B5EF4-FFF2-40B4-BE49-F238E27FC236}">
+                  <a16:creationId xmlns:a16="http://schemas.microsoft.com/office/drawing/2014/main" id="{24637BBB-0957-23C0-956B-0D3EC4E2059D}"/>
+                </a:ext>
+              </a:extLst>
+            </p:cNvPr>
+            <p:cNvPicPr>
+              <a:picLocks noChangeAspect="1"/>
+            </p:cNvPicPr>
+            <p:nvPr/>
+          </p:nvPicPr>
+          <p:blipFill rotWithShape="1">
+            <a:blip r:embed="rId4"/>
+            <a:srcRect l="57808" r="-140"/>
+            <a:stretch/>
+          </p:blipFill>
+          <p:spPr>
+            <a:xfrm>
+              <a:off x="6868885" y="2122116"/>
+              <a:ext cx="3657600" cy="2613765"/>
+            </a:xfrm>
+            <a:prstGeom prst="rect">
+              <a:avLst/>
+            </a:prstGeom>
+          </p:spPr>
+        </p:pic>
+      </p:grpSp>
     </p:spTree>
     <p:extLst>
       <p:ext uri="{BB962C8B-B14F-4D97-AF65-F5344CB8AC3E}">
@@ -15858,6 +20307,466 @@
           </a:p>
         </p:txBody>
       </p:sp>
+      <p:sp>
+        <p:nvSpPr>
+          <p:cNvPr id="9" name="TextBox 8">
+            <a:extLst>
+              <a:ext uri="{FF2B5EF4-FFF2-40B4-BE49-F238E27FC236}">
+                <a16:creationId xmlns:a16="http://schemas.microsoft.com/office/drawing/2014/main" id="{63785B92-B914-1FE0-4301-817AE7D6F92F}"/>
+              </a:ext>
+            </a:extLst>
+          </p:cNvPr>
+          <p:cNvSpPr txBox="1"/>
+          <p:nvPr/>
+        </p:nvSpPr>
+        <p:spPr>
+          <a:xfrm>
+            <a:off x="-1" y="1063457"/>
+            <a:ext cx="12191999" cy="369332"/>
+          </a:xfrm>
+          <a:prstGeom prst="rect">
+            <a:avLst/>
+          </a:prstGeom>
+          <a:noFill/>
+        </p:spPr>
+        <p:txBody>
+          <a:bodyPr wrap="square" rtlCol="0">
+            <a:spAutoFit/>
+          </a:bodyPr>
+          <a:lstStyle/>
+          <a:p>
+            <a:pPr algn="ctr"/>
+            <a:r>
+              <a:rPr lang="en-US" altLang="ko-KR" b="1" dirty="0">
+                <a:solidFill>
+                  <a:srgbClr val="144E25"/>
+                </a:solidFill>
+                <a:latin typeface="Arial" panose="020B0604020202020204" pitchFamily="34" charset="0"/>
+                <a:cs typeface="Arial" panose="020B0604020202020204" pitchFamily="34" charset="0"/>
+              </a:rPr>
+              <a:t>Quantization</a:t>
+            </a:r>
+            <a:r>
+              <a:rPr lang="ko-KR" altLang="en-US" b="1" dirty="0">
+                <a:solidFill>
+                  <a:srgbClr val="144E25"/>
+                </a:solidFill>
+                <a:latin typeface="Arial" panose="020B0604020202020204" pitchFamily="34" charset="0"/>
+                <a:cs typeface="Arial" panose="020B0604020202020204" pitchFamily="34" charset="0"/>
+              </a:rPr>
+              <a:t> </a:t>
+            </a:r>
+            <a:r>
+              <a:rPr lang="en-US" altLang="ko-KR" b="1" dirty="0">
+                <a:solidFill>
+                  <a:srgbClr val="144E25"/>
+                </a:solidFill>
+                <a:latin typeface="Arial" panose="020B0604020202020204" pitchFamily="34" charset="0"/>
+                <a:cs typeface="Arial" panose="020B0604020202020204" pitchFamily="34" charset="0"/>
+              </a:rPr>
+              <a:t>Techniques[2] – Formula Definition</a:t>
+            </a:r>
+            <a:endParaRPr lang="ko-KR" altLang="en-US" b="1" dirty="0">
+              <a:solidFill>
+                <a:srgbClr val="144E25"/>
+              </a:solidFill>
+              <a:latin typeface="Arial" panose="020B0604020202020204" pitchFamily="34" charset="0"/>
+              <a:cs typeface="Arial" panose="020B0604020202020204" pitchFamily="34" charset="0"/>
+            </a:endParaRPr>
+          </a:p>
+        </p:txBody>
+      </p:sp>
+      <p:grpSp>
+        <p:nvGrpSpPr>
+          <p:cNvPr id="10" name="그룹 9">
+            <a:extLst>
+              <a:ext uri="{FF2B5EF4-FFF2-40B4-BE49-F238E27FC236}">
+                <a16:creationId xmlns:a16="http://schemas.microsoft.com/office/drawing/2014/main" id="{8AE78956-8C1B-A265-D5FE-E2C98D7DDF9C}"/>
+              </a:ext>
+            </a:extLst>
+          </p:cNvPr>
+          <p:cNvGrpSpPr/>
+          <p:nvPr/>
+        </p:nvGrpSpPr>
+        <p:grpSpPr>
+          <a:xfrm>
+            <a:off x="212422" y="1965021"/>
+            <a:ext cx="11767155" cy="3112791"/>
+            <a:chOff x="800100" y="2234988"/>
+            <a:chExt cx="10591800" cy="2801871"/>
+          </a:xfrm>
+        </p:grpSpPr>
+        <p:pic>
+          <p:nvPicPr>
+            <p:cNvPr id="7" name="그림 6">
+              <a:extLst>
+                <a:ext uri="{FF2B5EF4-FFF2-40B4-BE49-F238E27FC236}">
+                  <a16:creationId xmlns:a16="http://schemas.microsoft.com/office/drawing/2014/main" id="{0F0666EE-621D-A947-A467-4CAC9DCABC0B}"/>
+                </a:ext>
+              </a:extLst>
+            </p:cNvPr>
+            <p:cNvPicPr>
+              <a:picLocks noChangeAspect="1"/>
+            </p:cNvPicPr>
+            <p:nvPr/>
+          </p:nvPicPr>
+          <p:blipFill>
+            <a:blip r:embed="rId4"/>
+            <a:stretch>
+              <a:fillRect/>
+            </a:stretch>
+          </p:blipFill>
+          <p:spPr>
+            <a:xfrm>
+              <a:off x="800100" y="2234988"/>
+              <a:ext cx="10591800" cy="2562225"/>
+            </a:xfrm>
+            <a:prstGeom prst="rect">
+              <a:avLst/>
+            </a:prstGeom>
+          </p:spPr>
+        </p:pic>
+        <p:sp>
+          <p:nvSpPr>
+            <p:cNvPr id="19" name="TextBox 18">
+              <a:extLst>
+                <a:ext uri="{FF2B5EF4-FFF2-40B4-BE49-F238E27FC236}">
+                  <a16:creationId xmlns:a16="http://schemas.microsoft.com/office/drawing/2014/main" id="{DA377D57-FF4E-7184-D119-84628CFE5C8C}"/>
+                </a:ext>
+              </a:extLst>
+            </p:cNvPr>
+            <p:cNvSpPr txBox="1"/>
+            <p:nvPr/>
+          </p:nvSpPr>
+          <p:spPr>
+            <a:xfrm>
+              <a:off x="1618131" y="4759824"/>
+              <a:ext cx="4742427" cy="277035"/>
+            </a:xfrm>
+            <a:prstGeom prst="rect">
+              <a:avLst/>
+            </a:prstGeom>
+            <a:noFill/>
+          </p:spPr>
+          <p:txBody>
+            <a:bodyPr wrap="square">
+              <a:spAutoFit/>
+            </a:bodyPr>
+            <a:lstStyle/>
+            <a:p>
+              <a:r>
+                <a:rPr lang="en-US" altLang="ko-KR" sz="1400" b="1" dirty="0">
+                  <a:effectLst/>
+                  <a:latin typeface="Arial" panose="020B0604020202020204" pitchFamily="34" charset="0"/>
+                  <a:cs typeface="Arial" panose="020B0604020202020204" pitchFamily="34" charset="0"/>
+                </a:rPr>
+                <a:t>Symmetric Quantization </a:t>
+              </a:r>
+              <a:r>
+                <a:rPr lang="en-US" altLang="ko-KR" sz="1400" b="1" dirty="0">
+                  <a:latin typeface="Arial" panose="020B0604020202020204" pitchFamily="34" charset="0"/>
+                  <a:cs typeface="Arial" panose="020B0604020202020204" pitchFamily="34" charset="0"/>
+                </a:rPr>
+                <a:t> /  Affine Quantization Mapping</a:t>
+              </a:r>
+              <a:endParaRPr lang="ko-KR" altLang="en-US" sz="1400" dirty="0">
+                <a:latin typeface="Arial" panose="020B0604020202020204" pitchFamily="34" charset="0"/>
+                <a:cs typeface="Arial" panose="020B0604020202020204" pitchFamily="34" charset="0"/>
+              </a:endParaRPr>
+            </a:p>
+          </p:txBody>
+        </p:sp>
+        <p:sp>
+          <p:nvSpPr>
+            <p:cNvPr id="20" name="TextBox 19">
+              <a:extLst>
+                <a:ext uri="{FF2B5EF4-FFF2-40B4-BE49-F238E27FC236}">
+                  <a16:creationId xmlns:a16="http://schemas.microsoft.com/office/drawing/2014/main" id="{62E43C45-2957-0759-E0CB-C9A5E2BAF7FA}"/>
+                </a:ext>
+              </a:extLst>
+            </p:cNvPr>
+            <p:cNvSpPr txBox="1"/>
+            <p:nvPr/>
+          </p:nvSpPr>
+          <p:spPr>
+            <a:xfrm>
+              <a:off x="6508853" y="4759823"/>
+              <a:ext cx="4448476" cy="277035"/>
+            </a:xfrm>
+            <a:prstGeom prst="rect">
+              <a:avLst/>
+            </a:prstGeom>
+            <a:noFill/>
+          </p:spPr>
+          <p:txBody>
+            <a:bodyPr wrap="square">
+              <a:spAutoFit/>
+            </a:bodyPr>
+            <a:lstStyle/>
+            <a:p>
+              <a:r>
+                <a:rPr lang="en-US" altLang="ko-KR" sz="1400" b="1" dirty="0">
+                  <a:latin typeface="Arial" panose="020B0604020202020204" pitchFamily="34" charset="0"/>
+                  <a:cs typeface="Arial" panose="020B0604020202020204" pitchFamily="34" charset="0"/>
+                </a:rPr>
+                <a:t>As</a:t>
+              </a:r>
+              <a:r>
+                <a:rPr lang="en-US" altLang="ko-KR" sz="1400" b="1" dirty="0">
+                  <a:effectLst/>
+                  <a:latin typeface="Arial" panose="020B0604020202020204" pitchFamily="34" charset="0"/>
+                  <a:cs typeface="Arial" panose="020B0604020202020204" pitchFamily="34" charset="0"/>
+                </a:rPr>
+                <a:t>ymmetric Quantization  /  </a:t>
+              </a:r>
+              <a:r>
+                <a:rPr lang="en-US" altLang="ko-KR" sz="1400" b="1" dirty="0">
+                  <a:latin typeface="Arial" panose="020B0604020202020204" pitchFamily="34" charset="0"/>
+                  <a:cs typeface="Arial" panose="020B0604020202020204" pitchFamily="34" charset="0"/>
+                </a:rPr>
+                <a:t>Scale Quantization Mapping</a:t>
+              </a:r>
+              <a:r>
+                <a:rPr lang="en-US" altLang="ko-KR" sz="1400" b="1" dirty="0">
+                  <a:effectLst/>
+                  <a:latin typeface="Arial" panose="020B0604020202020204" pitchFamily="34" charset="0"/>
+                  <a:cs typeface="Arial" panose="020B0604020202020204" pitchFamily="34" charset="0"/>
+                </a:rPr>
+                <a:t> </a:t>
+              </a:r>
+              <a:endParaRPr lang="ko-KR" altLang="en-US" sz="1400" dirty="0">
+                <a:latin typeface="Arial" panose="020B0604020202020204" pitchFamily="34" charset="0"/>
+                <a:cs typeface="Arial" panose="020B0604020202020204" pitchFamily="34" charset="0"/>
+              </a:endParaRPr>
+            </a:p>
+          </p:txBody>
+        </p:sp>
+      </p:grpSp>
+      <mc:AlternateContent xmlns:mc="http://schemas.openxmlformats.org/markup-compatibility/2006" xmlns:a14="http://schemas.microsoft.com/office/drawing/2010/main">
+        <mc:Choice Requires="a14">
+          <p:sp>
+            <p:nvSpPr>
+              <p:cNvPr id="21" name="TextBox 20">
+                <a:extLst>
+                  <a:ext uri="{FF2B5EF4-FFF2-40B4-BE49-F238E27FC236}">
+                    <a16:creationId xmlns:a16="http://schemas.microsoft.com/office/drawing/2014/main" id="{F73C9687-5658-5FFC-03EA-0B0A63EBCF0F}"/>
+                  </a:ext>
+                </a:extLst>
+              </p:cNvPr>
+              <p:cNvSpPr txBox="1"/>
+              <p:nvPr/>
+            </p:nvSpPr>
+            <p:spPr>
+              <a:xfrm>
+                <a:off x="1616528" y="5531349"/>
+                <a:ext cx="4610102" cy="437749"/>
+              </a:xfrm>
+              <a:prstGeom prst="rect">
+                <a:avLst/>
+              </a:prstGeom>
+              <a:noFill/>
+            </p:spPr>
+            <p:txBody>
+              <a:bodyPr wrap="square">
+                <a:spAutoFit/>
+              </a:bodyPr>
+              <a:lstStyle/>
+              <a:p>
+                <a:r>
+                  <a:rPr lang="en-US" altLang="ko-KR" sz="1500" b="1" dirty="0">
+                    <a:latin typeface="Arial" panose="020B0604020202020204" pitchFamily="34" charset="0"/>
+                    <a:cs typeface="Arial" panose="020B0604020202020204" pitchFamily="34" charset="0"/>
+                  </a:rPr>
+                  <a:t>0.1</a:t>
+                </a:r>
+                <a:r>
+                  <a:rPr lang="en-US" altLang="ko-KR" sz="1500" dirty="0">
+                    <a:effectLst/>
+                    <a:latin typeface="Arial" panose="020B0604020202020204" pitchFamily="34" charset="0"/>
+                    <a:cs typeface="Arial" panose="020B0604020202020204" pitchFamily="34" charset="0"/>
+                  </a:rPr>
+                  <a:t> </a:t>
+                </a:r>
+                <a:r>
+                  <a:rPr lang="en-US" altLang="ko-KR" sz="1200" dirty="0">
+                    <a:effectLst/>
+                    <a:latin typeface="Arial" panose="020B0604020202020204" pitchFamily="34" charset="0"/>
+                    <a:cs typeface="Arial" panose="020B0604020202020204" pitchFamily="34" charset="0"/>
+                  </a:rPr>
+                  <a:t>(Float Type)</a:t>
+                </a:r>
+                <a:r>
+                  <a:rPr lang="en-US" altLang="ko-KR" sz="1500" dirty="0">
+                    <a:effectLst/>
+                    <a:latin typeface="Arial" panose="020B0604020202020204" pitchFamily="34" charset="0"/>
+                    <a:cs typeface="Arial" panose="020B0604020202020204" pitchFamily="34" charset="0"/>
+                  </a:rPr>
+                  <a:t>     </a:t>
+                </a:r>
+                <a:r>
+                  <a:rPr lang="ko-KR" altLang="en-US" sz="1500" dirty="0">
+                    <a:effectLst/>
+                    <a:latin typeface="Arial" panose="020B0604020202020204" pitchFamily="34" charset="0"/>
+                    <a:cs typeface="Arial" panose="020B0604020202020204" pitchFamily="34" charset="0"/>
+                  </a:rPr>
+                  <a:t>→    </a:t>
+                </a:r>
+                <a14:m>
+                  <m:oMath xmlns:m="http://schemas.openxmlformats.org/officeDocument/2006/math">
+                    <m:r>
+                      <a:rPr lang="en-US" altLang="ko-KR" sz="1500" b="0" i="1" smtClean="0">
+                        <a:effectLst/>
+                        <a:latin typeface="Cambria Math" panose="02040503050406030204" pitchFamily="18" charset="0"/>
+                        <a:cs typeface="Arial" panose="020B0604020202020204" pitchFamily="34" charset="0"/>
+                      </a:rPr>
+                      <m:t>𝑟𝑜𝑢𝑛𝑑</m:t>
+                    </m:r>
+                    <m:d>
+                      <m:dPr>
+                        <m:ctrlPr>
+                          <a:rPr lang="en-US" altLang="ko-KR" sz="1500" i="1" smtClean="0">
+                            <a:effectLst/>
+                            <a:latin typeface="Cambria Math" panose="02040503050406030204" pitchFamily="18" charset="0"/>
+                            <a:cs typeface="Arial" panose="020B0604020202020204" pitchFamily="34" charset="0"/>
+                          </a:rPr>
+                        </m:ctrlPr>
+                      </m:dPr>
+                      <m:e>
+                        <m:r>
+                          <a:rPr lang="en-US" altLang="ko-KR" sz="1500" b="0" i="1" smtClean="0">
+                            <a:effectLst/>
+                            <a:latin typeface="Cambria Math" panose="02040503050406030204" pitchFamily="18" charset="0"/>
+                            <a:cs typeface="Arial" panose="020B0604020202020204" pitchFamily="34" charset="0"/>
+                          </a:rPr>
+                          <m:t>127</m:t>
+                        </m:r>
+                        <m:r>
+                          <a:rPr lang="en-US" altLang="ko-KR" sz="1500" b="0" i="1" smtClean="0">
+                            <a:effectLst/>
+                            <a:latin typeface="Cambria Math" panose="02040503050406030204" pitchFamily="18" charset="0"/>
+                            <a:ea typeface="Cambria Math" panose="02040503050406030204" pitchFamily="18" charset="0"/>
+                            <a:cs typeface="Arial" panose="020B0604020202020204" pitchFamily="34" charset="0"/>
+                          </a:rPr>
+                          <m:t>×</m:t>
+                        </m:r>
+                        <m:f>
+                          <m:fPr>
+                            <m:ctrlPr>
+                              <a:rPr lang="en-US" altLang="ko-KR" sz="1500" i="1" smtClean="0">
+                                <a:effectLst/>
+                                <a:latin typeface="Cambria Math" panose="02040503050406030204" pitchFamily="18" charset="0"/>
+                                <a:ea typeface="Cambria Math" panose="02040503050406030204" pitchFamily="18" charset="0"/>
+                                <a:cs typeface="Arial" panose="020B0604020202020204" pitchFamily="34" charset="0"/>
+                              </a:rPr>
+                            </m:ctrlPr>
+                          </m:fPr>
+                          <m:num>
+                            <m:r>
+                              <a:rPr lang="en-US" altLang="ko-KR" sz="1500" b="0" i="1" smtClean="0">
+                                <a:effectLst/>
+                                <a:latin typeface="Cambria Math" panose="02040503050406030204" pitchFamily="18" charset="0"/>
+                                <a:ea typeface="Cambria Math" panose="02040503050406030204" pitchFamily="18" charset="0"/>
+                                <a:cs typeface="Arial" panose="020B0604020202020204" pitchFamily="34" charset="0"/>
+                              </a:rPr>
+                              <m:t>1</m:t>
+                            </m:r>
+                          </m:num>
+                          <m:den>
+                            <m:r>
+                              <a:rPr lang="en-US" altLang="ko-KR" sz="1500" b="0" i="1" smtClean="0">
+                                <a:effectLst/>
+                                <a:latin typeface="Cambria Math" panose="02040503050406030204" pitchFamily="18" charset="0"/>
+                                <a:ea typeface="Cambria Math" panose="02040503050406030204" pitchFamily="18" charset="0"/>
+                                <a:cs typeface="Arial" panose="020B0604020202020204" pitchFamily="34" charset="0"/>
+                              </a:rPr>
+                              <m:t>10</m:t>
+                            </m:r>
+                          </m:den>
+                        </m:f>
+                      </m:e>
+                    </m:d>
+                    <m:r>
+                      <a:rPr lang="en-US" altLang="ko-KR" sz="1500" b="0" i="1" smtClean="0">
+                        <a:effectLst/>
+                        <a:latin typeface="Cambria Math" panose="02040503050406030204" pitchFamily="18" charset="0"/>
+                        <a:ea typeface="Cambria Math" panose="02040503050406030204" pitchFamily="18" charset="0"/>
+                        <a:cs typeface="Arial" panose="020B0604020202020204" pitchFamily="34" charset="0"/>
+                      </a:rPr>
+                      <m:t> =</m:t>
+                    </m:r>
+                    <m:r>
+                      <a:rPr lang="en-US" altLang="ko-KR" sz="1500" b="1" i="1" smtClean="0">
+                        <a:effectLst/>
+                        <a:latin typeface="Cambria Math" panose="02040503050406030204" pitchFamily="18" charset="0"/>
+                        <a:ea typeface="Cambria Math" panose="02040503050406030204" pitchFamily="18" charset="0"/>
+                        <a:cs typeface="Arial" panose="020B0604020202020204" pitchFamily="34" charset="0"/>
+                      </a:rPr>
+                      <m:t> </m:t>
+                    </m:r>
+                    <m:r>
+                      <a:rPr lang="en-US" altLang="ko-KR" sz="1500" b="1" i="1" smtClean="0">
+                        <a:effectLst/>
+                        <a:latin typeface="Cambria Math" panose="02040503050406030204" pitchFamily="18" charset="0"/>
+                        <a:ea typeface="Cambria Math" panose="02040503050406030204" pitchFamily="18" charset="0"/>
+                        <a:cs typeface="Arial" panose="020B0604020202020204" pitchFamily="34" charset="0"/>
+                      </a:rPr>
+                      <m:t>𝟏𝟑</m:t>
+                    </m:r>
+                  </m:oMath>
+                </a14:m>
+                <a:endParaRPr lang="ko-KR" altLang="en-US" sz="1500" b="1" dirty="0">
+                  <a:latin typeface="Arial" panose="020B0604020202020204" pitchFamily="34" charset="0"/>
+                  <a:cs typeface="Arial" panose="020B0604020202020204" pitchFamily="34" charset="0"/>
+                </a:endParaRPr>
+              </a:p>
+            </p:txBody>
+          </p:sp>
+        </mc:Choice>
+        <mc:Fallback xmlns="">
+          <p:sp>
+            <p:nvSpPr>
+              <p:cNvPr id="21" name="TextBox 20">
+                <a:extLst>
+                  <a:ext uri="{FF2B5EF4-FFF2-40B4-BE49-F238E27FC236}">
+                    <a16:creationId xmlns:a16="http://schemas.microsoft.com/office/drawing/2014/main" id="{F73C9687-5658-5FFC-03EA-0B0A63EBCF0F}"/>
+                  </a:ext>
+                </a:extLst>
+              </p:cNvPr>
+              <p:cNvSpPr txBox="1">
+                <a:spLocks noRot="1" noChangeAspect="1" noMove="1" noResize="1" noEditPoints="1" noAdjustHandles="1" noChangeArrowheads="1" noChangeShapeType="1" noTextEdit="1"/>
+              </p:cNvSpPr>
+              <p:nvPr/>
+            </p:nvSpPr>
+            <p:spPr>
+              <a:xfrm>
+                <a:off x="1616528" y="5531349"/>
+                <a:ext cx="4610102" cy="437749"/>
+              </a:xfrm>
+              <a:prstGeom prst="rect">
+                <a:avLst/>
+              </a:prstGeom>
+              <a:blipFill>
+                <a:blip r:embed="rId5"/>
+                <a:stretch>
+                  <a:fillRect l="-529" b="-1389"/>
+                </a:stretch>
+              </a:blipFill>
+            </p:spPr>
+            <p:txBody>
+              <a:bodyPr/>
+              <a:lstStyle/>
+              <a:p>
+                <a:r>
+                  <a:rPr lang="ko-KR" altLang="en-US">
+                    <a:noFill/>
+                  </a:rPr>
+                  <a:t> </a:t>
+                </a:r>
+              </a:p>
+            </p:txBody>
+          </p:sp>
+        </mc:Fallback>
+      </mc:AlternateContent>
     </p:spTree>
     <p:extLst>
       <p:ext uri="{BB962C8B-B14F-4D97-AF65-F5344CB8AC3E}">
